--- a/Thermo 2022 (Neshyba)/Lectures/Week 6 - 1st Law/Week 6.4 (Friday) Synthesis.pptx
+++ b/Thermo 2022 (Neshyba)/Lectures/Week 6 - 1st Law/Week 6.4 (Friday) Synthesis.pptx
@@ -6,11 +6,15 @@
   </p:sldMasterIdLst>
   <p:sldIdLst>
     <p:sldId id="257" r:id="rId2"/>
-    <p:sldId id="327" r:id="rId3"/>
-    <p:sldId id="258" r:id="rId4"/>
-    <p:sldId id="326" r:id="rId5"/>
-    <p:sldId id="318" r:id="rId6"/>
-    <p:sldId id="284" r:id="rId7"/>
+    <p:sldId id="283" r:id="rId3"/>
+    <p:sldId id="329" r:id="rId4"/>
+    <p:sldId id="327" r:id="rId5"/>
+    <p:sldId id="330" r:id="rId6"/>
+    <p:sldId id="331" r:id="rId7"/>
+    <p:sldId id="258" r:id="rId8"/>
+    <p:sldId id="326" r:id="rId9"/>
+    <p:sldId id="318" r:id="rId10"/>
+    <p:sldId id="284" r:id="rId11"/>
   </p:sldIdLst>
   <p:sldSz cx="12192000" cy="6858000"/>
   <p:notesSz cx="6858000" cy="9144000"/>
@@ -109,6 +113,11 @@
       </a:defRPr>
     </a:lvl9pPr>
   </p:defaultTextStyle>
+  <p:extLst>
+    <p:ext uri="{EFAFB233-063F-42B5-8137-9DF3F51BA10A}">
+      <p15:sldGuideLst xmlns:p15="http://schemas.microsoft.com/office/powerpoint/2012/main"/>
+    </p:ext>
+  </p:extLst>
 </p:presentation>
 </file>
 
@@ -259,7 +268,7 @@
           <a:p>
             <a:fld id="{B67A1932-378F-164C-B083-8FF5DB5B2689}" type="datetimeFigureOut">
               <a:rPr lang="en-US" smtClean="0"/>
-              <a:t>10/8/21</a:t>
+              <a:t>10/7/22</a:t>
             </a:fld>
             <a:endParaRPr lang="en-US"/>
           </a:p>
@@ -457,7 +466,7 @@
           <a:p>
             <a:fld id="{B67A1932-378F-164C-B083-8FF5DB5B2689}" type="datetimeFigureOut">
               <a:rPr lang="en-US" smtClean="0"/>
-              <a:t>10/8/21</a:t>
+              <a:t>10/7/22</a:t>
             </a:fld>
             <a:endParaRPr lang="en-US"/>
           </a:p>
@@ -665,7 +674,7 @@
           <a:p>
             <a:fld id="{B67A1932-378F-164C-B083-8FF5DB5B2689}" type="datetimeFigureOut">
               <a:rPr lang="en-US" smtClean="0"/>
-              <a:t>10/8/21</a:t>
+              <a:t>10/7/22</a:t>
             </a:fld>
             <a:endParaRPr lang="en-US"/>
           </a:p>
@@ -863,7 +872,7 @@
           <a:p>
             <a:fld id="{B67A1932-378F-164C-B083-8FF5DB5B2689}" type="datetimeFigureOut">
               <a:rPr lang="en-US" smtClean="0"/>
-              <a:t>10/8/21</a:t>
+              <a:t>10/7/22</a:t>
             </a:fld>
             <a:endParaRPr lang="en-US"/>
           </a:p>
@@ -1138,7 +1147,7 @@
           <a:p>
             <a:fld id="{B67A1932-378F-164C-B083-8FF5DB5B2689}" type="datetimeFigureOut">
               <a:rPr lang="en-US" smtClean="0"/>
-              <a:t>10/8/21</a:t>
+              <a:t>10/7/22</a:t>
             </a:fld>
             <a:endParaRPr lang="en-US"/>
           </a:p>
@@ -1403,7 +1412,7 @@
           <a:p>
             <a:fld id="{B67A1932-378F-164C-B083-8FF5DB5B2689}" type="datetimeFigureOut">
               <a:rPr lang="en-US" smtClean="0"/>
-              <a:t>10/8/21</a:t>
+              <a:t>10/7/22</a:t>
             </a:fld>
             <a:endParaRPr lang="en-US"/>
           </a:p>
@@ -1815,7 +1824,7 @@
           <a:p>
             <a:fld id="{B67A1932-378F-164C-B083-8FF5DB5B2689}" type="datetimeFigureOut">
               <a:rPr lang="en-US" smtClean="0"/>
-              <a:t>10/8/21</a:t>
+              <a:t>10/7/22</a:t>
             </a:fld>
             <a:endParaRPr lang="en-US"/>
           </a:p>
@@ -1956,7 +1965,7 @@
           <a:p>
             <a:fld id="{B67A1932-378F-164C-B083-8FF5DB5B2689}" type="datetimeFigureOut">
               <a:rPr lang="en-US" smtClean="0"/>
-              <a:t>10/8/21</a:t>
+              <a:t>10/7/22</a:t>
             </a:fld>
             <a:endParaRPr lang="en-US"/>
           </a:p>
@@ -2069,7 +2078,7 @@
           <a:p>
             <a:fld id="{B67A1932-378F-164C-B083-8FF5DB5B2689}" type="datetimeFigureOut">
               <a:rPr lang="en-US" smtClean="0"/>
-              <a:t>10/8/21</a:t>
+              <a:t>10/7/22</a:t>
             </a:fld>
             <a:endParaRPr lang="en-US"/>
           </a:p>
@@ -2380,7 +2389,7 @@
           <a:p>
             <a:fld id="{B67A1932-378F-164C-B083-8FF5DB5B2689}" type="datetimeFigureOut">
               <a:rPr lang="en-US" smtClean="0"/>
-              <a:t>10/8/21</a:t>
+              <a:t>10/7/22</a:t>
             </a:fld>
             <a:endParaRPr lang="en-US"/>
           </a:p>
@@ -2668,7 +2677,7 @@
           <a:p>
             <a:fld id="{B67A1932-378F-164C-B083-8FF5DB5B2689}" type="datetimeFigureOut">
               <a:rPr lang="en-US" smtClean="0"/>
-              <a:t>10/8/21</a:t>
+              <a:t>10/7/22</a:t>
             </a:fld>
             <a:endParaRPr lang="en-US"/>
           </a:p>
@@ -2909,7 +2918,7 @@
           <a:p>
             <a:fld id="{B67A1932-378F-164C-B083-8FF5DB5B2689}" type="datetimeFigureOut">
               <a:rPr lang="en-US" smtClean="0"/>
-              <a:t>10/8/21</a:t>
+              <a:t>10/7/22</a:t>
             </a:fld>
             <a:endParaRPr lang="en-US"/>
           </a:p>
@@ -3328,10 +3337,10 @@
       </p:grpSpPr>
       <p:sp>
         <p:nvSpPr>
-          <p:cNvPr id="10" name="TextBox 9">
+          <p:cNvPr id="3" name="TextBox 2">
             <a:extLst>
               <a:ext uri="{FF2B5EF4-FFF2-40B4-BE49-F238E27FC236}">
-                <a16:creationId xmlns:a16="http://schemas.microsoft.com/office/drawing/2014/main" id="{2C4D51AB-942B-FC45-BC1E-A73EAE9C61BD}"/>
+                <a16:creationId xmlns:a16="http://schemas.microsoft.com/office/drawing/2014/main" id="{55248EA7-36EA-6E43-AF27-F1D07251C2A0}"/>
               </a:ext>
             </a:extLst>
           </p:cNvPr>
@@ -3340,8 +3349,8 @@
         </p:nvSpPr>
         <p:spPr>
           <a:xfrm>
-            <a:off x="104932" y="91961"/>
-            <a:ext cx="8394492" cy="461665"/>
+            <a:off x="206531" y="1720840"/>
+            <a:ext cx="5392757" cy="3416320"/>
           </a:xfrm>
           <a:prstGeom prst="rect">
             <a:avLst/>
@@ -3358,36 +3367,8 @@
               <a:rPr lang="en-US" sz="2400" b="1" dirty="0"/>
               <a:t>What we’ve done so far this week</a:t>
             </a:r>
+            <a:endParaRPr lang="en-US" sz="2400" dirty="0"/>
           </a:p>
-        </p:txBody>
-      </p:sp>
-      <p:sp>
-        <p:nvSpPr>
-          <p:cNvPr id="3" name="TextBox 2">
-            <a:extLst>
-              <a:ext uri="{FF2B5EF4-FFF2-40B4-BE49-F238E27FC236}">
-                <a16:creationId xmlns:a16="http://schemas.microsoft.com/office/drawing/2014/main" id="{55248EA7-36EA-6E43-AF27-F1D07251C2A0}"/>
-              </a:ext>
-            </a:extLst>
-          </p:cNvPr>
-          <p:cNvSpPr txBox="1"/>
-          <p:nvPr/>
-        </p:nvSpPr>
-        <p:spPr>
-          <a:xfrm>
-            <a:off x="104932" y="730202"/>
-            <a:ext cx="4627706" cy="1938992"/>
-          </a:xfrm>
-          <a:prstGeom prst="rect">
-            <a:avLst/>
-          </a:prstGeom>
-          <a:noFill/>
-        </p:spPr>
-        <p:txBody>
-          <a:bodyPr wrap="square" rtlCol="0">
-            <a:spAutoFit/>
-          </a:bodyPr>
-          <a:lstStyle/>
           <a:p>
             <a:pPr marL="342900" indent="-342900">
               <a:buFont typeface="+mj-lt"/>
@@ -3413,7 +3394,7 @@
             </a:pPr>
             <a:r>
               <a:rPr lang="en-US" sz="2400" dirty="0"/>
-              <a:t>Explore how that relates to the behavior of gases as they expand &amp; contract</a:t>
+              <a:t>Explored how that relates to the behavior of gases as they expand &amp; contract</a:t>
             </a:r>
           </a:p>
           <a:p>
@@ -3426,14 +3407,34 @@
               <a:t>Constructed Carnot cycles</a:t>
             </a:r>
           </a:p>
+          <a:p>
+            <a:pPr marL="342900" indent="-342900">
+              <a:buFont typeface="+mj-lt"/>
+              <a:buAutoNum type="arabicPeriod"/>
+            </a:pPr>
+            <a:endParaRPr lang="en-US" sz="2400" dirty="0"/>
+          </a:p>
+          <a:p>
+            <a:r>
+              <a:rPr lang="en-US" sz="2400" b="1" dirty="0"/>
+              <a:t>Today</a:t>
+            </a:r>
+          </a:p>
+          <a:p>
+            <a:r>
+              <a:rPr lang="en-US" sz="2400" dirty="0"/>
+              <a:t>Do some analytical (blackboard) work</a:t>
+            </a:r>
+            <a:endParaRPr lang="en-US" sz="2400" b="1" dirty="0"/>
+          </a:p>
         </p:txBody>
       </p:sp>
       <p:sp>
         <p:nvSpPr>
-          <p:cNvPr id="5" name="TextBox 4">
+          <p:cNvPr id="4" name="TextBox 3">
             <a:extLst>
               <a:ext uri="{FF2B5EF4-FFF2-40B4-BE49-F238E27FC236}">
-                <a16:creationId xmlns:a16="http://schemas.microsoft.com/office/drawing/2014/main" id="{D4A85B14-05A4-3D45-A231-7A206750F7CE}"/>
+                <a16:creationId xmlns:a16="http://schemas.microsoft.com/office/drawing/2014/main" id="{7CA994E7-54F6-D9F7-DDB3-741047B03D46}"/>
               </a:ext>
             </a:extLst>
           </p:cNvPr>
@@ -3442,8 +3443,1519 @@
         </p:nvSpPr>
         <p:spPr>
           <a:xfrm>
-            <a:off x="104932" y="3080158"/>
-            <a:ext cx="2545671" cy="461665"/>
+            <a:off x="3330" y="1649"/>
+            <a:ext cx="12188669" cy="461665"/>
+          </a:xfrm>
+          <a:prstGeom prst="rect">
+            <a:avLst/>
+          </a:prstGeom>
+          <a:solidFill>
+            <a:schemeClr val="accent2"/>
+          </a:solidFill>
+        </p:spPr>
+        <p:txBody>
+          <a:bodyPr wrap="square" rtlCol="0">
+            <a:spAutoFit/>
+          </a:bodyPr>
+          <a:lstStyle/>
+          <a:p>
+            <a:r>
+              <a:rPr lang="en-US" sz="2400" b="1" dirty="0"/>
+              <a:t>Recap</a:t>
+            </a:r>
+          </a:p>
+        </p:txBody>
+      </p:sp>
+      <p:pic>
+        <p:nvPicPr>
+          <p:cNvPr id="9" name="Picture 8">
+            <a:extLst>
+              <a:ext uri="{FF2B5EF4-FFF2-40B4-BE49-F238E27FC236}">
+                <a16:creationId xmlns:a16="http://schemas.microsoft.com/office/drawing/2014/main" id="{18AC407B-4173-064A-A57D-753E94962DE9}"/>
+              </a:ext>
+            </a:extLst>
+          </p:cNvPr>
+          <p:cNvPicPr>
+            <a:picLocks noChangeAspect="1"/>
+          </p:cNvPicPr>
+          <p:nvPr/>
+        </p:nvPicPr>
+        <p:blipFill rotWithShape="1">
+          <a:blip r:embed="rId2"/>
+          <a:srcRect t="7033"/>
+          <a:stretch/>
+        </p:blipFill>
+        <p:spPr>
+          <a:xfrm>
+            <a:off x="5573317" y="598311"/>
+            <a:ext cx="5621905" cy="6103310"/>
+          </a:xfrm>
+          <a:prstGeom prst="rect">
+            <a:avLst/>
+          </a:prstGeom>
+        </p:spPr>
+      </p:pic>
+      <p:pic>
+        <p:nvPicPr>
+          <p:cNvPr id="7" name="Picture 6">
+            <a:extLst>
+              <a:ext uri="{FF2B5EF4-FFF2-40B4-BE49-F238E27FC236}">
+                <a16:creationId xmlns:a16="http://schemas.microsoft.com/office/drawing/2014/main" id="{5D12A4F7-04C3-52BD-B82E-849BA6FD41C1}"/>
+              </a:ext>
+            </a:extLst>
+          </p:cNvPr>
+          <p:cNvPicPr>
+            <a:picLocks noChangeAspect="1"/>
+          </p:cNvPicPr>
+          <p:nvPr/>
+        </p:nvPicPr>
+        <p:blipFill>
+          <a:blip r:embed="rId3"/>
+          <a:stretch>
+            <a:fillRect/>
+          </a:stretch>
+        </p:blipFill>
+        <p:spPr>
+          <a:xfrm>
+            <a:off x="8984142" y="1381543"/>
+            <a:ext cx="2211080" cy="387103"/>
+          </a:xfrm>
+          <a:prstGeom prst="rect">
+            <a:avLst/>
+          </a:prstGeom>
+        </p:spPr>
+      </p:pic>
+    </p:spTree>
+    <p:extLst>
+      <p:ext uri="{BB962C8B-B14F-4D97-AF65-F5344CB8AC3E}">
+        <p14:creationId xmlns:p14="http://schemas.microsoft.com/office/powerpoint/2010/main" val="3553804072"/>
+      </p:ext>
+    </p:extLst>
+  </p:cSld>
+  <p:clrMapOvr>
+    <a:masterClrMapping/>
+  </p:clrMapOvr>
+</p:sld>
+</file>
+
+<file path=ppt/slides/slide10.xml><?xml version="1.0" encoding="utf-8"?>
+<p:sld xmlns:a="http://schemas.openxmlformats.org/drawingml/2006/main" xmlns:r="http://schemas.openxmlformats.org/officeDocument/2006/relationships" xmlns:p="http://schemas.openxmlformats.org/presentationml/2006/main">
+  <p:cSld>
+    <p:spTree>
+      <p:nvGrpSpPr>
+        <p:cNvPr id="1" name=""/>
+        <p:cNvGrpSpPr/>
+        <p:nvPr/>
+      </p:nvGrpSpPr>
+      <p:grpSpPr>
+        <a:xfrm>
+          <a:off x="0" y="0"/>
+          <a:ext cx="0" cy="0"/>
+          <a:chOff x="0" y="0"/>
+          <a:chExt cx="0" cy="0"/>
+        </a:xfrm>
+      </p:grpSpPr>
+      <p:sp>
+        <p:nvSpPr>
+          <p:cNvPr id="10" name="TextBox 9">
+            <a:extLst>
+              <a:ext uri="{FF2B5EF4-FFF2-40B4-BE49-F238E27FC236}">
+                <a16:creationId xmlns:a16="http://schemas.microsoft.com/office/drawing/2014/main" id="{2C4D51AB-942B-FC45-BC1E-A73EAE9C61BD}"/>
+              </a:ext>
+            </a:extLst>
+          </p:cNvPr>
+          <p:cNvSpPr txBox="1"/>
+          <p:nvPr/>
+        </p:nvSpPr>
+        <p:spPr>
+          <a:xfrm>
+            <a:off x="-11290" y="4321"/>
+            <a:ext cx="12203289" cy="461665"/>
+          </a:xfrm>
+          <a:prstGeom prst="rect">
+            <a:avLst/>
+          </a:prstGeom>
+          <a:solidFill>
+            <a:schemeClr val="accent2"/>
+          </a:solidFill>
+        </p:spPr>
+        <p:txBody>
+          <a:bodyPr wrap="square" rtlCol="0">
+            <a:spAutoFit/>
+          </a:bodyPr>
+          <a:lstStyle/>
+          <a:p>
+            <a:r>
+              <a:rPr lang="en-US" sz="2400" b="1" dirty="0"/>
+              <a:t>5. Show that the Carnot cycle’s efficiency really is</a:t>
+            </a:r>
+            <a:r>
+              <a:rPr lang="en-US" sz="2400" b="1" i="1" dirty="0"/>
+              <a:t> </a:t>
+            </a:r>
+            <a:r>
+              <a:rPr lang="en-US" sz="2400" b="1" dirty="0"/>
+              <a:t>the theoretical maximum</a:t>
+            </a:r>
+          </a:p>
+        </p:txBody>
+      </p:sp>
+      <mc:AlternateContent xmlns:mc="http://schemas.openxmlformats.org/markup-compatibility/2006" xmlns:a14="http://schemas.microsoft.com/office/drawing/2010/main">
+        <mc:Choice Requires="a14">
+          <p:sp>
+            <p:nvSpPr>
+              <p:cNvPr id="52" name="TextBox 51">
+                <a:extLst>
+                  <a:ext uri="{FF2B5EF4-FFF2-40B4-BE49-F238E27FC236}">
+                    <a16:creationId xmlns:a16="http://schemas.microsoft.com/office/drawing/2014/main" id="{B356847F-947E-854E-8A35-397154A4F8BA}"/>
+                  </a:ext>
+                </a:extLst>
+              </p:cNvPr>
+              <p:cNvSpPr txBox="1"/>
+              <p:nvPr/>
+            </p:nvSpPr>
+            <p:spPr>
+              <a:xfrm>
+                <a:off x="123443" y="842751"/>
+                <a:ext cx="6346805" cy="5152885"/>
+              </a:xfrm>
+              <a:prstGeom prst="rect">
+                <a:avLst/>
+              </a:prstGeom>
+              <a:noFill/>
+            </p:spPr>
+            <p:txBody>
+              <a:bodyPr wrap="square" rtlCol="0">
+                <a:spAutoFit/>
+              </a:bodyPr>
+              <a:lstStyle/>
+              <a:p>
+                <a:r>
+                  <a:rPr lang="en-US" sz="2400" dirty="0"/>
+                  <a:t>We said the theoretical maximum efficiency of a heat engine is </a:t>
+                </a:r>
+                <a14:m>
+                  <m:oMath xmlns:m="http://schemas.openxmlformats.org/officeDocument/2006/math">
+                    <m:f>
+                      <m:fPr>
+                        <m:ctrlPr>
+                          <a:rPr lang="en-US" sz="2400" i="1">
+                            <a:latin typeface="Cambria Math" panose="02040503050406030204" pitchFamily="18" charset="0"/>
+                            <a:ea typeface="Cambria Math" panose="02040503050406030204" pitchFamily="18" charset="0"/>
+                          </a:rPr>
+                        </m:ctrlPr>
+                      </m:fPr>
+                      <m:num>
+                        <m:r>
+                          <a:rPr lang="en-US" sz="2400" i="1">
+                            <a:latin typeface="Cambria Math" panose="02040503050406030204" pitchFamily="18" charset="0"/>
+                            <a:ea typeface="Cambria Math" panose="02040503050406030204" pitchFamily="18" charset="0"/>
+                          </a:rPr>
+                          <m:t>∆</m:t>
+                        </m:r>
+                        <m:r>
+                          <a:rPr lang="en-US" sz="2400" i="1">
+                            <a:latin typeface="Cambria Math" panose="02040503050406030204" pitchFamily="18" charset="0"/>
+                            <a:ea typeface="Cambria Math" panose="02040503050406030204" pitchFamily="18" charset="0"/>
+                          </a:rPr>
+                          <m:t>𝑇</m:t>
+                        </m:r>
+                      </m:num>
+                      <m:den>
+                        <m:sSub>
+                          <m:sSubPr>
+                            <m:ctrlPr>
+                              <a:rPr lang="en-US" sz="2400" i="1">
+                                <a:latin typeface="Cambria Math" panose="02040503050406030204" pitchFamily="18" charset="0"/>
+                                <a:ea typeface="Cambria Math" panose="02040503050406030204" pitchFamily="18" charset="0"/>
+                              </a:rPr>
+                            </m:ctrlPr>
+                          </m:sSubPr>
+                          <m:e>
+                            <m:r>
+                              <a:rPr lang="en-US" sz="2400" i="1">
+                                <a:latin typeface="Cambria Math" panose="02040503050406030204" pitchFamily="18" charset="0"/>
+                                <a:ea typeface="Cambria Math" panose="02040503050406030204" pitchFamily="18" charset="0"/>
+                              </a:rPr>
+                              <m:t>𝑇</m:t>
+                            </m:r>
+                          </m:e>
+                          <m:sub>
+                            <m:r>
+                              <a:rPr lang="en-US" sz="2400" i="1">
+                                <a:latin typeface="Cambria Math" panose="02040503050406030204" pitchFamily="18" charset="0"/>
+                                <a:ea typeface="Cambria Math" panose="02040503050406030204" pitchFamily="18" charset="0"/>
+                              </a:rPr>
+                              <m:t>h𝑜𝑡</m:t>
+                            </m:r>
+                          </m:sub>
+                        </m:sSub>
+                      </m:den>
+                    </m:f>
+                    <m:r>
+                      <a:rPr lang="en-US" sz="2400" b="0" i="0" smtClean="0">
+                        <a:latin typeface="Cambria Math" panose="02040503050406030204" pitchFamily="18" charset="0"/>
+                        <a:ea typeface="Cambria Math" panose="02040503050406030204" pitchFamily="18" charset="0"/>
+                      </a:rPr>
+                      <m:t>, </m:t>
+                    </m:r>
+                  </m:oMath>
+                </a14:m>
+                <a:r>
+                  <a:rPr lang="en-US" sz="2400" dirty="0"/>
+                  <a:t>where </a:t>
+                </a:r>
+                <a14:m>
+                  <m:oMath xmlns:m="http://schemas.openxmlformats.org/officeDocument/2006/math">
+                    <m:r>
+                      <a:rPr lang="en-US" sz="2400" i="1" smtClean="0">
+                        <a:latin typeface="Cambria Math" panose="02040503050406030204" pitchFamily="18" charset="0"/>
+                        <a:ea typeface="Cambria Math" panose="02040503050406030204" pitchFamily="18" charset="0"/>
+                      </a:rPr>
+                      <m:t>∆</m:t>
+                    </m:r>
+                    <m:r>
+                      <a:rPr lang="en-US" sz="2400" i="1" smtClean="0">
+                        <a:latin typeface="Cambria Math" panose="02040503050406030204" pitchFamily="18" charset="0"/>
+                        <a:ea typeface="Cambria Math" panose="02040503050406030204" pitchFamily="18" charset="0"/>
+                      </a:rPr>
+                      <m:t>𝑇</m:t>
+                    </m:r>
+                    <m:r>
+                      <a:rPr lang="en-US" sz="2400" b="0" i="1" smtClean="0">
+                        <a:latin typeface="Cambria Math" panose="02040503050406030204" pitchFamily="18" charset="0"/>
+                        <a:ea typeface="Cambria Math" panose="02040503050406030204" pitchFamily="18" charset="0"/>
+                      </a:rPr>
+                      <m:t>=</m:t>
+                    </m:r>
+                    <m:sSub>
+                      <m:sSubPr>
+                        <m:ctrlPr>
+                          <a:rPr lang="en-US" sz="2400" b="0" i="1" smtClean="0">
+                            <a:latin typeface="Cambria Math" panose="02040503050406030204" pitchFamily="18" charset="0"/>
+                            <a:ea typeface="Cambria Math" panose="02040503050406030204" pitchFamily="18" charset="0"/>
+                          </a:rPr>
+                        </m:ctrlPr>
+                      </m:sSubPr>
+                      <m:e>
+                        <m:r>
+                          <a:rPr lang="en-US" sz="2400" b="0" i="1" smtClean="0">
+                            <a:latin typeface="Cambria Math" panose="02040503050406030204" pitchFamily="18" charset="0"/>
+                            <a:ea typeface="Cambria Math" panose="02040503050406030204" pitchFamily="18" charset="0"/>
+                          </a:rPr>
+                          <m:t>𝑇</m:t>
+                        </m:r>
+                      </m:e>
+                      <m:sub>
+                        <m:r>
+                          <a:rPr lang="en-US" sz="2400" b="0" i="1" smtClean="0">
+                            <a:latin typeface="Cambria Math" panose="02040503050406030204" pitchFamily="18" charset="0"/>
+                            <a:ea typeface="Cambria Math" panose="02040503050406030204" pitchFamily="18" charset="0"/>
+                          </a:rPr>
+                          <m:t>h𝑜𝑡</m:t>
+                        </m:r>
+                      </m:sub>
+                    </m:sSub>
+                    <m:r>
+                      <a:rPr lang="en-US" sz="2400" b="0" i="1" smtClean="0">
+                        <a:latin typeface="Cambria Math" panose="02040503050406030204" pitchFamily="18" charset="0"/>
+                        <a:ea typeface="Cambria Math" panose="02040503050406030204" pitchFamily="18" charset="0"/>
+                      </a:rPr>
+                      <m:t>−</m:t>
+                    </m:r>
+                    <m:sSub>
+                      <m:sSubPr>
+                        <m:ctrlPr>
+                          <a:rPr lang="en-US" sz="2400" b="0" i="1" smtClean="0">
+                            <a:latin typeface="Cambria Math" panose="02040503050406030204" pitchFamily="18" charset="0"/>
+                            <a:ea typeface="Cambria Math" panose="02040503050406030204" pitchFamily="18" charset="0"/>
+                          </a:rPr>
+                        </m:ctrlPr>
+                      </m:sSubPr>
+                      <m:e>
+                        <m:r>
+                          <a:rPr lang="en-US" sz="2400" b="0" i="1" smtClean="0">
+                            <a:latin typeface="Cambria Math" panose="02040503050406030204" pitchFamily="18" charset="0"/>
+                            <a:ea typeface="Cambria Math" panose="02040503050406030204" pitchFamily="18" charset="0"/>
+                          </a:rPr>
+                          <m:t>𝑇</m:t>
+                        </m:r>
+                      </m:e>
+                      <m:sub>
+                        <m:r>
+                          <a:rPr lang="en-US" sz="2400" b="0" i="1" smtClean="0">
+                            <a:latin typeface="Cambria Math" panose="02040503050406030204" pitchFamily="18" charset="0"/>
+                            <a:ea typeface="Cambria Math" panose="02040503050406030204" pitchFamily="18" charset="0"/>
+                          </a:rPr>
+                          <m:t>𝑐𝑜𝑙𝑑</m:t>
+                        </m:r>
+                      </m:sub>
+                    </m:sSub>
+                  </m:oMath>
+                </a14:m>
+                <a:endParaRPr lang="en-US" sz="2400" dirty="0"/>
+              </a:p>
+              <a:p>
+                <a:endParaRPr lang="en-US" sz="2400" dirty="0"/>
+              </a:p>
+              <a:p>
+                <a:r>
+                  <a:rPr lang="en-US" sz="2400" dirty="0"/>
+                  <a:t>For a Carnot cycle, it turns out that</a:t>
+                </a:r>
+              </a:p>
+              <a:p>
+                <a:endParaRPr lang="en-US" sz="2400" dirty="0"/>
+              </a:p>
+              <a:p>
+                <a14:m>
+                  <m:oMath xmlns:m="http://schemas.openxmlformats.org/officeDocument/2006/math">
+                    <m:sSub>
+                      <m:sSubPr>
+                        <m:ctrlPr>
+                          <a:rPr lang="en-US" sz="2400" i="1" smtClean="0">
+                            <a:solidFill>
+                              <a:srgbClr val="7030A0"/>
+                            </a:solidFill>
+                            <a:latin typeface="Cambria Math" panose="02040503050406030204" pitchFamily="18" charset="0"/>
+                            <a:ea typeface="Cambria Math" panose="02040503050406030204" pitchFamily="18" charset="0"/>
+                          </a:rPr>
+                        </m:ctrlPr>
+                      </m:sSubPr>
+                      <m:e>
+                        <m:r>
+                          <a:rPr lang="en-US" sz="2400" b="0" i="1">
+                            <a:solidFill>
+                              <a:srgbClr val="7030A0"/>
+                            </a:solidFill>
+                            <a:latin typeface="Cambria Math" panose="02040503050406030204" pitchFamily="18" charset="0"/>
+                            <a:ea typeface="Cambria Math" panose="02040503050406030204" pitchFamily="18" charset="0"/>
+                          </a:rPr>
+                          <m:t>𝜀</m:t>
+                        </m:r>
+                      </m:e>
+                      <m:sub>
+                        <m:r>
+                          <a:rPr lang="en-US" sz="2400" b="0" i="1" smtClean="0">
+                            <a:solidFill>
+                              <a:srgbClr val="7030A0"/>
+                            </a:solidFill>
+                            <a:latin typeface="Cambria Math" panose="02040503050406030204" pitchFamily="18" charset="0"/>
+                            <a:ea typeface="Cambria Math" panose="02040503050406030204" pitchFamily="18" charset="0"/>
+                          </a:rPr>
+                          <m:t>𝐶𝑎𝑟𝑛𝑜𝑡</m:t>
+                        </m:r>
+                      </m:sub>
+                    </m:sSub>
+                    <m:r>
+                      <a:rPr lang="en-US" sz="2400" b="0" i="1">
+                        <a:solidFill>
+                          <a:srgbClr val="7030A0"/>
+                        </a:solidFill>
+                        <a:latin typeface="Cambria Math" panose="02040503050406030204" pitchFamily="18" charset="0"/>
+                        <a:ea typeface="Cambria Math" panose="02040503050406030204" pitchFamily="18" charset="0"/>
+                      </a:rPr>
+                      <m:t> </m:t>
+                    </m:r>
+                  </m:oMath>
+                </a14:m>
+                <a:r>
+                  <a:rPr lang="en-US" sz="2400" dirty="0">
+                    <a:solidFill>
+                      <a:srgbClr val="7030A0"/>
+                    </a:solidFill>
+                  </a:rPr>
+                  <a:t>= </a:t>
+                </a:r>
+                <a14:m>
+                  <m:oMath xmlns:m="http://schemas.openxmlformats.org/officeDocument/2006/math">
+                    <m:r>
+                      <a:rPr lang="en-US" sz="2400" b="0" i="1" smtClean="0">
+                        <a:solidFill>
+                          <a:srgbClr val="7030A0"/>
+                        </a:solidFill>
+                        <a:latin typeface="Cambria Math" panose="02040503050406030204" pitchFamily="18" charset="0"/>
+                        <a:ea typeface="Cambria Math" panose="02040503050406030204" pitchFamily="18" charset="0"/>
+                      </a:rPr>
+                      <m:t>−</m:t>
+                    </m:r>
+                    <m:f>
+                      <m:fPr>
+                        <m:ctrlPr>
+                          <a:rPr lang="en-US" sz="2400" b="0" i="1" smtClean="0">
+                            <a:solidFill>
+                              <a:srgbClr val="7030A0"/>
+                            </a:solidFill>
+                            <a:latin typeface="Cambria Math" panose="02040503050406030204" pitchFamily="18" charset="0"/>
+                            <a:ea typeface="Cambria Math" panose="02040503050406030204" pitchFamily="18" charset="0"/>
+                          </a:rPr>
+                        </m:ctrlPr>
+                      </m:fPr>
+                      <m:num>
+                        <m:sSub>
+                          <m:sSubPr>
+                            <m:ctrlPr>
+                              <a:rPr lang="en-US" sz="2400" b="0" i="1" smtClean="0">
+                                <a:solidFill>
+                                  <a:srgbClr val="7030A0"/>
+                                </a:solidFill>
+                                <a:latin typeface="Cambria Math" panose="02040503050406030204" pitchFamily="18" charset="0"/>
+                                <a:ea typeface="Cambria Math" panose="02040503050406030204" pitchFamily="18" charset="0"/>
+                              </a:rPr>
+                            </m:ctrlPr>
+                          </m:sSubPr>
+                          <m:e>
+                            <m:r>
+                              <a:rPr lang="en-US" sz="2400" b="0" i="1" smtClean="0">
+                                <a:solidFill>
+                                  <a:srgbClr val="7030A0"/>
+                                </a:solidFill>
+                                <a:latin typeface="Cambria Math" panose="02040503050406030204" pitchFamily="18" charset="0"/>
+                                <a:ea typeface="Cambria Math" panose="02040503050406030204" pitchFamily="18" charset="0"/>
+                              </a:rPr>
+                              <m:t>𝑤</m:t>
+                            </m:r>
+                          </m:e>
+                          <m:sub>
+                            <m:r>
+                              <a:rPr lang="en-US" sz="2400" b="0" i="1" smtClean="0">
+                                <a:solidFill>
+                                  <a:srgbClr val="7030A0"/>
+                                </a:solidFill>
+                                <a:latin typeface="Cambria Math" panose="02040503050406030204" pitchFamily="18" charset="0"/>
+                                <a:ea typeface="Cambria Math" panose="02040503050406030204" pitchFamily="18" charset="0"/>
+                              </a:rPr>
+                              <m:t>𝑡𝑜𝑡</m:t>
+                            </m:r>
+                          </m:sub>
+                        </m:sSub>
+                      </m:num>
+                      <m:den>
+                        <m:sSub>
+                          <m:sSubPr>
+                            <m:ctrlPr>
+                              <a:rPr lang="en-US" sz="2400" b="0" i="1" smtClean="0">
+                                <a:solidFill>
+                                  <a:srgbClr val="7030A0"/>
+                                </a:solidFill>
+                                <a:latin typeface="Cambria Math" panose="02040503050406030204" pitchFamily="18" charset="0"/>
+                                <a:ea typeface="Cambria Math" panose="02040503050406030204" pitchFamily="18" charset="0"/>
+                              </a:rPr>
+                            </m:ctrlPr>
+                          </m:sSubPr>
+                          <m:e>
+                            <m:r>
+                              <a:rPr lang="en-US" sz="2400" b="0" i="1" smtClean="0">
+                                <a:solidFill>
+                                  <a:srgbClr val="7030A0"/>
+                                </a:solidFill>
+                                <a:latin typeface="Cambria Math" panose="02040503050406030204" pitchFamily="18" charset="0"/>
+                                <a:ea typeface="Cambria Math" panose="02040503050406030204" pitchFamily="18" charset="0"/>
+                              </a:rPr>
+                              <m:t>𝑞</m:t>
+                            </m:r>
+                          </m:e>
+                          <m:sub>
+                            <m:r>
+                              <a:rPr lang="en-US" sz="2400" b="0" i="1" smtClean="0">
+                                <a:solidFill>
+                                  <a:srgbClr val="7030A0"/>
+                                </a:solidFill>
+                                <a:latin typeface="Cambria Math" panose="02040503050406030204" pitchFamily="18" charset="0"/>
+                                <a:ea typeface="Cambria Math" panose="02040503050406030204" pitchFamily="18" charset="0"/>
+                              </a:rPr>
+                              <m:t>h𝑜𝑡</m:t>
+                            </m:r>
+                          </m:sub>
+                        </m:sSub>
+                      </m:den>
+                    </m:f>
+                    <m:r>
+                      <a:rPr lang="en-US" sz="2400" b="0" i="1" smtClean="0">
+                        <a:solidFill>
+                          <a:srgbClr val="7030A0"/>
+                        </a:solidFill>
+                        <a:latin typeface="Cambria Math" panose="02040503050406030204" pitchFamily="18" charset="0"/>
+                        <a:ea typeface="Cambria Math" panose="02040503050406030204" pitchFamily="18" charset="0"/>
+                      </a:rPr>
+                      <m:t>=</m:t>
+                    </m:r>
+                    <m:f>
+                      <m:fPr>
+                        <m:ctrlPr>
+                          <a:rPr lang="en-US" sz="2400" b="0" i="1">
+                            <a:solidFill>
+                              <a:srgbClr val="7030A0"/>
+                            </a:solidFill>
+                            <a:latin typeface="Cambria Math" panose="02040503050406030204" pitchFamily="18" charset="0"/>
+                            <a:ea typeface="Cambria Math" panose="02040503050406030204" pitchFamily="18" charset="0"/>
+                          </a:rPr>
+                        </m:ctrlPr>
+                      </m:fPr>
+                      <m:num>
+                        <m:r>
+                          <a:rPr lang="en-US" sz="2400" b="0" i="1">
+                            <a:solidFill>
+                              <a:srgbClr val="7030A0"/>
+                            </a:solidFill>
+                            <a:latin typeface="Cambria Math" panose="02040503050406030204" pitchFamily="18" charset="0"/>
+                            <a:ea typeface="Cambria Math" panose="02040503050406030204" pitchFamily="18" charset="0"/>
+                          </a:rPr>
+                          <m:t>∆</m:t>
+                        </m:r>
+                        <m:r>
+                          <a:rPr lang="en-US" sz="2400" b="0" i="1">
+                            <a:solidFill>
+                              <a:srgbClr val="7030A0"/>
+                            </a:solidFill>
+                            <a:latin typeface="Cambria Math" panose="02040503050406030204" pitchFamily="18" charset="0"/>
+                            <a:ea typeface="Cambria Math" panose="02040503050406030204" pitchFamily="18" charset="0"/>
+                          </a:rPr>
+                          <m:t>𝑇</m:t>
+                        </m:r>
+                      </m:num>
+                      <m:den>
+                        <m:sSub>
+                          <m:sSubPr>
+                            <m:ctrlPr>
+                              <a:rPr lang="en-US" sz="2400" i="1">
+                                <a:solidFill>
+                                  <a:srgbClr val="7030A0"/>
+                                </a:solidFill>
+                                <a:latin typeface="Cambria Math" panose="02040503050406030204" pitchFamily="18" charset="0"/>
+                                <a:ea typeface="Cambria Math" panose="02040503050406030204" pitchFamily="18" charset="0"/>
+                              </a:rPr>
+                            </m:ctrlPr>
+                          </m:sSubPr>
+                          <m:e>
+                            <m:r>
+                              <a:rPr lang="en-US" sz="2400" b="0" i="1">
+                                <a:solidFill>
+                                  <a:srgbClr val="7030A0"/>
+                                </a:solidFill>
+                                <a:latin typeface="Cambria Math" panose="02040503050406030204" pitchFamily="18" charset="0"/>
+                                <a:ea typeface="Cambria Math" panose="02040503050406030204" pitchFamily="18" charset="0"/>
+                              </a:rPr>
+                              <m:t>𝑇</m:t>
+                            </m:r>
+                          </m:e>
+                          <m:sub>
+                            <m:r>
+                              <a:rPr lang="en-US" sz="2400" b="0" i="1">
+                                <a:solidFill>
+                                  <a:srgbClr val="7030A0"/>
+                                </a:solidFill>
+                                <a:latin typeface="Cambria Math" panose="02040503050406030204" pitchFamily="18" charset="0"/>
+                                <a:ea typeface="Cambria Math" panose="02040503050406030204" pitchFamily="18" charset="0"/>
+                              </a:rPr>
+                              <m:t>h𝑜𝑡</m:t>
+                            </m:r>
+                          </m:sub>
+                        </m:sSub>
+                      </m:den>
+                    </m:f>
+                  </m:oMath>
+                </a14:m>
+                <a:r>
+                  <a:rPr lang="en-US" sz="2400" dirty="0">
+                    <a:solidFill>
+                      <a:srgbClr val="7030A0"/>
+                    </a:solidFill>
+                  </a:rPr>
+                  <a:t>  </a:t>
+                </a:r>
+              </a:p>
+              <a:p>
+                <a:endParaRPr lang="en-US" sz="2400" dirty="0">
+                  <a:solidFill>
+                    <a:srgbClr val="7030A0"/>
+                  </a:solidFill>
+                </a:endParaRPr>
+              </a:p>
+              <a:p>
+                <a:endParaRPr lang="en-US" sz="2400" dirty="0">
+                  <a:solidFill>
+                    <a:srgbClr val="7030A0"/>
+                  </a:solidFill>
+                </a:endParaRPr>
+              </a:p>
+              <a:p>
+                <a:endParaRPr lang="en-US" sz="2400" dirty="0">
+                  <a:solidFill>
+                    <a:srgbClr val="7030A0"/>
+                  </a:solidFill>
+                </a:endParaRPr>
+              </a:p>
+              <a:p>
+                <a:r>
+                  <a:rPr lang="en-US" sz="2400" dirty="0"/>
+                  <a:t>To get there, you can use the following:</a:t>
+                </a:r>
+              </a:p>
+              <a:p>
+                <a14:m>
+                  <m:oMath xmlns:m="http://schemas.openxmlformats.org/officeDocument/2006/math">
+                    <m:sSub>
+                      <m:sSubPr>
+                        <m:ctrlPr>
+                          <a:rPr lang="en-US" sz="2400" b="1" i="1" smtClean="0">
+                            <a:latin typeface="Cambria Math" panose="02040503050406030204" pitchFamily="18" charset="0"/>
+                          </a:rPr>
+                        </m:ctrlPr>
+                      </m:sSubPr>
+                      <m:e>
+                        <m:r>
+                          <a:rPr lang="en-US" sz="2400" b="1" i="1" smtClean="0">
+                            <a:latin typeface="Cambria Math" panose="02040503050406030204" pitchFamily="18" charset="0"/>
+                          </a:rPr>
+                          <m:t>𝒘</m:t>
+                        </m:r>
+                      </m:e>
+                      <m:sub>
+                        <m:r>
+                          <a:rPr lang="en-US" sz="2400" b="1" i="1" smtClean="0">
+                            <a:latin typeface="Cambria Math" panose="02040503050406030204" pitchFamily="18" charset="0"/>
+                          </a:rPr>
+                          <m:t>𝟒</m:t>
+                        </m:r>
+                      </m:sub>
+                    </m:sSub>
+                    <m:r>
+                      <a:rPr lang="en-US" sz="2400" b="1" i="1" smtClean="0">
+                        <a:latin typeface="Cambria Math" panose="02040503050406030204" pitchFamily="18" charset="0"/>
+                      </a:rPr>
+                      <m:t>=−</m:t>
+                    </m:r>
+                    <m:sSub>
+                      <m:sSubPr>
+                        <m:ctrlPr>
+                          <a:rPr lang="en-US" sz="2400" b="1" i="1" smtClean="0">
+                            <a:latin typeface="Cambria Math" panose="02040503050406030204" pitchFamily="18" charset="0"/>
+                          </a:rPr>
+                        </m:ctrlPr>
+                      </m:sSubPr>
+                      <m:e>
+                        <m:r>
+                          <a:rPr lang="en-US" sz="2400" b="1" i="1" smtClean="0">
+                            <a:latin typeface="Cambria Math" panose="02040503050406030204" pitchFamily="18" charset="0"/>
+                          </a:rPr>
+                          <m:t>𝒘</m:t>
+                        </m:r>
+                      </m:e>
+                      <m:sub>
+                        <m:r>
+                          <a:rPr lang="en-US" sz="2400" b="1" i="1" smtClean="0">
+                            <a:latin typeface="Cambria Math" panose="02040503050406030204" pitchFamily="18" charset="0"/>
+                          </a:rPr>
+                          <m:t>𝟐</m:t>
+                        </m:r>
+                      </m:sub>
+                    </m:sSub>
+                  </m:oMath>
+                </a14:m>
+                <a:r>
+                  <a:rPr lang="en-US" sz="2400" dirty="0"/>
+                  <a:t> and </a:t>
+                </a:r>
+                <a14:m>
+                  <m:oMath xmlns:m="http://schemas.openxmlformats.org/officeDocument/2006/math">
+                    <m:f>
+                      <m:fPr>
+                        <m:ctrlPr>
+                          <a:rPr lang="en-US" sz="2400" b="1" i="1" smtClean="0">
+                            <a:latin typeface="Cambria Math" panose="02040503050406030204" pitchFamily="18" charset="0"/>
+                          </a:rPr>
+                        </m:ctrlPr>
+                      </m:fPr>
+                      <m:num>
+                        <m:sSub>
+                          <m:sSubPr>
+                            <m:ctrlPr>
+                              <a:rPr lang="en-US" sz="2400" b="1" i="1" smtClean="0">
+                                <a:latin typeface="Cambria Math" panose="02040503050406030204" pitchFamily="18" charset="0"/>
+                              </a:rPr>
+                            </m:ctrlPr>
+                          </m:sSubPr>
+                          <m:e>
+                            <m:r>
+                              <a:rPr lang="en-US" sz="2400" b="1" i="1" smtClean="0">
+                                <a:latin typeface="Cambria Math" panose="02040503050406030204" pitchFamily="18" charset="0"/>
+                              </a:rPr>
+                              <m:t>𝑽</m:t>
+                            </m:r>
+                          </m:e>
+                          <m:sub>
+                            <m:r>
+                              <a:rPr lang="en-US" sz="2400" b="1" i="1" smtClean="0">
+                                <a:latin typeface="Cambria Math" panose="02040503050406030204" pitchFamily="18" charset="0"/>
+                              </a:rPr>
+                              <m:t>𝑩</m:t>
+                            </m:r>
+                          </m:sub>
+                        </m:sSub>
+                      </m:num>
+                      <m:den>
+                        <m:sSub>
+                          <m:sSubPr>
+                            <m:ctrlPr>
+                              <a:rPr lang="en-US" sz="2400" b="1" i="1" smtClean="0">
+                                <a:latin typeface="Cambria Math" panose="02040503050406030204" pitchFamily="18" charset="0"/>
+                              </a:rPr>
+                            </m:ctrlPr>
+                          </m:sSubPr>
+                          <m:e>
+                            <m:r>
+                              <a:rPr lang="en-US" sz="2400" b="1" i="1" smtClean="0">
+                                <a:latin typeface="Cambria Math" panose="02040503050406030204" pitchFamily="18" charset="0"/>
+                              </a:rPr>
+                              <m:t>𝑽</m:t>
+                            </m:r>
+                          </m:e>
+                          <m:sub>
+                            <m:r>
+                              <a:rPr lang="en-US" sz="2400" b="1" i="1" smtClean="0">
+                                <a:latin typeface="Cambria Math" panose="02040503050406030204" pitchFamily="18" charset="0"/>
+                              </a:rPr>
+                              <m:t>𝑨</m:t>
+                            </m:r>
+                          </m:sub>
+                        </m:sSub>
+                      </m:den>
+                    </m:f>
+                    <m:r>
+                      <a:rPr lang="en-US" sz="2400" b="1" i="1" smtClean="0">
+                        <a:latin typeface="Cambria Math" panose="02040503050406030204" pitchFamily="18" charset="0"/>
+                      </a:rPr>
+                      <m:t>=</m:t>
+                    </m:r>
+                    <m:f>
+                      <m:fPr>
+                        <m:ctrlPr>
+                          <a:rPr lang="en-US" sz="2400" b="1" i="1" smtClean="0">
+                            <a:latin typeface="Cambria Math" panose="02040503050406030204" pitchFamily="18" charset="0"/>
+                          </a:rPr>
+                        </m:ctrlPr>
+                      </m:fPr>
+                      <m:num>
+                        <m:sSub>
+                          <m:sSubPr>
+                            <m:ctrlPr>
+                              <a:rPr lang="en-US" sz="2400" b="1" i="1" smtClean="0">
+                                <a:latin typeface="Cambria Math" panose="02040503050406030204" pitchFamily="18" charset="0"/>
+                              </a:rPr>
+                            </m:ctrlPr>
+                          </m:sSubPr>
+                          <m:e>
+                            <m:r>
+                              <a:rPr lang="en-US" sz="2400" b="1" i="1" smtClean="0">
+                                <a:latin typeface="Cambria Math" panose="02040503050406030204" pitchFamily="18" charset="0"/>
+                              </a:rPr>
+                              <m:t>𝑽</m:t>
+                            </m:r>
+                          </m:e>
+                          <m:sub>
+                            <m:r>
+                              <a:rPr lang="en-US" sz="2400" b="1" i="1" smtClean="0">
+                                <a:latin typeface="Cambria Math" panose="02040503050406030204" pitchFamily="18" charset="0"/>
+                              </a:rPr>
+                              <m:t>𝑪</m:t>
+                            </m:r>
+                          </m:sub>
+                        </m:sSub>
+                      </m:num>
+                      <m:den>
+                        <m:sSub>
+                          <m:sSubPr>
+                            <m:ctrlPr>
+                              <a:rPr lang="en-US" sz="2400" b="1" i="1" smtClean="0">
+                                <a:latin typeface="Cambria Math" panose="02040503050406030204" pitchFamily="18" charset="0"/>
+                              </a:rPr>
+                            </m:ctrlPr>
+                          </m:sSubPr>
+                          <m:e>
+                            <m:r>
+                              <a:rPr lang="en-US" sz="2400" b="1" i="1" smtClean="0">
+                                <a:latin typeface="Cambria Math" panose="02040503050406030204" pitchFamily="18" charset="0"/>
+                              </a:rPr>
+                              <m:t>𝑽</m:t>
+                            </m:r>
+                          </m:e>
+                          <m:sub>
+                            <m:r>
+                              <a:rPr lang="en-US" sz="2400" b="1" i="1" smtClean="0">
+                                <a:latin typeface="Cambria Math" panose="02040503050406030204" pitchFamily="18" charset="0"/>
+                              </a:rPr>
+                              <m:t>𝑫</m:t>
+                            </m:r>
+                          </m:sub>
+                        </m:sSub>
+                      </m:den>
+                    </m:f>
+                  </m:oMath>
+                </a14:m>
+                <a:endParaRPr lang="en-US" sz="2400" b="1" dirty="0"/>
+              </a:p>
+              <a:p>
+                <a:endParaRPr lang="en-US" sz="2400" dirty="0"/>
+              </a:p>
+            </p:txBody>
+          </p:sp>
+        </mc:Choice>
+        <mc:Fallback xmlns="">
+          <p:sp>
+            <p:nvSpPr>
+              <p:cNvPr id="52" name="TextBox 51">
+                <a:extLst>
+                  <a:ext uri="{FF2B5EF4-FFF2-40B4-BE49-F238E27FC236}">
+                    <a16:creationId xmlns:a16="http://schemas.microsoft.com/office/drawing/2014/main" id="{B356847F-947E-854E-8A35-397154A4F8BA}"/>
+                  </a:ext>
+                </a:extLst>
+              </p:cNvPr>
+              <p:cNvSpPr txBox="1">
+                <a:spLocks noRot="1" noChangeAspect="1" noMove="1" noResize="1" noEditPoints="1" noAdjustHandles="1" noChangeArrowheads="1" noChangeShapeType="1" noTextEdit="1"/>
+              </p:cNvSpPr>
+              <p:nvPr/>
+            </p:nvSpPr>
+            <p:spPr>
+              <a:xfrm>
+                <a:off x="123443" y="842751"/>
+                <a:ext cx="6346805" cy="5152885"/>
+              </a:xfrm>
+              <a:prstGeom prst="rect">
+                <a:avLst/>
+              </a:prstGeom>
+              <a:blipFill>
+                <a:blip r:embed="rId2"/>
+                <a:stretch>
+                  <a:fillRect l="-1397" t="-983"/>
+                </a:stretch>
+              </a:blipFill>
+            </p:spPr>
+            <p:txBody>
+              <a:bodyPr/>
+              <a:lstStyle/>
+              <a:p>
+                <a:r>
+                  <a:rPr lang="en-US">
+                    <a:noFill/>
+                  </a:rPr>
+                  <a:t> </a:t>
+                </a:r>
+              </a:p>
+            </p:txBody>
+          </p:sp>
+        </mc:Fallback>
+      </mc:AlternateContent>
+      <p:grpSp>
+        <p:nvGrpSpPr>
+          <p:cNvPr id="4" name="Group 3">
+            <a:extLst>
+              <a:ext uri="{FF2B5EF4-FFF2-40B4-BE49-F238E27FC236}">
+                <a16:creationId xmlns:a16="http://schemas.microsoft.com/office/drawing/2014/main" id="{A3209F91-7909-2F4E-BC9E-DE9B9FFF88E7}"/>
+              </a:ext>
+            </a:extLst>
+          </p:cNvPr>
+          <p:cNvGrpSpPr/>
+          <p:nvPr/>
+        </p:nvGrpSpPr>
+        <p:grpSpPr>
+          <a:xfrm>
+            <a:off x="7072132" y="1208749"/>
+            <a:ext cx="5119868" cy="4166013"/>
+            <a:chOff x="5976976" y="1318994"/>
+            <a:chExt cx="6120984" cy="4760765"/>
+          </a:xfrm>
+        </p:grpSpPr>
+        <p:pic>
+          <p:nvPicPr>
+            <p:cNvPr id="2" name="Picture 1">
+              <a:extLst>
+                <a:ext uri="{FF2B5EF4-FFF2-40B4-BE49-F238E27FC236}">
+                  <a16:creationId xmlns:a16="http://schemas.microsoft.com/office/drawing/2014/main" id="{A05CDFCA-CE64-9941-90B6-115BBF64E660}"/>
+                </a:ext>
+              </a:extLst>
+            </p:cNvPr>
+            <p:cNvPicPr>
+              <a:picLocks noChangeAspect="1"/>
+            </p:cNvPicPr>
+            <p:nvPr/>
+          </p:nvPicPr>
+          <p:blipFill>
+            <a:blip r:embed="rId3"/>
+            <a:stretch>
+              <a:fillRect/>
+            </a:stretch>
+          </p:blipFill>
+          <p:spPr>
+            <a:xfrm>
+              <a:off x="5976976" y="1318994"/>
+              <a:ext cx="6120984" cy="4760765"/>
+            </a:xfrm>
+            <a:prstGeom prst="rect">
+              <a:avLst/>
+            </a:prstGeom>
+          </p:spPr>
+        </p:pic>
+        <mc:AlternateContent xmlns:mc="http://schemas.openxmlformats.org/markup-compatibility/2006" xmlns:a14="http://schemas.microsoft.com/office/drawing/2010/main">
+          <mc:Choice Requires="a14">
+            <p:sp>
+              <p:nvSpPr>
+                <p:cNvPr id="3" name="Rectangle 2">
+                  <a:extLst>
+                    <a:ext uri="{FF2B5EF4-FFF2-40B4-BE49-F238E27FC236}">
+                      <a16:creationId xmlns:a16="http://schemas.microsoft.com/office/drawing/2014/main" id="{BD3A96C2-9ED2-8F40-8046-5E66D6B3F6E6}"/>
+                    </a:ext>
+                  </a:extLst>
+                </p:cNvPr>
+                <p:cNvSpPr/>
+                <p:nvPr/>
+              </p:nvSpPr>
+              <p:spPr>
+                <a:xfrm>
+                  <a:off x="7760161" y="2174658"/>
+                  <a:ext cx="641626" cy="457231"/>
+                </a:xfrm>
+                <a:prstGeom prst="rect">
+                  <a:avLst/>
+                </a:prstGeom>
+              </p:spPr>
+              <p:txBody>
+                <a:bodyPr wrap="none">
+                  <a:spAutoFit/>
+                </a:bodyPr>
+                <a:lstStyle/>
+                <a:p>
+                  <a:pPr/>
+                  <a14:m>
+                    <m:oMathPara xmlns:m="http://schemas.openxmlformats.org/officeDocument/2006/math">
+                      <m:oMathParaPr>
+                        <m:jc m:val="centerGroup"/>
+                      </m:oMathParaPr>
+                      <m:oMath xmlns:m="http://schemas.openxmlformats.org/officeDocument/2006/math">
+                        <m:sSub>
+                          <m:sSubPr>
+                            <m:ctrlPr>
+                              <a:rPr lang="en-US" sz="2000" i="1" smtClean="0">
+                                <a:latin typeface="Cambria Math" panose="02040503050406030204" pitchFamily="18" charset="0"/>
+                              </a:rPr>
+                            </m:ctrlPr>
+                          </m:sSubPr>
+                          <m:e>
+                            <m:r>
+                              <a:rPr lang="en-US" sz="2000" b="0" i="1" smtClean="0">
+                                <a:latin typeface="Cambria Math" panose="02040503050406030204" pitchFamily="18" charset="0"/>
+                              </a:rPr>
+                              <m:t>𝑤</m:t>
+                            </m:r>
+                          </m:e>
+                          <m:sub>
+                            <m:r>
+                              <a:rPr lang="en-US" sz="2000" i="1">
+                                <a:latin typeface="Cambria Math" panose="02040503050406030204" pitchFamily="18" charset="0"/>
+                              </a:rPr>
+                              <m:t>1</m:t>
+                            </m:r>
+                          </m:sub>
+                        </m:sSub>
+                      </m:oMath>
+                    </m:oMathPara>
+                  </a14:m>
+                  <a:endParaRPr lang="en-US" sz="2000" dirty="0"/>
+                </a:p>
+              </p:txBody>
+            </p:sp>
+          </mc:Choice>
+          <mc:Fallback xmlns="">
+            <p:sp>
+              <p:nvSpPr>
+                <p:cNvPr id="3" name="Rectangle 2">
+                  <a:extLst>
+                    <a:ext uri="{FF2B5EF4-FFF2-40B4-BE49-F238E27FC236}">
+                      <a16:creationId xmlns:a16="http://schemas.microsoft.com/office/drawing/2014/main" id="{BD3A96C2-9ED2-8F40-8046-5E66D6B3F6E6}"/>
+                    </a:ext>
+                  </a:extLst>
+                </p:cNvPr>
+                <p:cNvSpPr>
+                  <a:spLocks noRot="1" noChangeAspect="1" noMove="1" noResize="1" noEditPoints="1" noAdjustHandles="1" noChangeArrowheads="1" noChangeShapeType="1" noTextEdit="1"/>
+                </p:cNvSpPr>
+                <p:nvPr/>
+              </p:nvSpPr>
+              <p:spPr>
+                <a:xfrm>
+                  <a:off x="7760161" y="2174658"/>
+                  <a:ext cx="641626" cy="457231"/>
+                </a:xfrm>
+                <a:prstGeom prst="rect">
+                  <a:avLst/>
+                </a:prstGeom>
+                <a:blipFill>
+                  <a:blip r:embed="rId4"/>
+                  <a:stretch>
+                    <a:fillRect/>
+                  </a:stretch>
+                </a:blipFill>
+              </p:spPr>
+              <p:txBody>
+                <a:bodyPr/>
+                <a:lstStyle/>
+                <a:p>
+                  <a:r>
+                    <a:rPr lang="en-US">
+                      <a:noFill/>
+                    </a:rPr>
+                    <a:t> </a:t>
+                  </a:r>
+                </a:p>
+              </p:txBody>
+            </p:sp>
+          </mc:Fallback>
+        </mc:AlternateContent>
+        <mc:AlternateContent xmlns:mc="http://schemas.openxmlformats.org/markup-compatibility/2006" xmlns:a14="http://schemas.microsoft.com/office/drawing/2010/main">
+          <mc:Choice Requires="a14">
+            <p:sp>
+              <p:nvSpPr>
+                <p:cNvPr id="54" name="Rectangle 53">
+                  <a:extLst>
+                    <a:ext uri="{FF2B5EF4-FFF2-40B4-BE49-F238E27FC236}">
+                      <a16:creationId xmlns:a16="http://schemas.microsoft.com/office/drawing/2014/main" id="{E4AA3AFA-4A41-0A46-AD00-6F7B521A1B81}"/>
+                    </a:ext>
+                  </a:extLst>
+                </p:cNvPr>
+                <p:cNvSpPr/>
+                <p:nvPr/>
+              </p:nvSpPr>
+              <p:spPr>
+                <a:xfrm>
+                  <a:off x="9279212" y="3808538"/>
+                  <a:ext cx="1980687" cy="457231"/>
+                </a:xfrm>
+                <a:prstGeom prst="rect">
+                  <a:avLst/>
+                </a:prstGeom>
+              </p:spPr>
+              <p:txBody>
+                <a:bodyPr wrap="none">
+                  <a:spAutoFit/>
+                </a:bodyPr>
+                <a:lstStyle/>
+                <a:p>
+                  <a:pPr/>
+                  <a14:m>
+                    <m:oMathPara xmlns:m="http://schemas.openxmlformats.org/officeDocument/2006/math">
+                      <m:oMathParaPr>
+                        <m:jc m:val="centerGroup"/>
+                      </m:oMathParaPr>
+                      <m:oMath xmlns:m="http://schemas.openxmlformats.org/officeDocument/2006/math">
+                        <m:sSub>
+                          <m:sSubPr>
+                            <m:ctrlPr>
+                              <a:rPr lang="en-US" sz="2000" i="1" smtClean="0">
+                                <a:latin typeface="Cambria Math" panose="02040503050406030204" pitchFamily="18" charset="0"/>
+                              </a:rPr>
+                            </m:ctrlPr>
+                          </m:sSubPr>
+                          <m:e>
+                            <m:r>
+                              <a:rPr lang="en-US" sz="2000" b="0" i="1" smtClean="0">
+                                <a:latin typeface="Cambria Math" panose="02040503050406030204" pitchFamily="18" charset="0"/>
+                              </a:rPr>
+                              <m:t>𝑤</m:t>
+                            </m:r>
+                          </m:e>
+                          <m:sub>
+                            <m:r>
+                              <a:rPr lang="en-US" sz="2000" b="0" i="1" smtClean="0">
+                                <a:latin typeface="Cambria Math" panose="02040503050406030204" pitchFamily="18" charset="0"/>
+                              </a:rPr>
+                              <m:t>2</m:t>
+                            </m:r>
+                          </m:sub>
+                        </m:sSub>
+                        <m:r>
+                          <a:rPr lang="en-US" sz="2000" b="0" i="1" smtClean="0">
+                            <a:latin typeface="Cambria Math" panose="02040503050406030204" pitchFamily="18" charset="0"/>
+                          </a:rPr>
+                          <m:t>=−880 </m:t>
+                        </m:r>
+                        <m:r>
+                          <a:rPr lang="en-US" sz="2000" b="0" i="1" smtClean="0">
+                            <a:latin typeface="Cambria Math" panose="02040503050406030204" pitchFamily="18" charset="0"/>
+                          </a:rPr>
+                          <m:t>𝐽</m:t>
+                        </m:r>
+                      </m:oMath>
+                    </m:oMathPara>
+                  </a14:m>
+                  <a:endParaRPr lang="en-US" sz="2000" dirty="0"/>
+                </a:p>
+              </p:txBody>
+            </p:sp>
+          </mc:Choice>
+          <mc:Fallback xmlns="">
+            <p:sp>
+              <p:nvSpPr>
+                <p:cNvPr id="54" name="Rectangle 53">
+                  <a:extLst>
+                    <a:ext uri="{FF2B5EF4-FFF2-40B4-BE49-F238E27FC236}">
+                      <a16:creationId xmlns:a16="http://schemas.microsoft.com/office/drawing/2014/main" id="{E4AA3AFA-4A41-0A46-AD00-6F7B521A1B81}"/>
+                    </a:ext>
+                  </a:extLst>
+                </p:cNvPr>
+                <p:cNvSpPr>
+                  <a:spLocks noRot="1" noChangeAspect="1" noMove="1" noResize="1" noEditPoints="1" noAdjustHandles="1" noChangeArrowheads="1" noChangeShapeType="1" noTextEdit="1"/>
+                </p:cNvSpPr>
+                <p:nvPr/>
+              </p:nvSpPr>
+              <p:spPr>
+                <a:xfrm>
+                  <a:off x="9279212" y="3808538"/>
+                  <a:ext cx="1980687" cy="457231"/>
+                </a:xfrm>
+                <a:prstGeom prst="rect">
+                  <a:avLst/>
+                </a:prstGeom>
+                <a:blipFill>
+                  <a:blip r:embed="rId5"/>
+                  <a:stretch>
+                    <a:fillRect b="-15152"/>
+                  </a:stretch>
+                </a:blipFill>
+              </p:spPr>
+              <p:txBody>
+                <a:bodyPr/>
+                <a:lstStyle/>
+                <a:p>
+                  <a:r>
+                    <a:rPr lang="en-US">
+                      <a:noFill/>
+                    </a:rPr>
+                    <a:t> </a:t>
+                  </a:r>
+                </a:p>
+              </p:txBody>
+            </p:sp>
+          </mc:Fallback>
+        </mc:AlternateContent>
+        <mc:AlternateContent xmlns:mc="http://schemas.openxmlformats.org/markup-compatibility/2006" xmlns:a14="http://schemas.microsoft.com/office/drawing/2010/main">
+          <mc:Choice Requires="a14">
+            <p:sp>
+              <p:nvSpPr>
+                <p:cNvPr id="55" name="Rectangle 54">
+                  <a:extLst>
+                    <a:ext uri="{FF2B5EF4-FFF2-40B4-BE49-F238E27FC236}">
+                      <a16:creationId xmlns:a16="http://schemas.microsoft.com/office/drawing/2014/main" id="{8ADDD587-EF5A-5C4E-8F10-372800BB1D36}"/>
+                    </a:ext>
+                  </a:extLst>
+                </p:cNvPr>
+                <p:cNvSpPr/>
+                <p:nvPr/>
+              </p:nvSpPr>
+              <p:spPr>
+                <a:xfrm>
+                  <a:off x="9196388" y="4711065"/>
+                  <a:ext cx="648756" cy="457231"/>
+                </a:xfrm>
+                <a:prstGeom prst="rect">
+                  <a:avLst/>
+                </a:prstGeom>
+              </p:spPr>
+              <p:txBody>
+                <a:bodyPr wrap="none">
+                  <a:spAutoFit/>
+                </a:bodyPr>
+                <a:lstStyle/>
+                <a:p>
+                  <a:pPr/>
+                  <a14:m>
+                    <m:oMathPara xmlns:m="http://schemas.openxmlformats.org/officeDocument/2006/math">
+                      <m:oMathParaPr>
+                        <m:jc m:val="centerGroup"/>
+                      </m:oMathParaPr>
+                      <m:oMath xmlns:m="http://schemas.openxmlformats.org/officeDocument/2006/math">
+                        <m:sSub>
+                          <m:sSubPr>
+                            <m:ctrlPr>
+                              <a:rPr lang="en-US" sz="2000" i="1" smtClean="0">
+                                <a:latin typeface="Cambria Math" panose="02040503050406030204" pitchFamily="18" charset="0"/>
+                              </a:rPr>
+                            </m:ctrlPr>
+                          </m:sSubPr>
+                          <m:e>
+                            <m:r>
+                              <a:rPr lang="en-US" sz="2000" b="0" i="1" smtClean="0">
+                                <a:latin typeface="Cambria Math" panose="02040503050406030204" pitchFamily="18" charset="0"/>
+                              </a:rPr>
+                              <m:t>𝑤</m:t>
+                            </m:r>
+                          </m:e>
+                          <m:sub>
+                            <m:r>
+                              <a:rPr lang="en-US" sz="2000" b="0" i="1" smtClean="0">
+                                <a:latin typeface="Cambria Math" panose="02040503050406030204" pitchFamily="18" charset="0"/>
+                              </a:rPr>
+                              <m:t>3</m:t>
+                            </m:r>
+                          </m:sub>
+                        </m:sSub>
+                      </m:oMath>
+                    </m:oMathPara>
+                  </a14:m>
+                  <a:endParaRPr lang="en-US" sz="2000" dirty="0"/>
+                </a:p>
+              </p:txBody>
+            </p:sp>
+          </mc:Choice>
+          <mc:Fallback xmlns="">
+            <p:sp>
+              <p:nvSpPr>
+                <p:cNvPr id="55" name="Rectangle 54">
+                  <a:extLst>
+                    <a:ext uri="{FF2B5EF4-FFF2-40B4-BE49-F238E27FC236}">
+                      <a16:creationId xmlns:a16="http://schemas.microsoft.com/office/drawing/2014/main" id="{8ADDD587-EF5A-5C4E-8F10-372800BB1D36}"/>
+                    </a:ext>
+                  </a:extLst>
+                </p:cNvPr>
+                <p:cNvSpPr>
+                  <a:spLocks noRot="1" noChangeAspect="1" noMove="1" noResize="1" noEditPoints="1" noAdjustHandles="1" noChangeArrowheads="1" noChangeShapeType="1" noTextEdit="1"/>
+                </p:cNvSpPr>
+                <p:nvPr/>
+              </p:nvSpPr>
+              <p:spPr>
+                <a:xfrm>
+                  <a:off x="9196388" y="4711065"/>
+                  <a:ext cx="648756" cy="457231"/>
+                </a:xfrm>
+                <a:prstGeom prst="rect">
+                  <a:avLst/>
+                </a:prstGeom>
+                <a:blipFill>
+                  <a:blip r:embed="rId6"/>
+                  <a:stretch>
+                    <a:fillRect/>
+                  </a:stretch>
+                </a:blipFill>
+              </p:spPr>
+              <p:txBody>
+                <a:bodyPr/>
+                <a:lstStyle/>
+                <a:p>
+                  <a:r>
+                    <a:rPr lang="en-US">
+                      <a:noFill/>
+                    </a:rPr>
+                    <a:t> </a:t>
+                  </a:r>
+                </a:p>
+              </p:txBody>
+            </p:sp>
+          </mc:Fallback>
+        </mc:AlternateContent>
+        <mc:AlternateContent xmlns:mc="http://schemas.openxmlformats.org/markup-compatibility/2006" xmlns:a14="http://schemas.microsoft.com/office/drawing/2010/main">
+          <mc:Choice Requires="a14">
+            <p:sp>
+              <p:nvSpPr>
+                <p:cNvPr id="56" name="Rectangle 55">
+                  <a:extLst>
+                    <a:ext uri="{FF2B5EF4-FFF2-40B4-BE49-F238E27FC236}">
+                      <a16:creationId xmlns:a16="http://schemas.microsoft.com/office/drawing/2014/main" id="{F04786C1-DF8D-924B-8C9C-382497A2E20F}"/>
+                    </a:ext>
+                  </a:extLst>
+                </p:cNvPr>
+                <p:cNvSpPr/>
+                <p:nvPr/>
+              </p:nvSpPr>
+              <p:spPr>
+                <a:xfrm>
+                  <a:off x="6417818" y="4107318"/>
+                  <a:ext cx="1825530" cy="457231"/>
+                </a:xfrm>
+                <a:prstGeom prst="rect">
+                  <a:avLst/>
+                </a:prstGeom>
+              </p:spPr>
+              <p:txBody>
+                <a:bodyPr wrap="none">
+                  <a:spAutoFit/>
+                </a:bodyPr>
+                <a:lstStyle/>
+                <a:p>
+                  <a:pPr/>
+                  <a14:m>
+                    <m:oMathPara xmlns:m="http://schemas.openxmlformats.org/officeDocument/2006/math">
+                      <m:oMathParaPr>
+                        <m:jc m:val="centerGroup"/>
+                      </m:oMathParaPr>
+                      <m:oMath xmlns:m="http://schemas.openxmlformats.org/officeDocument/2006/math">
+                        <m:sSub>
+                          <m:sSubPr>
+                            <m:ctrlPr>
+                              <a:rPr lang="en-US" sz="2000" i="1" smtClean="0">
+                                <a:latin typeface="Cambria Math" panose="02040503050406030204" pitchFamily="18" charset="0"/>
+                              </a:rPr>
+                            </m:ctrlPr>
+                          </m:sSubPr>
+                          <m:e>
+                            <m:r>
+                              <a:rPr lang="en-US" sz="2000" b="0" i="1" smtClean="0">
+                                <a:latin typeface="Cambria Math" panose="02040503050406030204" pitchFamily="18" charset="0"/>
+                              </a:rPr>
+                              <m:t>𝑤</m:t>
+                            </m:r>
+                          </m:e>
+                          <m:sub>
+                            <m:r>
+                              <a:rPr lang="en-US" sz="2000" b="0" i="1" smtClean="0">
+                                <a:latin typeface="Cambria Math" panose="02040503050406030204" pitchFamily="18" charset="0"/>
+                              </a:rPr>
+                              <m:t>4</m:t>
+                            </m:r>
+                          </m:sub>
+                        </m:sSub>
+                        <m:r>
+                          <a:rPr lang="en-US" sz="2000" b="0" i="1" smtClean="0">
+                            <a:latin typeface="Cambria Math" panose="02040503050406030204" pitchFamily="18" charset="0"/>
+                          </a:rPr>
+                          <m:t>=</m:t>
+                        </m:r>
+                        <m:r>
+                          <m:rPr>
+                            <m:nor/>
+                          </m:rPr>
+                          <a:rPr lang="en-US" sz="2000" dirty="0" smtClean="0"/>
+                          <m:t>+880 </m:t>
+                        </m:r>
+                        <m:r>
+                          <m:rPr>
+                            <m:nor/>
+                          </m:rPr>
+                          <a:rPr lang="en-US" sz="2000" dirty="0" smtClean="0"/>
+                          <m:t>J</m:t>
+                        </m:r>
+                      </m:oMath>
+                    </m:oMathPara>
+                  </a14:m>
+                  <a:endParaRPr lang="en-US" sz="2000" dirty="0"/>
+                </a:p>
+              </p:txBody>
+            </p:sp>
+          </mc:Choice>
+          <mc:Fallback xmlns="">
+            <p:sp>
+              <p:nvSpPr>
+                <p:cNvPr id="56" name="Rectangle 55">
+                  <a:extLst>
+                    <a:ext uri="{FF2B5EF4-FFF2-40B4-BE49-F238E27FC236}">
+                      <a16:creationId xmlns:a16="http://schemas.microsoft.com/office/drawing/2014/main" id="{F04786C1-DF8D-924B-8C9C-382497A2E20F}"/>
+                    </a:ext>
+                  </a:extLst>
+                </p:cNvPr>
+                <p:cNvSpPr>
+                  <a:spLocks noRot="1" noChangeAspect="1" noMove="1" noResize="1" noEditPoints="1" noAdjustHandles="1" noChangeArrowheads="1" noChangeShapeType="1" noTextEdit="1"/>
+                </p:cNvSpPr>
+                <p:nvPr/>
+              </p:nvSpPr>
+              <p:spPr>
+                <a:xfrm>
+                  <a:off x="6417818" y="4107318"/>
+                  <a:ext cx="1825530" cy="457231"/>
+                </a:xfrm>
+                <a:prstGeom prst="rect">
+                  <a:avLst/>
+                </a:prstGeom>
+                <a:blipFill>
+                  <a:blip r:embed="rId7"/>
+                  <a:stretch>
+                    <a:fillRect t="-6250" b="-21875"/>
+                  </a:stretch>
+                </a:blipFill>
+              </p:spPr>
+              <p:txBody>
+                <a:bodyPr/>
+                <a:lstStyle/>
+                <a:p>
+                  <a:r>
+                    <a:rPr lang="en-US">
+                      <a:noFill/>
+                    </a:rPr>
+                    <a:t> </a:t>
+                  </a:r>
+                </a:p>
+              </p:txBody>
+            </p:sp>
+          </mc:Fallback>
+        </mc:AlternateContent>
+      </p:grpSp>
+      <p:sp>
+        <p:nvSpPr>
+          <p:cNvPr id="13" name="Arc 12">
+            <a:extLst>
+              <a:ext uri="{FF2B5EF4-FFF2-40B4-BE49-F238E27FC236}">
+                <a16:creationId xmlns:a16="http://schemas.microsoft.com/office/drawing/2014/main" id="{EF087E73-3611-E04E-9057-3A189B21F827}"/>
+              </a:ext>
+            </a:extLst>
+          </p:cNvPr>
+          <p:cNvSpPr/>
+          <p:nvPr/>
+        </p:nvSpPr>
+        <p:spPr>
+          <a:xfrm rot="16200000">
+            <a:off x="2022108" y="3153832"/>
+            <a:ext cx="663217" cy="1274875"/>
+          </a:xfrm>
+          <a:prstGeom prst="arc">
+            <a:avLst>
+              <a:gd name="adj1" fmla="val 4981034"/>
+              <a:gd name="adj2" fmla="val 15900305"/>
+            </a:avLst>
+          </a:prstGeom>
+          <a:ln w="63500">
+            <a:solidFill>
+              <a:schemeClr val="tx1"/>
+            </a:solidFill>
+            <a:prstDash val="sysDot"/>
+            <a:headEnd type="triangle"/>
+            <a:tailEnd type="none"/>
+          </a:ln>
+        </p:spPr>
+        <p:style>
+          <a:lnRef idx="1">
+            <a:schemeClr val="accent1"/>
+          </a:lnRef>
+          <a:fillRef idx="0">
+            <a:schemeClr val="accent1"/>
+          </a:fillRef>
+          <a:effectRef idx="0">
+            <a:schemeClr val="accent1"/>
+          </a:effectRef>
+          <a:fontRef idx="minor">
+            <a:schemeClr val="tx1"/>
+          </a:fontRef>
+        </p:style>
+        <p:txBody>
+          <a:bodyPr rtlCol="0" anchor="ctr"/>
+          <a:lstStyle/>
+          <a:p>
+            <a:pPr algn="ctr"/>
+            <a:endParaRPr lang="en-US" dirty="0"/>
+          </a:p>
+        </p:txBody>
+      </p:sp>
+      <p:sp>
+        <p:nvSpPr>
+          <p:cNvPr id="5" name="TextBox 4">
+            <a:extLst>
+              <a:ext uri="{FF2B5EF4-FFF2-40B4-BE49-F238E27FC236}">
+                <a16:creationId xmlns:a16="http://schemas.microsoft.com/office/drawing/2014/main" id="{6033BAEC-A8CF-95AF-34B2-ABD3EB81DB59}"/>
+              </a:ext>
+            </a:extLst>
+          </p:cNvPr>
+          <p:cNvSpPr txBox="1"/>
+          <p:nvPr/>
+        </p:nvSpPr>
+        <p:spPr>
+          <a:xfrm>
+            <a:off x="2181413" y="4122878"/>
+            <a:ext cx="809742" cy="461665"/>
           </a:xfrm>
           <a:prstGeom prst="rect">
             <a:avLst/>
@@ -3458,42 +4970,7 @@
           <a:p>
             <a:r>
               <a:rPr lang="en-US" sz="2400" b="1" dirty="0"/>
-              <a:t>Today</a:t>
-            </a:r>
-          </a:p>
-        </p:txBody>
-      </p:sp>
-      <p:sp>
-        <p:nvSpPr>
-          <p:cNvPr id="6" name="TextBox 5">
-            <a:extLst>
-              <a:ext uri="{FF2B5EF4-FFF2-40B4-BE49-F238E27FC236}">
-                <a16:creationId xmlns:a16="http://schemas.microsoft.com/office/drawing/2014/main" id="{4F02DD56-F41C-FB4A-9A48-2B82128B6009}"/>
-              </a:ext>
-            </a:extLst>
-          </p:cNvPr>
-          <p:cNvSpPr txBox="1"/>
-          <p:nvPr/>
-        </p:nvSpPr>
-        <p:spPr>
-          <a:xfrm>
-            <a:off x="104932" y="3741549"/>
-            <a:ext cx="4627706" cy="461665"/>
-          </a:xfrm>
-          <a:prstGeom prst="rect">
-            <a:avLst/>
-          </a:prstGeom>
-          <a:noFill/>
-        </p:spPr>
-        <p:txBody>
-          <a:bodyPr wrap="square" rtlCol="0">
-            <a:spAutoFit/>
-          </a:bodyPr>
-          <a:lstStyle/>
-          <a:p>
-            <a:r>
-              <a:rPr lang="en-US" sz="2400" dirty="0"/>
-              <a:t>Do some analytical work</a:t>
+              <a:t>?</a:t>
             </a:r>
           </a:p>
         </p:txBody>
@@ -3501,7 +4978,7 @@
     </p:spTree>
     <p:extLst>
       <p:ext uri="{BB962C8B-B14F-4D97-AF65-F5344CB8AC3E}">
-        <p14:creationId xmlns:p14="http://schemas.microsoft.com/office/powerpoint/2010/main" val="3553804072"/>
+        <p14:creationId xmlns:p14="http://schemas.microsoft.com/office/powerpoint/2010/main" val="4093227076"/>
       </p:ext>
     </p:extLst>
   </p:cSld>
@@ -3528,39 +5005,2944 @@
           <a:chExt cx="0" cy="0"/>
         </a:xfrm>
       </p:grpSpPr>
-      <p:pic>
-        <p:nvPicPr>
-          <p:cNvPr id="2" name="Picture 1">
+      <p:sp>
+        <p:nvSpPr>
+          <p:cNvPr id="10" name="TextBox 9">
             <a:extLst>
               <a:ext uri="{FF2B5EF4-FFF2-40B4-BE49-F238E27FC236}">
-                <a16:creationId xmlns:a16="http://schemas.microsoft.com/office/drawing/2014/main" id="{F9EE65EF-72C9-C248-A8A6-060B4F0BFCDE}"/>
+                <a16:creationId xmlns:a16="http://schemas.microsoft.com/office/drawing/2014/main" id="{2C4D51AB-942B-FC45-BC1E-A73EAE9C61BD}"/>
               </a:ext>
             </a:extLst>
           </p:cNvPr>
-          <p:cNvPicPr>
-            <a:picLocks noChangeAspect="1"/>
-          </p:cNvPicPr>
+          <p:cNvSpPr txBox="1"/>
           <p:nvPr/>
-        </p:nvPicPr>
-        <p:blipFill rotWithShape="1">
-          <a:blip r:embed="rId2"/>
-          <a:srcRect t="7033"/>
-          <a:stretch/>
-        </p:blipFill>
+        </p:nvSpPr>
         <p:spPr>
           <a:xfrm>
-            <a:off x="3081510" y="312758"/>
-            <a:ext cx="6028979" cy="6545242"/>
+            <a:off x="0" y="0"/>
+            <a:ext cx="12192000" cy="461665"/>
           </a:xfrm>
           <a:prstGeom prst="rect">
             <a:avLst/>
           </a:prstGeom>
+          <a:solidFill>
+            <a:schemeClr val="accent2"/>
+          </a:solidFill>
         </p:spPr>
-      </p:pic>
+        <p:txBody>
+          <a:bodyPr wrap="square" rtlCol="0">
+            <a:spAutoFit/>
+          </a:bodyPr>
+          <a:lstStyle/>
+          <a:p>
+            <a:r>
+              <a:rPr lang="en-US" sz="2400" b="1" dirty="0"/>
+              <a:t>The Carnot cycle is a theoretical heat engine that converts heat into work</a:t>
+            </a:r>
+          </a:p>
+        </p:txBody>
+      </p:sp>
+      <p:sp>
+        <p:nvSpPr>
+          <p:cNvPr id="5" name="TextBox 4">
+            <a:extLst>
+              <a:ext uri="{FF2B5EF4-FFF2-40B4-BE49-F238E27FC236}">
+                <a16:creationId xmlns:a16="http://schemas.microsoft.com/office/drawing/2014/main" id="{9EC586FE-9146-01A1-CDC1-EF83EFC93830}"/>
+              </a:ext>
+            </a:extLst>
+          </p:cNvPr>
+          <p:cNvSpPr txBox="1"/>
+          <p:nvPr/>
+        </p:nvSpPr>
+        <p:spPr>
+          <a:xfrm>
+            <a:off x="6096000" y="1424609"/>
+            <a:ext cx="5881141" cy="461665"/>
+          </a:xfrm>
+          <a:prstGeom prst="rect">
+            <a:avLst/>
+          </a:prstGeom>
+          <a:noFill/>
+        </p:spPr>
+        <p:txBody>
+          <a:bodyPr wrap="square" rtlCol="0">
+            <a:spAutoFit/>
+          </a:bodyPr>
+          <a:lstStyle/>
+          <a:p>
+            <a:r>
+              <a:rPr lang="en-US" sz="2400" dirty="0"/>
+              <a:t>The “working fluid” of a Carnot is an ideal gas</a:t>
+            </a:r>
+          </a:p>
+        </p:txBody>
+      </p:sp>
+      <p:grpSp>
+        <p:nvGrpSpPr>
+          <p:cNvPr id="7" name="Group 6">
+            <a:extLst>
+              <a:ext uri="{FF2B5EF4-FFF2-40B4-BE49-F238E27FC236}">
+                <a16:creationId xmlns:a16="http://schemas.microsoft.com/office/drawing/2014/main" id="{389E321F-A553-3D62-8FCC-0C20622FF981}"/>
+              </a:ext>
+            </a:extLst>
+          </p:cNvPr>
+          <p:cNvGrpSpPr/>
+          <p:nvPr/>
+        </p:nvGrpSpPr>
+        <p:grpSpPr>
+          <a:xfrm>
+            <a:off x="7540309" y="2542291"/>
+            <a:ext cx="2605920" cy="3295547"/>
+            <a:chOff x="657631" y="1868557"/>
+            <a:chExt cx="2605920" cy="3295547"/>
+          </a:xfrm>
+        </p:grpSpPr>
+        <p:grpSp>
+          <p:nvGrpSpPr>
+            <p:cNvPr id="8" name="Group 7">
+              <a:extLst>
+                <a:ext uri="{FF2B5EF4-FFF2-40B4-BE49-F238E27FC236}">
+                  <a16:creationId xmlns:a16="http://schemas.microsoft.com/office/drawing/2014/main" id="{0BA71E6A-82B8-0C12-B372-4C2A388EBA44}"/>
+                </a:ext>
+              </a:extLst>
+            </p:cNvPr>
+            <p:cNvGrpSpPr/>
+            <p:nvPr/>
+          </p:nvGrpSpPr>
+          <p:grpSpPr>
+            <a:xfrm>
+              <a:off x="657631" y="1868557"/>
+              <a:ext cx="2605920" cy="3295547"/>
+              <a:chOff x="3260665" y="2252870"/>
+              <a:chExt cx="3666827" cy="3485321"/>
+            </a:xfrm>
+          </p:grpSpPr>
+          <p:grpSp>
+            <p:nvGrpSpPr>
+              <p:cNvPr id="13" name="Group 12">
+                <a:extLst>
+                  <a:ext uri="{FF2B5EF4-FFF2-40B4-BE49-F238E27FC236}">
+                    <a16:creationId xmlns:a16="http://schemas.microsoft.com/office/drawing/2014/main" id="{50210F67-DBB7-BF82-56EA-EAC444CBF844}"/>
+                  </a:ext>
+                </a:extLst>
+              </p:cNvPr>
+              <p:cNvGrpSpPr/>
+              <p:nvPr/>
+            </p:nvGrpSpPr>
+            <p:grpSpPr>
+              <a:xfrm>
+                <a:off x="3260665" y="2252870"/>
+                <a:ext cx="1142288" cy="3485321"/>
+                <a:chOff x="3260665" y="2252870"/>
+                <a:chExt cx="1142288" cy="3485321"/>
+              </a:xfrm>
+            </p:grpSpPr>
+            <p:sp>
+              <p:nvSpPr>
+                <p:cNvPr id="22" name="Can 21">
+                  <a:extLst>
+                    <a:ext uri="{FF2B5EF4-FFF2-40B4-BE49-F238E27FC236}">
+                      <a16:creationId xmlns:a16="http://schemas.microsoft.com/office/drawing/2014/main" id="{81AB9E5C-BDD3-8766-B3D9-B45F02757DB9}"/>
+                    </a:ext>
+                  </a:extLst>
+                </p:cNvPr>
+                <p:cNvSpPr/>
+                <p:nvPr/>
+              </p:nvSpPr>
+              <p:spPr>
+                <a:xfrm>
+                  <a:off x="3287083" y="3975650"/>
+                  <a:ext cx="1115870" cy="463826"/>
+                </a:xfrm>
+                <a:prstGeom prst="can">
+                  <a:avLst>
+                    <a:gd name="adj" fmla="val 38571"/>
+                  </a:avLst>
+                </a:prstGeom>
+              </p:spPr>
+              <p:style>
+                <a:lnRef idx="2">
+                  <a:schemeClr val="accent1">
+                    <a:shade val="50000"/>
+                  </a:schemeClr>
+                </a:lnRef>
+                <a:fillRef idx="1">
+                  <a:schemeClr val="accent1"/>
+                </a:fillRef>
+                <a:effectRef idx="0">
+                  <a:schemeClr val="accent1"/>
+                </a:effectRef>
+                <a:fontRef idx="minor">
+                  <a:schemeClr val="lt1"/>
+                </a:fontRef>
+              </p:style>
+              <p:txBody>
+                <a:bodyPr rtlCol="0" anchor="ctr"/>
+                <a:lstStyle/>
+                <a:p>
+                  <a:pPr algn="ctr"/>
+                  <a:endParaRPr lang="en-US"/>
+                </a:p>
+              </p:txBody>
+            </p:sp>
+            <p:sp>
+              <p:nvSpPr>
+                <p:cNvPr id="23" name="Can 22">
+                  <a:extLst>
+                    <a:ext uri="{FF2B5EF4-FFF2-40B4-BE49-F238E27FC236}">
+                      <a16:creationId xmlns:a16="http://schemas.microsoft.com/office/drawing/2014/main" id="{73466934-85FC-4B73-7A76-7D497249E28A}"/>
+                    </a:ext>
+                  </a:extLst>
+                </p:cNvPr>
+                <p:cNvSpPr/>
+                <p:nvPr/>
+              </p:nvSpPr>
+              <p:spPr>
+                <a:xfrm>
+                  <a:off x="3287083" y="2252870"/>
+                  <a:ext cx="1115870" cy="3485321"/>
+                </a:xfrm>
+                <a:prstGeom prst="can">
+                  <a:avLst>
+                    <a:gd name="adj" fmla="val 15499"/>
+                  </a:avLst>
+                </a:prstGeom>
+                <a:noFill/>
+              </p:spPr>
+              <p:style>
+                <a:lnRef idx="2">
+                  <a:schemeClr val="accent1">
+                    <a:shade val="50000"/>
+                  </a:schemeClr>
+                </a:lnRef>
+                <a:fillRef idx="1">
+                  <a:schemeClr val="accent1"/>
+                </a:fillRef>
+                <a:effectRef idx="0">
+                  <a:schemeClr val="accent1"/>
+                </a:effectRef>
+                <a:fontRef idx="minor">
+                  <a:schemeClr val="lt1"/>
+                </a:fontRef>
+              </p:style>
+              <p:txBody>
+                <a:bodyPr rtlCol="0" anchor="ctr"/>
+                <a:lstStyle/>
+                <a:p>
+                  <a:pPr algn="ctr"/>
+                  <a:endParaRPr lang="en-US"/>
+                </a:p>
+              </p:txBody>
+            </p:sp>
+            <p:grpSp>
+              <p:nvGrpSpPr>
+                <p:cNvPr id="24" name="Group 23">
+                  <a:extLst>
+                    <a:ext uri="{FF2B5EF4-FFF2-40B4-BE49-F238E27FC236}">
+                      <a16:creationId xmlns:a16="http://schemas.microsoft.com/office/drawing/2014/main" id="{D610DA44-4D71-3BEF-5C84-AA13B8D0DAAD}"/>
+                    </a:ext>
+                  </a:extLst>
+                </p:cNvPr>
+                <p:cNvGrpSpPr/>
+                <p:nvPr/>
+              </p:nvGrpSpPr>
+              <p:grpSpPr>
+                <a:xfrm>
+                  <a:off x="3625218" y="3356270"/>
+                  <a:ext cx="468047" cy="716745"/>
+                  <a:chOff x="4009533" y="4138149"/>
+                  <a:chExt cx="468047" cy="716745"/>
+                </a:xfrm>
+              </p:grpSpPr>
+              <p:sp>
+                <p:nvSpPr>
+                  <p:cNvPr id="26" name="Down Arrow 25">
+                    <a:extLst>
+                      <a:ext uri="{FF2B5EF4-FFF2-40B4-BE49-F238E27FC236}">
+                        <a16:creationId xmlns:a16="http://schemas.microsoft.com/office/drawing/2014/main" id="{81CA0553-2434-69D5-31F4-0B97F785A71E}"/>
+                      </a:ext>
+                    </a:extLst>
+                  </p:cNvPr>
+                  <p:cNvSpPr/>
+                  <p:nvPr/>
+                </p:nvSpPr>
+                <p:spPr>
+                  <a:xfrm>
+                    <a:off x="4094233" y="4576486"/>
+                    <a:ext cx="298649" cy="278408"/>
+                  </a:xfrm>
+                  <a:prstGeom prst="downArrow">
+                    <a:avLst/>
+                  </a:prstGeom>
+                  <a:solidFill>
+                    <a:schemeClr val="tx1"/>
+                  </a:solidFill>
+                </p:spPr>
+                <p:style>
+                  <a:lnRef idx="2">
+                    <a:schemeClr val="accent1">
+                      <a:shade val="50000"/>
+                    </a:schemeClr>
+                  </a:lnRef>
+                  <a:fillRef idx="1">
+                    <a:schemeClr val="accent1"/>
+                  </a:fillRef>
+                  <a:effectRef idx="0">
+                    <a:schemeClr val="accent1"/>
+                  </a:effectRef>
+                  <a:fontRef idx="minor">
+                    <a:schemeClr val="lt1"/>
+                  </a:fontRef>
+                </p:style>
+                <p:txBody>
+                  <a:bodyPr rtlCol="0" anchor="ctr"/>
+                  <a:lstStyle/>
+                  <a:p>
+                    <a:pPr algn="ctr"/>
+                    <a:endParaRPr lang="en-US"/>
+                  </a:p>
+                </p:txBody>
+              </p:sp>
+              <mc:AlternateContent xmlns:mc="http://schemas.openxmlformats.org/markup-compatibility/2006" xmlns:a14="http://schemas.microsoft.com/office/drawing/2010/main">
+                <mc:Choice Requires="a14">
+                  <p:sp>
+                    <p:nvSpPr>
+                      <p:cNvPr id="27" name="Rectangle 26">
+                        <a:extLst>
+                          <a:ext uri="{FF2B5EF4-FFF2-40B4-BE49-F238E27FC236}">
+                            <a16:creationId xmlns:a16="http://schemas.microsoft.com/office/drawing/2014/main" id="{0D57C835-2F73-0A99-3DC2-2E784436F9AC}"/>
+                          </a:ext>
+                        </a:extLst>
+                      </p:cNvPr>
+                      <p:cNvSpPr/>
+                      <p:nvPr/>
+                    </p:nvSpPr>
+                    <p:spPr>
+                      <a:xfrm>
+                        <a:off x="4009533" y="4138149"/>
+                        <a:ext cx="468047" cy="327555"/>
+                      </a:xfrm>
+                      <a:prstGeom prst="rect">
+                        <a:avLst/>
+                      </a:prstGeom>
+                    </p:spPr>
+                    <p:txBody>
+                      <a:bodyPr wrap="none">
+                        <a:spAutoFit/>
+                      </a:bodyPr>
+                      <a:lstStyle/>
+                      <a:p>
+                        <a:pPr/>
+                        <a14:m>
+                          <m:oMathPara xmlns:m="http://schemas.openxmlformats.org/officeDocument/2006/math">
+                            <m:oMathParaPr>
+                              <m:jc m:val="centerGroup"/>
+                            </m:oMathParaPr>
+                            <m:oMath xmlns:m="http://schemas.openxmlformats.org/officeDocument/2006/math">
+                              <m:sSub>
+                                <m:sSubPr>
+                                  <m:ctrlPr>
+                                    <a:rPr lang="en-US" sz="2400" i="1" smtClean="0">
+                                      <a:solidFill>
+                                        <a:schemeClr val="tx1"/>
+                                      </a:solidFill>
+                                      <a:latin typeface="Cambria Math" panose="02040503050406030204" pitchFamily="18" charset="0"/>
+                                    </a:rPr>
+                                  </m:ctrlPr>
+                                </m:sSubPr>
+                                <m:e>
+                                  <m:r>
+                                    <a:rPr lang="en-US" sz="2400" i="1">
+                                      <a:solidFill>
+                                        <a:schemeClr val="tx1"/>
+                                      </a:solidFill>
+                                      <a:latin typeface="Cambria Math" panose="02040503050406030204" pitchFamily="18" charset="0"/>
+                                    </a:rPr>
+                                    <m:t>𝑃</m:t>
+                                  </m:r>
+                                </m:e>
+                                <m:sub>
+                                  <m:r>
+                                    <a:rPr lang="en-US" sz="2400" i="1">
+                                      <a:solidFill>
+                                        <a:schemeClr val="tx1"/>
+                                      </a:solidFill>
+                                      <a:latin typeface="Cambria Math" panose="02040503050406030204" pitchFamily="18" charset="0"/>
+                                    </a:rPr>
+                                    <m:t>𝑒𝑥</m:t>
+                                  </m:r>
+                                </m:sub>
+                              </m:sSub>
+                            </m:oMath>
+                          </m:oMathPara>
+                        </a14:m>
+                        <a:endParaRPr lang="en-US" sz="2400" dirty="0">
+                          <a:solidFill>
+                            <a:schemeClr val="tx1"/>
+                          </a:solidFill>
+                        </a:endParaRPr>
+                      </a:p>
+                    </p:txBody>
+                  </p:sp>
+                </mc:Choice>
+                <mc:Fallback xmlns="">
+                  <p:sp>
+                    <p:nvSpPr>
+                      <p:cNvPr id="6" name="Rectangle 5">
+                        <a:extLst>
+                          <a:ext uri="{FF2B5EF4-FFF2-40B4-BE49-F238E27FC236}">
+                            <a16:creationId xmlns:a16="http://schemas.microsoft.com/office/drawing/2014/main" id="{34853373-B311-B34E-9113-9731A6AFBE81}"/>
+                          </a:ext>
+                        </a:extLst>
+                      </p:cNvPr>
+                      <p:cNvSpPr>
+                        <a:spLocks noRot="1" noChangeAspect="1" noMove="1" noResize="1" noEditPoints="1" noAdjustHandles="1" noChangeArrowheads="1" noChangeShapeType="1" noTextEdit="1"/>
+                      </p:cNvSpPr>
+                      <p:nvPr/>
+                    </p:nvSpPr>
+                    <p:spPr>
+                      <a:xfrm>
+                        <a:off x="4009533" y="4138149"/>
+                        <a:ext cx="468047" cy="327555"/>
+                      </a:xfrm>
+                      <a:prstGeom prst="rect">
+                        <a:avLst/>
+                      </a:prstGeom>
+                      <a:blipFill>
+                        <a:blip r:embed="rId2"/>
+                        <a:stretch>
+                          <a:fillRect l="-3704" r="-59259" b="-48000"/>
+                        </a:stretch>
+                      </a:blipFill>
+                    </p:spPr>
+                    <p:txBody>
+                      <a:bodyPr/>
+                      <a:lstStyle/>
+                      <a:p>
+                        <a:r>
+                          <a:rPr lang="en-US">
+                            <a:noFill/>
+                          </a:rPr>
+                          <a:t> </a:t>
+                        </a:r>
+                      </a:p>
+                    </p:txBody>
+                  </p:sp>
+                </mc:Fallback>
+              </mc:AlternateContent>
+            </p:grpSp>
+            <mc:AlternateContent xmlns:mc="http://schemas.openxmlformats.org/markup-compatibility/2006" xmlns:a14="http://schemas.microsoft.com/office/drawing/2010/main">
+              <mc:Choice Requires="a14">
+                <p:sp>
+                  <p:nvSpPr>
+                    <p:cNvPr id="25" name="Rectangle 24">
+                      <a:extLst>
+                        <a:ext uri="{FF2B5EF4-FFF2-40B4-BE49-F238E27FC236}">
+                          <a16:creationId xmlns:a16="http://schemas.microsoft.com/office/drawing/2014/main" id="{A6922ADB-88FF-52DC-6280-7C0A44DF98F9}"/>
+                        </a:ext>
+                      </a:extLst>
+                    </p:cNvPr>
+                    <p:cNvSpPr/>
+                    <p:nvPr/>
+                  </p:nvSpPr>
+                  <p:spPr>
+                    <a:xfrm>
+                      <a:off x="3260665" y="4689443"/>
+                      <a:ext cx="617373" cy="878850"/>
+                    </a:xfrm>
+                    <a:prstGeom prst="rect">
+                      <a:avLst/>
+                    </a:prstGeom>
+                  </p:spPr>
+                  <p:txBody>
+                    <a:bodyPr wrap="square">
+                      <a:spAutoFit/>
+                    </a:bodyPr>
+                    <a:lstStyle/>
+                    <a:p>
+                      <a:pPr/>
+                      <a14:m>
+                        <m:oMathPara xmlns:m="http://schemas.openxmlformats.org/officeDocument/2006/math">
+                          <m:oMathParaPr>
+                            <m:jc m:val="centerGroup"/>
+                          </m:oMathParaPr>
+                          <m:oMath xmlns:m="http://schemas.openxmlformats.org/officeDocument/2006/math">
+                            <m:sSub>
+                              <m:sSubPr>
+                                <m:ctrlPr>
+                                  <a:rPr lang="en-US" sz="2400" i="1" smtClean="0">
+                                    <a:solidFill>
+                                      <a:schemeClr val="tx1"/>
+                                    </a:solidFill>
+                                    <a:latin typeface="Cambria Math" panose="02040503050406030204" pitchFamily="18" charset="0"/>
+                                  </a:rPr>
+                                </m:ctrlPr>
+                              </m:sSubPr>
+                              <m:e>
+                                <m:r>
+                                  <a:rPr lang="en-US" sz="2400" i="1">
+                                    <a:solidFill>
+                                      <a:schemeClr val="tx1"/>
+                                    </a:solidFill>
+                                    <a:latin typeface="Cambria Math" panose="02040503050406030204" pitchFamily="18" charset="0"/>
+                                  </a:rPr>
+                                  <m:t>𝑃</m:t>
+                                </m:r>
+                              </m:e>
+                              <m:sub>
+                                <m:r>
+                                  <a:rPr lang="en-US" sz="2400" b="0" i="1" smtClean="0">
+                                    <a:solidFill>
+                                      <a:schemeClr val="tx1"/>
+                                    </a:solidFill>
+                                    <a:latin typeface="Cambria Math" panose="02040503050406030204" pitchFamily="18" charset="0"/>
+                                  </a:rPr>
+                                  <m:t>1</m:t>
+                                </m:r>
+                              </m:sub>
+                            </m:sSub>
+                            <m:r>
+                              <a:rPr lang="en-US" sz="2400" b="0" i="1" smtClean="0">
+                                <a:solidFill>
+                                  <a:schemeClr val="tx1"/>
+                                </a:solidFill>
+                                <a:latin typeface="Cambria Math" panose="02040503050406030204" pitchFamily="18" charset="0"/>
+                              </a:rPr>
+                              <m:t>,</m:t>
+                            </m:r>
+                            <m:sSub>
+                              <m:sSubPr>
+                                <m:ctrlPr>
+                                  <a:rPr lang="en-US" sz="2400" i="1">
+                                    <a:latin typeface="Cambria Math" panose="02040503050406030204" pitchFamily="18" charset="0"/>
+                                  </a:rPr>
+                                </m:ctrlPr>
+                              </m:sSubPr>
+                              <m:e>
+                                <m:r>
+                                  <a:rPr lang="en-US" sz="2400" b="0" i="1" smtClean="0">
+                                    <a:latin typeface="Cambria Math" panose="02040503050406030204" pitchFamily="18" charset="0"/>
+                                  </a:rPr>
+                                  <m:t>𝑉</m:t>
+                                </m:r>
+                              </m:e>
+                              <m:sub>
+                                <m:r>
+                                  <a:rPr lang="en-US" sz="2400" i="1">
+                                    <a:latin typeface="Cambria Math" panose="02040503050406030204" pitchFamily="18" charset="0"/>
+                                  </a:rPr>
+                                  <m:t>1</m:t>
+                                </m:r>
+                              </m:sub>
+                            </m:sSub>
+                          </m:oMath>
+                        </m:oMathPara>
+                      </a14:m>
+                      <a:endParaRPr lang="en-US" sz="2400" dirty="0"/>
+                    </a:p>
+                    <a:p>
+                      <a:pPr/>
+                      <a14:m>
+                        <m:oMathPara xmlns:m="http://schemas.openxmlformats.org/officeDocument/2006/math">
+                          <m:oMathParaPr>
+                            <m:jc m:val="centerGroup"/>
+                          </m:oMathParaPr>
+                          <m:oMath xmlns:m="http://schemas.openxmlformats.org/officeDocument/2006/math">
+                            <m:sSub>
+                              <m:sSubPr>
+                                <m:ctrlPr>
+                                  <a:rPr lang="en-US" sz="2400" i="1">
+                                    <a:latin typeface="Cambria Math" panose="02040503050406030204" pitchFamily="18" charset="0"/>
+                                  </a:rPr>
+                                </m:ctrlPr>
+                              </m:sSubPr>
+                              <m:e>
+                                <m:r>
+                                  <a:rPr lang="en-US" sz="2400" b="0" i="1" smtClean="0">
+                                    <a:latin typeface="Cambria Math" panose="02040503050406030204" pitchFamily="18" charset="0"/>
+                                  </a:rPr>
+                                  <m:t>𝑇</m:t>
+                                </m:r>
+                              </m:e>
+                              <m:sub>
+                                <m:r>
+                                  <a:rPr lang="en-US" sz="2400" i="1">
+                                    <a:latin typeface="Cambria Math" panose="02040503050406030204" pitchFamily="18" charset="0"/>
+                                  </a:rPr>
+                                  <m:t>1</m:t>
+                                </m:r>
+                              </m:sub>
+                            </m:sSub>
+                          </m:oMath>
+                        </m:oMathPara>
+                      </a14:m>
+                      <a:endParaRPr lang="en-US" sz="2400" dirty="0">
+                        <a:solidFill>
+                          <a:schemeClr val="tx1"/>
+                        </a:solidFill>
+                      </a:endParaRPr>
+                    </a:p>
+                  </p:txBody>
+                </p:sp>
+              </mc:Choice>
+              <mc:Fallback xmlns="">
+                <p:sp>
+                  <p:nvSpPr>
+                    <p:cNvPr id="9" name="Rectangle 8">
+                      <a:extLst>
+                        <a:ext uri="{FF2B5EF4-FFF2-40B4-BE49-F238E27FC236}">
+                          <a16:creationId xmlns:a16="http://schemas.microsoft.com/office/drawing/2014/main" id="{CB382580-57C5-C740-B532-69767D94E554}"/>
+                        </a:ext>
+                      </a:extLst>
+                    </p:cNvPr>
+                    <p:cNvSpPr>
+                      <a:spLocks noRot="1" noChangeAspect="1" noMove="1" noResize="1" noEditPoints="1" noAdjustHandles="1" noChangeArrowheads="1" noChangeShapeType="1" noTextEdit="1"/>
+                    </p:cNvSpPr>
+                    <p:nvPr/>
+                  </p:nvSpPr>
+                  <p:spPr>
+                    <a:xfrm>
+                      <a:off x="3260665" y="4689443"/>
+                      <a:ext cx="617373" cy="878850"/>
+                    </a:xfrm>
+                    <a:prstGeom prst="rect">
+                      <a:avLst/>
+                    </a:prstGeom>
+                    <a:blipFill>
+                      <a:blip r:embed="rId3"/>
+                      <a:stretch>
+                        <a:fillRect l="-2778" r="-88889"/>
+                      </a:stretch>
+                    </a:blipFill>
+                  </p:spPr>
+                  <p:txBody>
+                    <a:bodyPr/>
+                    <a:lstStyle/>
+                    <a:p>
+                      <a:r>
+                        <a:rPr lang="en-US">
+                          <a:noFill/>
+                        </a:rPr>
+                        <a:t> </a:t>
+                      </a:r>
+                    </a:p>
+                  </p:txBody>
+                </p:sp>
+              </mc:Fallback>
+            </mc:AlternateContent>
+          </p:grpSp>
+          <p:grpSp>
+            <p:nvGrpSpPr>
+              <p:cNvPr id="14" name="Group 13">
+                <a:extLst>
+                  <a:ext uri="{FF2B5EF4-FFF2-40B4-BE49-F238E27FC236}">
+                    <a16:creationId xmlns:a16="http://schemas.microsoft.com/office/drawing/2014/main" id="{F7E2885C-4537-350D-EEB2-E642AE7D5584}"/>
+                  </a:ext>
+                </a:extLst>
+              </p:cNvPr>
+              <p:cNvGrpSpPr/>
+              <p:nvPr/>
+            </p:nvGrpSpPr>
+            <p:grpSpPr>
+              <a:xfrm>
+                <a:off x="5714493" y="2252870"/>
+                <a:ext cx="1212999" cy="3485321"/>
+                <a:chOff x="3189954" y="2252870"/>
+                <a:chExt cx="1212999" cy="3485321"/>
+              </a:xfrm>
+            </p:grpSpPr>
+            <p:sp>
+              <p:nvSpPr>
+                <p:cNvPr id="16" name="Can 15">
+                  <a:extLst>
+                    <a:ext uri="{FF2B5EF4-FFF2-40B4-BE49-F238E27FC236}">
+                      <a16:creationId xmlns:a16="http://schemas.microsoft.com/office/drawing/2014/main" id="{AB2E51AE-C4DD-7921-08F1-5FF1643F8089}"/>
+                    </a:ext>
+                  </a:extLst>
+                </p:cNvPr>
+                <p:cNvSpPr/>
+                <p:nvPr/>
+              </p:nvSpPr>
+              <p:spPr>
+                <a:xfrm>
+                  <a:off x="3287083" y="3260033"/>
+                  <a:ext cx="1115870" cy="463826"/>
+                </a:xfrm>
+                <a:prstGeom prst="can">
+                  <a:avLst>
+                    <a:gd name="adj" fmla="val 38571"/>
+                  </a:avLst>
+                </a:prstGeom>
+              </p:spPr>
+              <p:style>
+                <a:lnRef idx="2">
+                  <a:schemeClr val="accent1">
+                    <a:shade val="50000"/>
+                  </a:schemeClr>
+                </a:lnRef>
+                <a:fillRef idx="1">
+                  <a:schemeClr val="accent1"/>
+                </a:fillRef>
+                <a:effectRef idx="0">
+                  <a:schemeClr val="accent1"/>
+                </a:effectRef>
+                <a:fontRef idx="minor">
+                  <a:schemeClr val="lt1"/>
+                </a:fontRef>
+              </p:style>
+              <p:txBody>
+                <a:bodyPr rtlCol="0" anchor="ctr"/>
+                <a:lstStyle/>
+                <a:p>
+                  <a:pPr algn="ctr"/>
+                  <a:endParaRPr lang="en-US"/>
+                </a:p>
+              </p:txBody>
+            </p:sp>
+            <p:sp>
+              <p:nvSpPr>
+                <p:cNvPr id="17" name="Can 16">
+                  <a:extLst>
+                    <a:ext uri="{FF2B5EF4-FFF2-40B4-BE49-F238E27FC236}">
+                      <a16:creationId xmlns:a16="http://schemas.microsoft.com/office/drawing/2014/main" id="{7E165DC9-AC57-A7A3-7691-A304B801F347}"/>
+                    </a:ext>
+                  </a:extLst>
+                </p:cNvPr>
+                <p:cNvSpPr/>
+                <p:nvPr/>
+              </p:nvSpPr>
+              <p:spPr>
+                <a:xfrm>
+                  <a:off x="3287083" y="2252870"/>
+                  <a:ext cx="1115870" cy="3485321"/>
+                </a:xfrm>
+                <a:prstGeom prst="can">
+                  <a:avLst>
+                    <a:gd name="adj" fmla="val 15499"/>
+                  </a:avLst>
+                </a:prstGeom>
+                <a:noFill/>
+              </p:spPr>
+              <p:style>
+                <a:lnRef idx="2">
+                  <a:schemeClr val="accent1">
+                    <a:shade val="50000"/>
+                  </a:schemeClr>
+                </a:lnRef>
+                <a:fillRef idx="1">
+                  <a:schemeClr val="accent1"/>
+                </a:fillRef>
+                <a:effectRef idx="0">
+                  <a:schemeClr val="accent1"/>
+                </a:effectRef>
+                <a:fontRef idx="minor">
+                  <a:schemeClr val="lt1"/>
+                </a:fontRef>
+              </p:style>
+              <p:txBody>
+                <a:bodyPr rtlCol="0" anchor="ctr"/>
+                <a:lstStyle/>
+                <a:p>
+                  <a:pPr algn="ctr"/>
+                  <a:endParaRPr lang="en-US"/>
+                </a:p>
+              </p:txBody>
+            </p:sp>
+            <p:grpSp>
+              <p:nvGrpSpPr>
+                <p:cNvPr id="18" name="Group 17">
+                  <a:extLst>
+                    <a:ext uri="{FF2B5EF4-FFF2-40B4-BE49-F238E27FC236}">
+                      <a16:creationId xmlns:a16="http://schemas.microsoft.com/office/drawing/2014/main" id="{240EAA98-B92A-8D01-4A90-9C0E6EC29851}"/>
+                    </a:ext>
+                  </a:extLst>
+                </p:cNvPr>
+                <p:cNvGrpSpPr/>
+                <p:nvPr/>
+              </p:nvGrpSpPr>
+              <p:grpSpPr>
+                <a:xfrm>
+                  <a:off x="3625218" y="2640653"/>
+                  <a:ext cx="468047" cy="716745"/>
+                  <a:chOff x="4009533" y="3422532"/>
+                  <a:chExt cx="468047" cy="716745"/>
+                </a:xfrm>
+              </p:grpSpPr>
+              <p:sp>
+                <p:nvSpPr>
+                  <p:cNvPr id="20" name="Down Arrow 19">
+                    <a:extLst>
+                      <a:ext uri="{FF2B5EF4-FFF2-40B4-BE49-F238E27FC236}">
+                        <a16:creationId xmlns:a16="http://schemas.microsoft.com/office/drawing/2014/main" id="{C2D0B4DF-3538-426D-7D5C-E96E26814618}"/>
+                      </a:ext>
+                    </a:extLst>
+                  </p:cNvPr>
+                  <p:cNvSpPr/>
+                  <p:nvPr/>
+                </p:nvSpPr>
+                <p:spPr>
+                  <a:xfrm>
+                    <a:off x="4094233" y="3860869"/>
+                    <a:ext cx="298649" cy="278408"/>
+                  </a:xfrm>
+                  <a:prstGeom prst="downArrow">
+                    <a:avLst/>
+                  </a:prstGeom>
+                  <a:solidFill>
+                    <a:schemeClr val="tx1"/>
+                  </a:solidFill>
+                </p:spPr>
+                <p:style>
+                  <a:lnRef idx="2">
+                    <a:schemeClr val="accent1">
+                      <a:shade val="50000"/>
+                    </a:schemeClr>
+                  </a:lnRef>
+                  <a:fillRef idx="1">
+                    <a:schemeClr val="accent1"/>
+                  </a:fillRef>
+                  <a:effectRef idx="0">
+                    <a:schemeClr val="accent1"/>
+                  </a:effectRef>
+                  <a:fontRef idx="minor">
+                    <a:schemeClr val="lt1"/>
+                  </a:fontRef>
+                </p:style>
+                <p:txBody>
+                  <a:bodyPr rtlCol="0" anchor="ctr"/>
+                  <a:lstStyle/>
+                  <a:p>
+                    <a:pPr algn="ctr"/>
+                    <a:endParaRPr lang="en-US"/>
+                  </a:p>
+                </p:txBody>
+              </p:sp>
+              <mc:AlternateContent xmlns:mc="http://schemas.openxmlformats.org/markup-compatibility/2006" xmlns:a14="http://schemas.microsoft.com/office/drawing/2010/main">
+                <mc:Choice Requires="a14">
+                  <p:sp>
+                    <p:nvSpPr>
+                      <p:cNvPr id="21" name="Rectangle 20">
+                        <a:extLst>
+                          <a:ext uri="{FF2B5EF4-FFF2-40B4-BE49-F238E27FC236}">
+                            <a16:creationId xmlns:a16="http://schemas.microsoft.com/office/drawing/2014/main" id="{578E03C0-7F3A-8532-454D-F3DC6E336A41}"/>
+                          </a:ext>
+                        </a:extLst>
+                      </p:cNvPr>
+                      <p:cNvSpPr/>
+                      <p:nvPr/>
+                    </p:nvSpPr>
+                    <p:spPr>
+                      <a:xfrm>
+                        <a:off x="4009533" y="3422532"/>
+                        <a:ext cx="468047" cy="327555"/>
+                      </a:xfrm>
+                      <a:prstGeom prst="rect">
+                        <a:avLst/>
+                      </a:prstGeom>
+                    </p:spPr>
+                    <p:txBody>
+                      <a:bodyPr wrap="none">
+                        <a:spAutoFit/>
+                      </a:bodyPr>
+                      <a:lstStyle/>
+                      <a:p>
+                        <a:pPr/>
+                        <a14:m>
+                          <m:oMathPara xmlns:m="http://schemas.openxmlformats.org/officeDocument/2006/math">
+                            <m:oMathParaPr>
+                              <m:jc m:val="centerGroup"/>
+                            </m:oMathParaPr>
+                            <m:oMath xmlns:m="http://schemas.openxmlformats.org/officeDocument/2006/math">
+                              <m:sSub>
+                                <m:sSubPr>
+                                  <m:ctrlPr>
+                                    <a:rPr lang="en-US" sz="2400" i="1" smtClean="0">
+                                      <a:solidFill>
+                                        <a:schemeClr val="tx1"/>
+                                      </a:solidFill>
+                                      <a:latin typeface="Cambria Math" panose="02040503050406030204" pitchFamily="18" charset="0"/>
+                                    </a:rPr>
+                                  </m:ctrlPr>
+                                </m:sSubPr>
+                                <m:e>
+                                  <m:r>
+                                    <a:rPr lang="en-US" sz="2400" i="1">
+                                      <a:solidFill>
+                                        <a:schemeClr val="tx1"/>
+                                      </a:solidFill>
+                                      <a:latin typeface="Cambria Math" panose="02040503050406030204" pitchFamily="18" charset="0"/>
+                                    </a:rPr>
+                                    <m:t>𝑃</m:t>
+                                  </m:r>
+                                </m:e>
+                                <m:sub>
+                                  <m:r>
+                                    <a:rPr lang="en-US" sz="2400" i="1">
+                                      <a:solidFill>
+                                        <a:schemeClr val="tx1"/>
+                                      </a:solidFill>
+                                      <a:latin typeface="Cambria Math" panose="02040503050406030204" pitchFamily="18" charset="0"/>
+                                    </a:rPr>
+                                    <m:t>𝑒𝑥</m:t>
+                                  </m:r>
+                                </m:sub>
+                              </m:sSub>
+                            </m:oMath>
+                          </m:oMathPara>
+                        </a14:m>
+                        <a:endParaRPr lang="en-US" sz="2400" dirty="0">
+                          <a:solidFill>
+                            <a:schemeClr val="tx1"/>
+                          </a:solidFill>
+                        </a:endParaRPr>
+                      </a:p>
+                    </p:txBody>
+                  </p:sp>
+                </mc:Choice>
+                <mc:Fallback xmlns="">
+                  <p:sp>
+                    <p:nvSpPr>
+                      <p:cNvPr id="18" name="Rectangle 17">
+                        <a:extLst>
+                          <a:ext uri="{FF2B5EF4-FFF2-40B4-BE49-F238E27FC236}">
+                            <a16:creationId xmlns:a16="http://schemas.microsoft.com/office/drawing/2014/main" id="{F8869B43-4746-7843-BE3E-12C7E482B7E9}"/>
+                          </a:ext>
+                        </a:extLst>
+                      </p:cNvPr>
+                      <p:cNvSpPr>
+                        <a:spLocks noRot="1" noChangeAspect="1" noMove="1" noResize="1" noEditPoints="1" noAdjustHandles="1" noChangeArrowheads="1" noChangeShapeType="1" noTextEdit="1"/>
+                      </p:cNvSpPr>
+                      <p:nvPr/>
+                    </p:nvSpPr>
+                    <p:spPr>
+                      <a:xfrm>
+                        <a:off x="4009533" y="3422532"/>
+                        <a:ext cx="468047" cy="327555"/>
+                      </a:xfrm>
+                      <a:prstGeom prst="rect">
+                        <a:avLst/>
+                      </a:prstGeom>
+                      <a:blipFill>
+                        <a:blip r:embed="rId4"/>
+                        <a:stretch>
+                          <a:fillRect l="-3704" r="-59259" b="-48000"/>
+                        </a:stretch>
+                      </a:blipFill>
+                    </p:spPr>
+                    <p:txBody>
+                      <a:bodyPr/>
+                      <a:lstStyle/>
+                      <a:p>
+                        <a:r>
+                          <a:rPr lang="en-US">
+                            <a:noFill/>
+                          </a:rPr>
+                          <a:t> </a:t>
+                        </a:r>
+                      </a:p>
+                    </p:txBody>
+                  </p:sp>
+                </mc:Fallback>
+              </mc:AlternateContent>
+            </p:grpSp>
+            <mc:AlternateContent xmlns:mc="http://schemas.openxmlformats.org/markup-compatibility/2006" xmlns:a14="http://schemas.microsoft.com/office/drawing/2010/main">
+              <mc:Choice Requires="a14">
+                <p:sp>
+                  <p:nvSpPr>
+                    <p:cNvPr id="19" name="Rectangle 18">
+                      <a:extLst>
+                        <a:ext uri="{FF2B5EF4-FFF2-40B4-BE49-F238E27FC236}">
+                          <a16:creationId xmlns:a16="http://schemas.microsoft.com/office/drawing/2014/main" id="{3CBDEE54-5A1F-11D8-C09D-610BD2FA0680}"/>
+                        </a:ext>
+                      </a:extLst>
+                    </p:cNvPr>
+                    <p:cNvSpPr/>
+                    <p:nvPr/>
+                  </p:nvSpPr>
+                  <p:spPr>
+                    <a:xfrm>
+                      <a:off x="3189954" y="4389239"/>
+                      <a:ext cx="617373" cy="878850"/>
+                    </a:xfrm>
+                    <a:prstGeom prst="rect">
+                      <a:avLst/>
+                    </a:prstGeom>
+                  </p:spPr>
+                  <p:txBody>
+                    <a:bodyPr wrap="square">
+                      <a:spAutoFit/>
+                    </a:bodyPr>
+                    <a:lstStyle/>
+                    <a:p>
+                      <a:pPr/>
+                      <a14:m>
+                        <m:oMathPara xmlns:m="http://schemas.openxmlformats.org/officeDocument/2006/math">
+                          <m:oMathParaPr>
+                            <m:jc m:val="centerGroup"/>
+                          </m:oMathParaPr>
+                          <m:oMath xmlns:m="http://schemas.openxmlformats.org/officeDocument/2006/math">
+                            <m:sSub>
+                              <m:sSubPr>
+                                <m:ctrlPr>
+                                  <a:rPr lang="en-US" sz="2400" i="1" smtClean="0">
+                                    <a:solidFill>
+                                      <a:schemeClr val="tx1"/>
+                                    </a:solidFill>
+                                    <a:latin typeface="Cambria Math" panose="02040503050406030204" pitchFamily="18" charset="0"/>
+                                  </a:rPr>
+                                </m:ctrlPr>
+                              </m:sSubPr>
+                              <m:e>
+                                <m:r>
+                                  <a:rPr lang="en-US" sz="2400" i="1">
+                                    <a:solidFill>
+                                      <a:schemeClr val="tx1"/>
+                                    </a:solidFill>
+                                    <a:latin typeface="Cambria Math" panose="02040503050406030204" pitchFamily="18" charset="0"/>
+                                  </a:rPr>
+                                  <m:t>𝑃</m:t>
+                                </m:r>
+                              </m:e>
+                              <m:sub>
+                                <m:r>
+                                  <a:rPr lang="en-US" sz="2400" b="0" i="1" smtClean="0">
+                                    <a:solidFill>
+                                      <a:schemeClr val="tx1"/>
+                                    </a:solidFill>
+                                    <a:latin typeface="Cambria Math" panose="02040503050406030204" pitchFamily="18" charset="0"/>
+                                  </a:rPr>
+                                  <m:t>2</m:t>
+                                </m:r>
+                              </m:sub>
+                            </m:sSub>
+                            <m:r>
+                              <a:rPr lang="en-US" sz="2400" b="0" i="1" smtClean="0">
+                                <a:solidFill>
+                                  <a:schemeClr val="tx1"/>
+                                </a:solidFill>
+                                <a:latin typeface="Cambria Math" panose="02040503050406030204" pitchFamily="18" charset="0"/>
+                              </a:rPr>
+                              <m:t>,</m:t>
+                            </m:r>
+                            <m:sSub>
+                              <m:sSubPr>
+                                <m:ctrlPr>
+                                  <a:rPr lang="en-US" sz="2400" i="1">
+                                    <a:latin typeface="Cambria Math" panose="02040503050406030204" pitchFamily="18" charset="0"/>
+                                  </a:rPr>
+                                </m:ctrlPr>
+                              </m:sSubPr>
+                              <m:e>
+                                <m:r>
+                                  <a:rPr lang="en-US" sz="2400" b="0" i="1" smtClean="0">
+                                    <a:latin typeface="Cambria Math" panose="02040503050406030204" pitchFamily="18" charset="0"/>
+                                  </a:rPr>
+                                  <m:t>𝑉</m:t>
+                                </m:r>
+                              </m:e>
+                              <m:sub>
+                                <m:r>
+                                  <a:rPr lang="en-US" sz="2400" b="0" i="1" smtClean="0">
+                                    <a:latin typeface="Cambria Math" panose="02040503050406030204" pitchFamily="18" charset="0"/>
+                                  </a:rPr>
+                                  <m:t>2</m:t>
+                                </m:r>
+                              </m:sub>
+                            </m:sSub>
+                          </m:oMath>
+                        </m:oMathPara>
+                      </a14:m>
+                      <a:endParaRPr lang="en-US" sz="2400" dirty="0"/>
+                    </a:p>
+                    <a:p>
+                      <a:pPr/>
+                      <a14:m>
+                        <m:oMathPara xmlns:m="http://schemas.openxmlformats.org/officeDocument/2006/math">
+                          <m:oMathParaPr>
+                            <m:jc m:val="centerGroup"/>
+                          </m:oMathParaPr>
+                          <m:oMath xmlns:m="http://schemas.openxmlformats.org/officeDocument/2006/math">
+                            <m:sSub>
+                              <m:sSubPr>
+                                <m:ctrlPr>
+                                  <a:rPr lang="en-US" sz="2400" i="1">
+                                    <a:latin typeface="Cambria Math" panose="02040503050406030204" pitchFamily="18" charset="0"/>
+                                  </a:rPr>
+                                </m:ctrlPr>
+                              </m:sSubPr>
+                              <m:e>
+                                <m:r>
+                                  <a:rPr lang="en-US" sz="2400" i="1">
+                                    <a:latin typeface="Cambria Math" panose="02040503050406030204" pitchFamily="18" charset="0"/>
+                                  </a:rPr>
+                                  <m:t>𝑇</m:t>
+                                </m:r>
+                              </m:e>
+                              <m:sub>
+                                <m:r>
+                                  <a:rPr lang="en-US" sz="2400" b="0" i="1" smtClean="0">
+                                    <a:latin typeface="Cambria Math" panose="02040503050406030204" pitchFamily="18" charset="0"/>
+                                  </a:rPr>
+                                  <m:t>2</m:t>
+                                </m:r>
+                              </m:sub>
+                            </m:sSub>
+                          </m:oMath>
+                        </m:oMathPara>
+                      </a14:m>
+                      <a:endParaRPr lang="en-US" sz="2400" dirty="0">
+                        <a:solidFill>
+                          <a:schemeClr val="tx1"/>
+                        </a:solidFill>
+                      </a:endParaRPr>
+                    </a:p>
+                  </p:txBody>
+                </p:sp>
+              </mc:Choice>
+              <mc:Fallback xmlns="">
+                <p:sp>
+                  <p:nvSpPr>
+                    <p:cNvPr id="16" name="Rectangle 15">
+                      <a:extLst>
+                        <a:ext uri="{FF2B5EF4-FFF2-40B4-BE49-F238E27FC236}">
+                          <a16:creationId xmlns:a16="http://schemas.microsoft.com/office/drawing/2014/main" id="{7EB2F084-5621-C74E-B6D2-FF515D72C88F}"/>
+                        </a:ext>
+                      </a:extLst>
+                    </p:cNvPr>
+                    <p:cNvSpPr>
+                      <a:spLocks noRot="1" noChangeAspect="1" noMove="1" noResize="1" noEditPoints="1" noAdjustHandles="1" noChangeArrowheads="1" noChangeShapeType="1" noTextEdit="1"/>
+                    </p:cNvSpPr>
+                    <p:nvPr/>
+                  </p:nvSpPr>
+                  <p:spPr>
+                    <a:xfrm>
+                      <a:off x="3189954" y="4389239"/>
+                      <a:ext cx="617373" cy="878850"/>
+                    </a:xfrm>
+                    <a:prstGeom prst="rect">
+                      <a:avLst/>
+                    </a:prstGeom>
+                    <a:blipFill>
+                      <a:blip r:embed="rId5"/>
+                      <a:stretch>
+                        <a:fillRect l="-2857" r="-94286"/>
+                      </a:stretch>
+                    </a:blipFill>
+                  </p:spPr>
+                  <p:txBody>
+                    <a:bodyPr/>
+                    <a:lstStyle/>
+                    <a:p>
+                      <a:r>
+                        <a:rPr lang="en-US">
+                          <a:noFill/>
+                        </a:rPr>
+                        <a:t> </a:t>
+                      </a:r>
+                    </a:p>
+                  </p:txBody>
+                </p:sp>
+              </mc:Fallback>
+            </mc:AlternateContent>
+          </p:grpSp>
+        </p:grpSp>
+        <p:sp>
+          <p:nvSpPr>
+            <p:cNvPr id="9" name="Right Arrow 8">
+              <a:extLst>
+                <a:ext uri="{FF2B5EF4-FFF2-40B4-BE49-F238E27FC236}">
+                  <a16:creationId xmlns:a16="http://schemas.microsoft.com/office/drawing/2014/main" id="{3E5BA1A1-9E11-6C8F-3B8C-9726818E9A8C}"/>
+                </a:ext>
+              </a:extLst>
+            </p:cNvPr>
+            <p:cNvSpPr/>
+            <p:nvPr/>
+          </p:nvSpPr>
+          <p:spPr>
+            <a:xfrm>
+              <a:off x="1736228" y="3558196"/>
+              <a:ext cx="612265" cy="377907"/>
+            </a:xfrm>
+            <a:prstGeom prst="rightArrow">
+              <a:avLst>
+                <a:gd name="adj1" fmla="val 39062"/>
+                <a:gd name="adj2" fmla="val 50000"/>
+              </a:avLst>
+            </a:prstGeom>
+          </p:spPr>
+          <p:style>
+            <a:lnRef idx="2">
+              <a:schemeClr val="accent1">
+                <a:shade val="50000"/>
+              </a:schemeClr>
+            </a:lnRef>
+            <a:fillRef idx="1">
+              <a:schemeClr val="accent1"/>
+            </a:fillRef>
+            <a:effectRef idx="0">
+              <a:schemeClr val="accent1"/>
+            </a:effectRef>
+            <a:fontRef idx="minor">
+              <a:schemeClr val="lt1"/>
+            </a:fontRef>
+          </p:style>
+          <p:txBody>
+            <a:bodyPr rtlCol="0" anchor="ctr"/>
+            <a:lstStyle/>
+            <a:p>
+              <a:pPr algn="ctr"/>
+              <a:endParaRPr lang="en-US"/>
+            </a:p>
+          </p:txBody>
+        </p:sp>
+      </p:grpSp>
+      <p:grpSp>
+        <p:nvGrpSpPr>
+          <p:cNvPr id="40" name="Group 39">
+            <a:extLst>
+              <a:ext uri="{FF2B5EF4-FFF2-40B4-BE49-F238E27FC236}">
+                <a16:creationId xmlns:a16="http://schemas.microsoft.com/office/drawing/2014/main" id="{8F6E3BB1-41E1-7CF4-FBE3-70F02CAEDFB6}"/>
+              </a:ext>
+            </a:extLst>
+          </p:cNvPr>
+          <p:cNvGrpSpPr/>
+          <p:nvPr/>
+        </p:nvGrpSpPr>
+        <p:grpSpPr>
+          <a:xfrm>
+            <a:off x="7757416" y="4689460"/>
+            <a:ext cx="462195" cy="1102480"/>
+            <a:chOff x="10980297" y="4254750"/>
+            <a:chExt cx="462195" cy="1102480"/>
+          </a:xfrm>
+        </p:grpSpPr>
+        <p:sp>
+          <p:nvSpPr>
+            <p:cNvPr id="28" name="Oval 27">
+              <a:extLst>
+                <a:ext uri="{FF2B5EF4-FFF2-40B4-BE49-F238E27FC236}">
+                  <a16:creationId xmlns:a16="http://schemas.microsoft.com/office/drawing/2014/main" id="{D5A8BAEB-50C8-B880-422B-633C0211A1FA}"/>
+                </a:ext>
+              </a:extLst>
+            </p:cNvPr>
+            <p:cNvSpPr/>
+            <p:nvPr/>
+          </p:nvSpPr>
+          <p:spPr>
+            <a:xfrm>
+              <a:off x="11062741" y="4254750"/>
+              <a:ext cx="74951" cy="73152"/>
+            </a:xfrm>
+            <a:prstGeom prst="ellipse">
+              <a:avLst/>
+            </a:prstGeom>
+            <a:solidFill>
+              <a:schemeClr val="accent4">
+                <a:lumMod val="75000"/>
+                <a:alpha val="51000"/>
+              </a:schemeClr>
+            </a:solidFill>
+            <a:ln>
+              <a:noFill/>
+            </a:ln>
+          </p:spPr>
+          <p:style>
+            <a:lnRef idx="2">
+              <a:schemeClr val="accent1">
+                <a:shade val="50000"/>
+              </a:schemeClr>
+            </a:lnRef>
+            <a:fillRef idx="1">
+              <a:schemeClr val="accent1"/>
+            </a:fillRef>
+            <a:effectRef idx="0">
+              <a:schemeClr val="accent1"/>
+            </a:effectRef>
+            <a:fontRef idx="minor">
+              <a:schemeClr val="lt1"/>
+            </a:fontRef>
+          </p:style>
+          <p:txBody>
+            <a:bodyPr rtlCol="0" anchor="ctr"/>
+            <a:lstStyle/>
+            <a:p>
+              <a:pPr algn="ctr"/>
+              <a:endParaRPr lang="en-US"/>
+            </a:p>
+          </p:txBody>
+        </p:sp>
+        <p:sp>
+          <p:nvSpPr>
+            <p:cNvPr id="29" name="Oval 28">
+              <a:extLst>
+                <a:ext uri="{FF2B5EF4-FFF2-40B4-BE49-F238E27FC236}">
+                  <a16:creationId xmlns:a16="http://schemas.microsoft.com/office/drawing/2014/main" id="{E4EDE41D-190A-D3F0-9E66-20BF41B80C8F}"/>
+                </a:ext>
+              </a:extLst>
+            </p:cNvPr>
+            <p:cNvSpPr/>
+            <p:nvPr/>
+          </p:nvSpPr>
+          <p:spPr>
+            <a:xfrm>
+              <a:off x="11215141" y="4407150"/>
+              <a:ext cx="74951" cy="73152"/>
+            </a:xfrm>
+            <a:prstGeom prst="ellipse">
+              <a:avLst/>
+            </a:prstGeom>
+            <a:solidFill>
+              <a:schemeClr val="accent4">
+                <a:lumMod val="75000"/>
+                <a:alpha val="51000"/>
+              </a:schemeClr>
+            </a:solidFill>
+            <a:ln>
+              <a:noFill/>
+            </a:ln>
+          </p:spPr>
+          <p:style>
+            <a:lnRef idx="2">
+              <a:schemeClr val="accent1">
+                <a:shade val="50000"/>
+              </a:schemeClr>
+            </a:lnRef>
+            <a:fillRef idx="1">
+              <a:schemeClr val="accent1"/>
+            </a:fillRef>
+            <a:effectRef idx="0">
+              <a:schemeClr val="accent1"/>
+            </a:effectRef>
+            <a:fontRef idx="minor">
+              <a:schemeClr val="lt1"/>
+            </a:fontRef>
+          </p:style>
+          <p:txBody>
+            <a:bodyPr rtlCol="0" anchor="ctr"/>
+            <a:lstStyle/>
+            <a:p>
+              <a:pPr algn="ctr"/>
+              <a:endParaRPr lang="en-US"/>
+            </a:p>
+          </p:txBody>
+        </p:sp>
+        <p:sp>
+          <p:nvSpPr>
+            <p:cNvPr id="30" name="Oval 29">
+              <a:extLst>
+                <a:ext uri="{FF2B5EF4-FFF2-40B4-BE49-F238E27FC236}">
+                  <a16:creationId xmlns:a16="http://schemas.microsoft.com/office/drawing/2014/main" id="{F6C2CBBD-7E08-CF2C-050C-DA145F471091}"/>
+                </a:ext>
+              </a:extLst>
+            </p:cNvPr>
+            <p:cNvSpPr/>
+            <p:nvPr/>
+          </p:nvSpPr>
+          <p:spPr>
+            <a:xfrm>
+              <a:off x="11367541" y="4559550"/>
+              <a:ext cx="74951" cy="73152"/>
+            </a:xfrm>
+            <a:prstGeom prst="ellipse">
+              <a:avLst/>
+            </a:prstGeom>
+            <a:solidFill>
+              <a:schemeClr val="accent4">
+                <a:lumMod val="75000"/>
+                <a:alpha val="51000"/>
+              </a:schemeClr>
+            </a:solidFill>
+            <a:ln>
+              <a:noFill/>
+            </a:ln>
+          </p:spPr>
+          <p:style>
+            <a:lnRef idx="2">
+              <a:schemeClr val="accent1">
+                <a:shade val="50000"/>
+              </a:schemeClr>
+            </a:lnRef>
+            <a:fillRef idx="1">
+              <a:schemeClr val="accent1"/>
+            </a:fillRef>
+            <a:effectRef idx="0">
+              <a:schemeClr val="accent1"/>
+            </a:effectRef>
+            <a:fontRef idx="minor">
+              <a:schemeClr val="lt1"/>
+            </a:fontRef>
+          </p:style>
+          <p:txBody>
+            <a:bodyPr rtlCol="0" anchor="ctr"/>
+            <a:lstStyle/>
+            <a:p>
+              <a:pPr algn="ctr"/>
+              <a:endParaRPr lang="en-US"/>
+            </a:p>
+          </p:txBody>
+        </p:sp>
+        <p:sp>
+          <p:nvSpPr>
+            <p:cNvPr id="31" name="Oval 30">
+              <a:extLst>
+                <a:ext uri="{FF2B5EF4-FFF2-40B4-BE49-F238E27FC236}">
+                  <a16:creationId xmlns:a16="http://schemas.microsoft.com/office/drawing/2014/main" id="{29B40BB5-C6EA-4170-8E7D-B1C863D74712}"/>
+                </a:ext>
+              </a:extLst>
+            </p:cNvPr>
+            <p:cNvSpPr/>
+            <p:nvPr/>
+          </p:nvSpPr>
+          <p:spPr>
+            <a:xfrm>
+              <a:off x="10980297" y="4711950"/>
+              <a:ext cx="74951" cy="73152"/>
+            </a:xfrm>
+            <a:prstGeom prst="ellipse">
+              <a:avLst/>
+            </a:prstGeom>
+            <a:solidFill>
+              <a:schemeClr val="accent4">
+                <a:lumMod val="75000"/>
+                <a:alpha val="51000"/>
+              </a:schemeClr>
+            </a:solidFill>
+            <a:ln>
+              <a:noFill/>
+            </a:ln>
+          </p:spPr>
+          <p:style>
+            <a:lnRef idx="2">
+              <a:schemeClr val="accent1">
+                <a:shade val="50000"/>
+              </a:schemeClr>
+            </a:lnRef>
+            <a:fillRef idx="1">
+              <a:schemeClr val="accent1"/>
+            </a:fillRef>
+            <a:effectRef idx="0">
+              <a:schemeClr val="accent1"/>
+            </a:effectRef>
+            <a:fontRef idx="minor">
+              <a:schemeClr val="lt1"/>
+            </a:fontRef>
+          </p:style>
+          <p:txBody>
+            <a:bodyPr rtlCol="0" anchor="ctr"/>
+            <a:lstStyle/>
+            <a:p>
+              <a:pPr algn="ctr"/>
+              <a:endParaRPr lang="en-US"/>
+            </a:p>
+          </p:txBody>
+        </p:sp>
+        <p:sp>
+          <p:nvSpPr>
+            <p:cNvPr id="32" name="Oval 31">
+              <a:extLst>
+                <a:ext uri="{FF2B5EF4-FFF2-40B4-BE49-F238E27FC236}">
+                  <a16:creationId xmlns:a16="http://schemas.microsoft.com/office/drawing/2014/main" id="{67D0A120-6A0E-A130-B36D-82C03EBCA524}"/>
+                </a:ext>
+              </a:extLst>
+            </p:cNvPr>
+            <p:cNvSpPr/>
+            <p:nvPr/>
+          </p:nvSpPr>
+          <p:spPr>
+            <a:xfrm>
+              <a:off x="11132697" y="4579540"/>
+              <a:ext cx="74951" cy="73152"/>
+            </a:xfrm>
+            <a:prstGeom prst="ellipse">
+              <a:avLst/>
+            </a:prstGeom>
+            <a:solidFill>
+              <a:schemeClr val="accent4">
+                <a:lumMod val="75000"/>
+                <a:alpha val="51000"/>
+              </a:schemeClr>
+            </a:solidFill>
+            <a:ln>
+              <a:noFill/>
+            </a:ln>
+          </p:spPr>
+          <p:style>
+            <a:lnRef idx="2">
+              <a:schemeClr val="accent1">
+                <a:shade val="50000"/>
+              </a:schemeClr>
+            </a:lnRef>
+            <a:fillRef idx="1">
+              <a:schemeClr val="accent1"/>
+            </a:fillRef>
+            <a:effectRef idx="0">
+              <a:schemeClr val="accent1"/>
+            </a:effectRef>
+            <a:fontRef idx="minor">
+              <a:schemeClr val="lt1"/>
+            </a:fontRef>
+          </p:style>
+          <p:txBody>
+            <a:bodyPr rtlCol="0" anchor="ctr"/>
+            <a:lstStyle/>
+            <a:p>
+              <a:pPr algn="ctr"/>
+              <a:endParaRPr lang="en-US"/>
+            </a:p>
+          </p:txBody>
+        </p:sp>
+        <p:sp>
+          <p:nvSpPr>
+            <p:cNvPr id="33" name="Oval 32">
+              <a:extLst>
+                <a:ext uri="{FF2B5EF4-FFF2-40B4-BE49-F238E27FC236}">
+                  <a16:creationId xmlns:a16="http://schemas.microsoft.com/office/drawing/2014/main" id="{B8A9441A-1D87-9D81-FDAE-B88AC248BC12}"/>
+                </a:ext>
+              </a:extLst>
+            </p:cNvPr>
+            <p:cNvSpPr/>
+            <p:nvPr/>
+          </p:nvSpPr>
+          <p:spPr>
+            <a:xfrm>
+              <a:off x="11285097" y="4267247"/>
+              <a:ext cx="74951" cy="73152"/>
+            </a:xfrm>
+            <a:prstGeom prst="ellipse">
+              <a:avLst/>
+            </a:prstGeom>
+            <a:solidFill>
+              <a:schemeClr val="accent4">
+                <a:lumMod val="75000"/>
+                <a:alpha val="51000"/>
+              </a:schemeClr>
+            </a:solidFill>
+            <a:ln>
+              <a:noFill/>
+            </a:ln>
+          </p:spPr>
+          <p:style>
+            <a:lnRef idx="2">
+              <a:schemeClr val="accent1">
+                <a:shade val="50000"/>
+              </a:schemeClr>
+            </a:lnRef>
+            <a:fillRef idx="1">
+              <a:schemeClr val="accent1"/>
+            </a:fillRef>
+            <a:effectRef idx="0">
+              <a:schemeClr val="accent1"/>
+            </a:effectRef>
+            <a:fontRef idx="minor">
+              <a:schemeClr val="lt1"/>
+            </a:fontRef>
+          </p:style>
+          <p:txBody>
+            <a:bodyPr rtlCol="0" anchor="ctr"/>
+            <a:lstStyle/>
+            <a:p>
+              <a:pPr algn="ctr"/>
+              <a:endParaRPr lang="en-US"/>
+            </a:p>
+          </p:txBody>
+        </p:sp>
+        <p:sp>
+          <p:nvSpPr>
+            <p:cNvPr id="34" name="Oval 33">
+              <a:extLst>
+                <a:ext uri="{FF2B5EF4-FFF2-40B4-BE49-F238E27FC236}">
+                  <a16:creationId xmlns:a16="http://schemas.microsoft.com/office/drawing/2014/main" id="{2BE266A3-0344-CBDC-F240-775D5C91ABCA}"/>
+                </a:ext>
+              </a:extLst>
+            </p:cNvPr>
+            <p:cNvSpPr/>
+            <p:nvPr/>
+          </p:nvSpPr>
+          <p:spPr>
+            <a:xfrm>
+              <a:off x="11062746" y="4419647"/>
+              <a:ext cx="74951" cy="73152"/>
+            </a:xfrm>
+            <a:prstGeom prst="ellipse">
+              <a:avLst/>
+            </a:prstGeom>
+            <a:solidFill>
+              <a:schemeClr val="accent4">
+                <a:lumMod val="75000"/>
+                <a:alpha val="51000"/>
+              </a:schemeClr>
+            </a:solidFill>
+            <a:ln>
+              <a:noFill/>
+            </a:ln>
+          </p:spPr>
+          <p:style>
+            <a:lnRef idx="2">
+              <a:schemeClr val="accent1">
+                <a:shade val="50000"/>
+              </a:schemeClr>
+            </a:lnRef>
+            <a:fillRef idx="1">
+              <a:schemeClr val="accent1"/>
+            </a:fillRef>
+            <a:effectRef idx="0">
+              <a:schemeClr val="accent1"/>
+            </a:effectRef>
+            <a:fontRef idx="minor">
+              <a:schemeClr val="lt1"/>
+            </a:fontRef>
+          </p:style>
+          <p:txBody>
+            <a:bodyPr rtlCol="0" anchor="ctr"/>
+            <a:lstStyle/>
+            <a:p>
+              <a:pPr algn="ctr"/>
+              <a:endParaRPr lang="en-US"/>
+            </a:p>
+          </p:txBody>
+        </p:sp>
+        <p:sp>
+          <p:nvSpPr>
+            <p:cNvPr id="35" name="Oval 34">
+              <a:extLst>
+                <a:ext uri="{FF2B5EF4-FFF2-40B4-BE49-F238E27FC236}">
+                  <a16:creationId xmlns:a16="http://schemas.microsoft.com/office/drawing/2014/main" id="{2CE44A54-494C-EF17-2D8E-7D105305698E}"/>
+                </a:ext>
+              </a:extLst>
+            </p:cNvPr>
+            <p:cNvSpPr/>
+            <p:nvPr/>
+          </p:nvSpPr>
+          <p:spPr>
+            <a:xfrm>
+              <a:off x="11215146" y="4856857"/>
+              <a:ext cx="74951" cy="73152"/>
+            </a:xfrm>
+            <a:prstGeom prst="ellipse">
+              <a:avLst/>
+            </a:prstGeom>
+            <a:solidFill>
+              <a:schemeClr val="accent4">
+                <a:lumMod val="75000"/>
+                <a:alpha val="51000"/>
+              </a:schemeClr>
+            </a:solidFill>
+            <a:ln>
+              <a:noFill/>
+            </a:ln>
+          </p:spPr>
+          <p:style>
+            <a:lnRef idx="2">
+              <a:schemeClr val="accent1">
+                <a:shade val="50000"/>
+              </a:schemeClr>
+            </a:lnRef>
+            <a:fillRef idx="1">
+              <a:schemeClr val="accent1"/>
+            </a:fillRef>
+            <a:effectRef idx="0">
+              <a:schemeClr val="accent1"/>
+            </a:effectRef>
+            <a:fontRef idx="minor">
+              <a:schemeClr val="lt1"/>
+            </a:fontRef>
+          </p:style>
+          <p:txBody>
+            <a:bodyPr rtlCol="0" anchor="ctr"/>
+            <a:lstStyle/>
+            <a:p>
+              <a:pPr algn="ctr"/>
+              <a:endParaRPr lang="en-US"/>
+            </a:p>
+          </p:txBody>
+        </p:sp>
+        <p:sp>
+          <p:nvSpPr>
+            <p:cNvPr id="36" name="Oval 35">
+              <a:extLst>
+                <a:ext uri="{FF2B5EF4-FFF2-40B4-BE49-F238E27FC236}">
+                  <a16:creationId xmlns:a16="http://schemas.microsoft.com/office/drawing/2014/main" id="{01E11066-A38D-CF2A-0B54-7DD9EE38BF91}"/>
+                </a:ext>
+              </a:extLst>
+            </p:cNvPr>
+            <p:cNvSpPr/>
+            <p:nvPr/>
+          </p:nvSpPr>
+          <p:spPr>
+            <a:xfrm>
+              <a:off x="11125206" y="4991768"/>
+              <a:ext cx="74951" cy="73152"/>
+            </a:xfrm>
+            <a:prstGeom prst="ellipse">
+              <a:avLst/>
+            </a:prstGeom>
+            <a:solidFill>
+              <a:schemeClr val="accent4">
+                <a:lumMod val="75000"/>
+                <a:alpha val="51000"/>
+              </a:schemeClr>
+            </a:solidFill>
+            <a:ln>
+              <a:noFill/>
+            </a:ln>
+          </p:spPr>
+          <p:style>
+            <a:lnRef idx="2">
+              <a:schemeClr val="accent1">
+                <a:shade val="50000"/>
+              </a:schemeClr>
+            </a:lnRef>
+            <a:fillRef idx="1">
+              <a:schemeClr val="accent1"/>
+            </a:fillRef>
+            <a:effectRef idx="0">
+              <a:schemeClr val="accent1"/>
+            </a:effectRef>
+            <a:fontRef idx="minor">
+              <a:schemeClr val="lt1"/>
+            </a:fontRef>
+          </p:style>
+          <p:txBody>
+            <a:bodyPr rtlCol="0" anchor="ctr"/>
+            <a:lstStyle/>
+            <a:p>
+              <a:pPr algn="ctr"/>
+              <a:endParaRPr lang="en-US"/>
+            </a:p>
+          </p:txBody>
+        </p:sp>
+        <p:sp>
+          <p:nvSpPr>
+            <p:cNvPr id="37" name="Oval 36">
+              <a:extLst>
+                <a:ext uri="{FF2B5EF4-FFF2-40B4-BE49-F238E27FC236}">
+                  <a16:creationId xmlns:a16="http://schemas.microsoft.com/office/drawing/2014/main" id="{CAD29C0C-492D-90D5-436E-6D440545958E}"/>
+                </a:ext>
+              </a:extLst>
+            </p:cNvPr>
+            <p:cNvSpPr/>
+            <p:nvPr/>
+          </p:nvSpPr>
+          <p:spPr>
+            <a:xfrm>
+              <a:off x="11337566" y="5144168"/>
+              <a:ext cx="74951" cy="73152"/>
+            </a:xfrm>
+            <a:prstGeom prst="ellipse">
+              <a:avLst/>
+            </a:prstGeom>
+            <a:solidFill>
+              <a:schemeClr val="accent4">
+                <a:lumMod val="75000"/>
+                <a:alpha val="51000"/>
+              </a:schemeClr>
+            </a:solidFill>
+            <a:ln>
+              <a:noFill/>
+            </a:ln>
+          </p:spPr>
+          <p:style>
+            <a:lnRef idx="2">
+              <a:schemeClr val="accent1">
+                <a:shade val="50000"/>
+              </a:schemeClr>
+            </a:lnRef>
+            <a:fillRef idx="1">
+              <a:schemeClr val="accent1"/>
+            </a:fillRef>
+            <a:effectRef idx="0">
+              <a:schemeClr val="accent1"/>
+            </a:effectRef>
+            <a:fontRef idx="minor">
+              <a:schemeClr val="lt1"/>
+            </a:fontRef>
+          </p:style>
+          <p:txBody>
+            <a:bodyPr rtlCol="0" anchor="ctr"/>
+            <a:lstStyle/>
+            <a:p>
+              <a:pPr algn="ctr"/>
+              <a:endParaRPr lang="en-US"/>
+            </a:p>
+          </p:txBody>
+        </p:sp>
+        <p:sp>
+          <p:nvSpPr>
+            <p:cNvPr id="38" name="Oval 37">
+              <a:extLst>
+                <a:ext uri="{FF2B5EF4-FFF2-40B4-BE49-F238E27FC236}">
+                  <a16:creationId xmlns:a16="http://schemas.microsoft.com/office/drawing/2014/main" id="{FB2DD337-03D7-A8E0-5359-AD5424F26DE1}"/>
+                </a:ext>
+              </a:extLst>
+            </p:cNvPr>
+            <p:cNvSpPr/>
+            <p:nvPr/>
+          </p:nvSpPr>
+          <p:spPr>
+            <a:xfrm>
+              <a:off x="11010283" y="5236608"/>
+              <a:ext cx="74951" cy="73152"/>
+            </a:xfrm>
+            <a:prstGeom prst="ellipse">
+              <a:avLst/>
+            </a:prstGeom>
+            <a:solidFill>
+              <a:schemeClr val="accent4">
+                <a:lumMod val="75000"/>
+                <a:alpha val="51000"/>
+              </a:schemeClr>
+            </a:solidFill>
+            <a:ln>
+              <a:noFill/>
+            </a:ln>
+          </p:spPr>
+          <p:style>
+            <a:lnRef idx="2">
+              <a:schemeClr val="accent1">
+                <a:shade val="50000"/>
+              </a:schemeClr>
+            </a:lnRef>
+            <a:fillRef idx="1">
+              <a:schemeClr val="accent1"/>
+            </a:fillRef>
+            <a:effectRef idx="0">
+              <a:schemeClr val="accent1"/>
+            </a:effectRef>
+            <a:fontRef idx="minor">
+              <a:schemeClr val="lt1"/>
+            </a:fontRef>
+          </p:style>
+          <p:txBody>
+            <a:bodyPr rtlCol="0" anchor="ctr"/>
+            <a:lstStyle/>
+            <a:p>
+              <a:pPr algn="ctr"/>
+              <a:endParaRPr lang="en-US"/>
+            </a:p>
+          </p:txBody>
+        </p:sp>
+        <p:sp>
+          <p:nvSpPr>
+            <p:cNvPr id="39" name="Oval 38">
+              <a:extLst>
+                <a:ext uri="{FF2B5EF4-FFF2-40B4-BE49-F238E27FC236}">
+                  <a16:creationId xmlns:a16="http://schemas.microsoft.com/office/drawing/2014/main" id="{212EEF2C-B41C-49CF-75C0-12C143CA9BF3}"/>
+                </a:ext>
+              </a:extLst>
+            </p:cNvPr>
+            <p:cNvSpPr/>
+            <p:nvPr/>
+          </p:nvSpPr>
+          <p:spPr>
+            <a:xfrm>
+              <a:off x="11207653" y="5284078"/>
+              <a:ext cx="74951" cy="73152"/>
+            </a:xfrm>
+            <a:prstGeom prst="ellipse">
+              <a:avLst/>
+            </a:prstGeom>
+            <a:solidFill>
+              <a:schemeClr val="accent4">
+                <a:lumMod val="75000"/>
+                <a:alpha val="51000"/>
+              </a:schemeClr>
+            </a:solidFill>
+            <a:ln>
+              <a:noFill/>
+            </a:ln>
+          </p:spPr>
+          <p:style>
+            <a:lnRef idx="2">
+              <a:schemeClr val="accent1">
+                <a:shade val="50000"/>
+              </a:schemeClr>
+            </a:lnRef>
+            <a:fillRef idx="1">
+              <a:schemeClr val="accent1"/>
+            </a:fillRef>
+            <a:effectRef idx="0">
+              <a:schemeClr val="accent1"/>
+            </a:effectRef>
+            <a:fontRef idx="minor">
+              <a:schemeClr val="lt1"/>
+            </a:fontRef>
+          </p:style>
+          <p:txBody>
+            <a:bodyPr rtlCol="0" anchor="ctr"/>
+            <a:lstStyle/>
+            <a:p>
+              <a:pPr algn="ctr"/>
+              <a:endParaRPr lang="en-US"/>
+            </a:p>
+          </p:txBody>
+        </p:sp>
+      </p:grpSp>
+      <p:grpSp>
+        <p:nvGrpSpPr>
+          <p:cNvPr id="41" name="Group 40">
+            <a:extLst>
+              <a:ext uri="{FF2B5EF4-FFF2-40B4-BE49-F238E27FC236}">
+                <a16:creationId xmlns:a16="http://schemas.microsoft.com/office/drawing/2014/main" id="{A430D069-6F2F-6552-4129-BDD51AF96E55}"/>
+              </a:ext>
+            </a:extLst>
+          </p:cNvPr>
+          <p:cNvGrpSpPr/>
+          <p:nvPr/>
+        </p:nvGrpSpPr>
+        <p:grpSpPr>
+          <a:xfrm>
+            <a:off x="9491835" y="4031314"/>
+            <a:ext cx="462195" cy="1709576"/>
+            <a:chOff x="10980297" y="4254750"/>
+            <a:chExt cx="462195" cy="1709576"/>
+          </a:xfrm>
+        </p:grpSpPr>
+        <p:sp>
+          <p:nvSpPr>
+            <p:cNvPr id="42" name="Oval 41">
+              <a:extLst>
+                <a:ext uri="{FF2B5EF4-FFF2-40B4-BE49-F238E27FC236}">
+                  <a16:creationId xmlns:a16="http://schemas.microsoft.com/office/drawing/2014/main" id="{C03F16C2-1EF0-006D-CFE4-5251A047CC7F}"/>
+                </a:ext>
+              </a:extLst>
+            </p:cNvPr>
+            <p:cNvSpPr/>
+            <p:nvPr/>
+          </p:nvSpPr>
+          <p:spPr>
+            <a:xfrm>
+              <a:off x="11062741" y="4254750"/>
+              <a:ext cx="74951" cy="73152"/>
+            </a:xfrm>
+            <a:prstGeom prst="ellipse">
+              <a:avLst/>
+            </a:prstGeom>
+            <a:solidFill>
+              <a:schemeClr val="accent4">
+                <a:lumMod val="75000"/>
+                <a:alpha val="51000"/>
+              </a:schemeClr>
+            </a:solidFill>
+            <a:ln>
+              <a:noFill/>
+            </a:ln>
+          </p:spPr>
+          <p:style>
+            <a:lnRef idx="2">
+              <a:schemeClr val="accent1">
+                <a:shade val="50000"/>
+              </a:schemeClr>
+            </a:lnRef>
+            <a:fillRef idx="1">
+              <a:schemeClr val="accent1"/>
+            </a:fillRef>
+            <a:effectRef idx="0">
+              <a:schemeClr val="accent1"/>
+            </a:effectRef>
+            <a:fontRef idx="minor">
+              <a:schemeClr val="lt1"/>
+            </a:fontRef>
+          </p:style>
+          <p:txBody>
+            <a:bodyPr rtlCol="0" anchor="ctr"/>
+            <a:lstStyle/>
+            <a:p>
+              <a:pPr algn="ctr"/>
+              <a:endParaRPr lang="en-US"/>
+            </a:p>
+          </p:txBody>
+        </p:sp>
+        <p:sp>
+          <p:nvSpPr>
+            <p:cNvPr id="43" name="Oval 42">
+              <a:extLst>
+                <a:ext uri="{FF2B5EF4-FFF2-40B4-BE49-F238E27FC236}">
+                  <a16:creationId xmlns:a16="http://schemas.microsoft.com/office/drawing/2014/main" id="{A069CE02-B7CA-78BD-50D3-F4D3303AAC8C}"/>
+                </a:ext>
+              </a:extLst>
+            </p:cNvPr>
+            <p:cNvSpPr/>
+            <p:nvPr/>
+          </p:nvSpPr>
+          <p:spPr>
+            <a:xfrm>
+              <a:off x="11215141" y="5891174"/>
+              <a:ext cx="74951" cy="73152"/>
+            </a:xfrm>
+            <a:prstGeom prst="ellipse">
+              <a:avLst/>
+            </a:prstGeom>
+            <a:solidFill>
+              <a:schemeClr val="accent4">
+                <a:lumMod val="75000"/>
+                <a:alpha val="51000"/>
+              </a:schemeClr>
+            </a:solidFill>
+            <a:ln>
+              <a:noFill/>
+            </a:ln>
+          </p:spPr>
+          <p:style>
+            <a:lnRef idx="2">
+              <a:schemeClr val="accent1">
+                <a:shade val="50000"/>
+              </a:schemeClr>
+            </a:lnRef>
+            <a:fillRef idx="1">
+              <a:schemeClr val="accent1"/>
+            </a:fillRef>
+            <a:effectRef idx="0">
+              <a:schemeClr val="accent1"/>
+            </a:effectRef>
+            <a:fontRef idx="minor">
+              <a:schemeClr val="lt1"/>
+            </a:fontRef>
+          </p:style>
+          <p:txBody>
+            <a:bodyPr rtlCol="0" anchor="ctr"/>
+            <a:lstStyle/>
+            <a:p>
+              <a:pPr algn="ctr"/>
+              <a:endParaRPr lang="en-US"/>
+            </a:p>
+          </p:txBody>
+        </p:sp>
+        <p:sp>
+          <p:nvSpPr>
+            <p:cNvPr id="44" name="Oval 43">
+              <a:extLst>
+                <a:ext uri="{FF2B5EF4-FFF2-40B4-BE49-F238E27FC236}">
+                  <a16:creationId xmlns:a16="http://schemas.microsoft.com/office/drawing/2014/main" id="{BC3DB40F-4985-1CB8-8316-D73BF151E101}"/>
+                </a:ext>
+              </a:extLst>
+            </p:cNvPr>
+            <p:cNvSpPr/>
+            <p:nvPr/>
+          </p:nvSpPr>
+          <p:spPr>
+            <a:xfrm>
+              <a:off x="11367541" y="4559550"/>
+              <a:ext cx="74951" cy="73152"/>
+            </a:xfrm>
+            <a:prstGeom prst="ellipse">
+              <a:avLst/>
+            </a:prstGeom>
+            <a:solidFill>
+              <a:schemeClr val="accent4">
+                <a:lumMod val="75000"/>
+                <a:alpha val="51000"/>
+              </a:schemeClr>
+            </a:solidFill>
+            <a:ln>
+              <a:noFill/>
+            </a:ln>
+          </p:spPr>
+          <p:style>
+            <a:lnRef idx="2">
+              <a:schemeClr val="accent1">
+                <a:shade val="50000"/>
+              </a:schemeClr>
+            </a:lnRef>
+            <a:fillRef idx="1">
+              <a:schemeClr val="accent1"/>
+            </a:fillRef>
+            <a:effectRef idx="0">
+              <a:schemeClr val="accent1"/>
+            </a:effectRef>
+            <a:fontRef idx="minor">
+              <a:schemeClr val="lt1"/>
+            </a:fontRef>
+          </p:style>
+          <p:txBody>
+            <a:bodyPr rtlCol="0" anchor="ctr"/>
+            <a:lstStyle/>
+            <a:p>
+              <a:pPr algn="ctr"/>
+              <a:endParaRPr lang="en-US"/>
+            </a:p>
+          </p:txBody>
+        </p:sp>
+        <p:sp>
+          <p:nvSpPr>
+            <p:cNvPr id="45" name="Oval 44">
+              <a:extLst>
+                <a:ext uri="{FF2B5EF4-FFF2-40B4-BE49-F238E27FC236}">
+                  <a16:creationId xmlns:a16="http://schemas.microsoft.com/office/drawing/2014/main" id="{482BE658-2EAE-2DD5-0706-717D3B9DE197}"/>
+                </a:ext>
+              </a:extLst>
+            </p:cNvPr>
+            <p:cNvSpPr/>
+            <p:nvPr/>
+          </p:nvSpPr>
+          <p:spPr>
+            <a:xfrm>
+              <a:off x="10980297" y="4711950"/>
+              <a:ext cx="74951" cy="73152"/>
+            </a:xfrm>
+            <a:prstGeom prst="ellipse">
+              <a:avLst/>
+            </a:prstGeom>
+            <a:solidFill>
+              <a:schemeClr val="accent4">
+                <a:lumMod val="75000"/>
+                <a:alpha val="51000"/>
+              </a:schemeClr>
+            </a:solidFill>
+            <a:ln>
+              <a:noFill/>
+            </a:ln>
+          </p:spPr>
+          <p:style>
+            <a:lnRef idx="2">
+              <a:schemeClr val="accent1">
+                <a:shade val="50000"/>
+              </a:schemeClr>
+            </a:lnRef>
+            <a:fillRef idx="1">
+              <a:schemeClr val="accent1"/>
+            </a:fillRef>
+            <a:effectRef idx="0">
+              <a:schemeClr val="accent1"/>
+            </a:effectRef>
+            <a:fontRef idx="minor">
+              <a:schemeClr val="lt1"/>
+            </a:fontRef>
+          </p:style>
+          <p:txBody>
+            <a:bodyPr rtlCol="0" anchor="ctr"/>
+            <a:lstStyle/>
+            <a:p>
+              <a:pPr algn="ctr"/>
+              <a:endParaRPr lang="en-US"/>
+            </a:p>
+          </p:txBody>
+        </p:sp>
+        <p:sp>
+          <p:nvSpPr>
+            <p:cNvPr id="46" name="Oval 45">
+              <a:extLst>
+                <a:ext uri="{FF2B5EF4-FFF2-40B4-BE49-F238E27FC236}">
+                  <a16:creationId xmlns:a16="http://schemas.microsoft.com/office/drawing/2014/main" id="{A20F21AE-DC67-9E59-A664-3B84A7AEE803}"/>
+                </a:ext>
+              </a:extLst>
+            </p:cNvPr>
+            <p:cNvSpPr/>
+            <p:nvPr/>
+          </p:nvSpPr>
+          <p:spPr>
+            <a:xfrm>
+              <a:off x="11132697" y="4579540"/>
+              <a:ext cx="74951" cy="73152"/>
+            </a:xfrm>
+            <a:prstGeom prst="ellipse">
+              <a:avLst/>
+            </a:prstGeom>
+            <a:solidFill>
+              <a:schemeClr val="accent4">
+                <a:lumMod val="75000"/>
+                <a:alpha val="51000"/>
+              </a:schemeClr>
+            </a:solidFill>
+            <a:ln>
+              <a:noFill/>
+            </a:ln>
+          </p:spPr>
+          <p:style>
+            <a:lnRef idx="2">
+              <a:schemeClr val="accent1">
+                <a:shade val="50000"/>
+              </a:schemeClr>
+            </a:lnRef>
+            <a:fillRef idx="1">
+              <a:schemeClr val="accent1"/>
+            </a:fillRef>
+            <a:effectRef idx="0">
+              <a:schemeClr val="accent1"/>
+            </a:effectRef>
+            <a:fontRef idx="minor">
+              <a:schemeClr val="lt1"/>
+            </a:fontRef>
+          </p:style>
+          <p:txBody>
+            <a:bodyPr rtlCol="0" anchor="ctr"/>
+            <a:lstStyle/>
+            <a:p>
+              <a:pPr algn="ctr"/>
+              <a:endParaRPr lang="en-US"/>
+            </a:p>
+          </p:txBody>
+        </p:sp>
+        <p:sp>
+          <p:nvSpPr>
+            <p:cNvPr id="47" name="Oval 46">
+              <a:extLst>
+                <a:ext uri="{FF2B5EF4-FFF2-40B4-BE49-F238E27FC236}">
+                  <a16:creationId xmlns:a16="http://schemas.microsoft.com/office/drawing/2014/main" id="{AC3EF10C-67E8-1D6E-25C2-B5FD1B92B8E9}"/>
+                </a:ext>
+              </a:extLst>
+            </p:cNvPr>
+            <p:cNvSpPr/>
+            <p:nvPr/>
+          </p:nvSpPr>
+          <p:spPr>
+            <a:xfrm>
+              <a:off x="11285097" y="4267247"/>
+              <a:ext cx="74951" cy="73152"/>
+            </a:xfrm>
+            <a:prstGeom prst="ellipse">
+              <a:avLst/>
+            </a:prstGeom>
+            <a:solidFill>
+              <a:schemeClr val="accent4">
+                <a:lumMod val="75000"/>
+                <a:alpha val="51000"/>
+              </a:schemeClr>
+            </a:solidFill>
+            <a:ln>
+              <a:noFill/>
+            </a:ln>
+          </p:spPr>
+          <p:style>
+            <a:lnRef idx="2">
+              <a:schemeClr val="accent1">
+                <a:shade val="50000"/>
+              </a:schemeClr>
+            </a:lnRef>
+            <a:fillRef idx="1">
+              <a:schemeClr val="accent1"/>
+            </a:fillRef>
+            <a:effectRef idx="0">
+              <a:schemeClr val="accent1"/>
+            </a:effectRef>
+            <a:fontRef idx="minor">
+              <a:schemeClr val="lt1"/>
+            </a:fontRef>
+          </p:style>
+          <p:txBody>
+            <a:bodyPr rtlCol="0" anchor="ctr"/>
+            <a:lstStyle/>
+            <a:p>
+              <a:pPr algn="ctr"/>
+              <a:endParaRPr lang="en-US"/>
+            </a:p>
+          </p:txBody>
+        </p:sp>
+        <p:sp>
+          <p:nvSpPr>
+            <p:cNvPr id="48" name="Oval 47">
+              <a:extLst>
+                <a:ext uri="{FF2B5EF4-FFF2-40B4-BE49-F238E27FC236}">
+                  <a16:creationId xmlns:a16="http://schemas.microsoft.com/office/drawing/2014/main" id="{0D3F3D5B-7257-0AA2-9654-ACADCF558951}"/>
+                </a:ext>
+              </a:extLst>
+            </p:cNvPr>
+            <p:cNvSpPr/>
+            <p:nvPr/>
+          </p:nvSpPr>
+          <p:spPr>
+            <a:xfrm>
+              <a:off x="10987796" y="5693809"/>
+              <a:ext cx="74951" cy="73152"/>
+            </a:xfrm>
+            <a:prstGeom prst="ellipse">
+              <a:avLst/>
+            </a:prstGeom>
+            <a:solidFill>
+              <a:schemeClr val="accent4">
+                <a:lumMod val="75000"/>
+                <a:alpha val="51000"/>
+              </a:schemeClr>
+            </a:solidFill>
+            <a:ln>
+              <a:noFill/>
+            </a:ln>
+          </p:spPr>
+          <p:style>
+            <a:lnRef idx="2">
+              <a:schemeClr val="accent1">
+                <a:shade val="50000"/>
+              </a:schemeClr>
+            </a:lnRef>
+            <a:fillRef idx="1">
+              <a:schemeClr val="accent1"/>
+            </a:fillRef>
+            <a:effectRef idx="0">
+              <a:schemeClr val="accent1"/>
+            </a:effectRef>
+            <a:fontRef idx="minor">
+              <a:schemeClr val="lt1"/>
+            </a:fontRef>
+          </p:style>
+          <p:txBody>
+            <a:bodyPr rtlCol="0" anchor="ctr"/>
+            <a:lstStyle/>
+            <a:p>
+              <a:pPr algn="ctr"/>
+              <a:endParaRPr lang="en-US"/>
+            </a:p>
+          </p:txBody>
+        </p:sp>
+        <p:sp>
+          <p:nvSpPr>
+            <p:cNvPr id="49" name="Oval 48">
+              <a:extLst>
+                <a:ext uri="{FF2B5EF4-FFF2-40B4-BE49-F238E27FC236}">
+                  <a16:creationId xmlns:a16="http://schemas.microsoft.com/office/drawing/2014/main" id="{383C57B5-11ED-B792-482C-5A35F2B9EE82}"/>
+                </a:ext>
+              </a:extLst>
+            </p:cNvPr>
+            <p:cNvSpPr/>
+            <p:nvPr/>
+          </p:nvSpPr>
+          <p:spPr>
+            <a:xfrm>
+              <a:off x="11215146" y="4856857"/>
+              <a:ext cx="74951" cy="73152"/>
+            </a:xfrm>
+            <a:prstGeom prst="ellipse">
+              <a:avLst/>
+            </a:prstGeom>
+            <a:solidFill>
+              <a:schemeClr val="accent4">
+                <a:lumMod val="75000"/>
+                <a:alpha val="51000"/>
+              </a:schemeClr>
+            </a:solidFill>
+            <a:ln>
+              <a:noFill/>
+            </a:ln>
+          </p:spPr>
+          <p:style>
+            <a:lnRef idx="2">
+              <a:schemeClr val="accent1">
+                <a:shade val="50000"/>
+              </a:schemeClr>
+            </a:lnRef>
+            <a:fillRef idx="1">
+              <a:schemeClr val="accent1"/>
+            </a:fillRef>
+            <a:effectRef idx="0">
+              <a:schemeClr val="accent1"/>
+            </a:effectRef>
+            <a:fontRef idx="minor">
+              <a:schemeClr val="lt1"/>
+            </a:fontRef>
+          </p:style>
+          <p:txBody>
+            <a:bodyPr rtlCol="0" anchor="ctr"/>
+            <a:lstStyle/>
+            <a:p>
+              <a:pPr algn="ctr"/>
+              <a:endParaRPr lang="en-US"/>
+            </a:p>
+          </p:txBody>
+        </p:sp>
+        <p:sp>
+          <p:nvSpPr>
+            <p:cNvPr id="50" name="Oval 49">
+              <a:extLst>
+                <a:ext uri="{FF2B5EF4-FFF2-40B4-BE49-F238E27FC236}">
+                  <a16:creationId xmlns:a16="http://schemas.microsoft.com/office/drawing/2014/main" id="{3BCFC3F5-F971-EC52-7C89-0484A6BE4CB1}"/>
+                </a:ext>
+              </a:extLst>
+            </p:cNvPr>
+            <p:cNvSpPr/>
+            <p:nvPr/>
+          </p:nvSpPr>
+          <p:spPr>
+            <a:xfrm>
+              <a:off x="11125206" y="4991768"/>
+              <a:ext cx="74951" cy="73152"/>
+            </a:xfrm>
+            <a:prstGeom prst="ellipse">
+              <a:avLst/>
+            </a:prstGeom>
+            <a:solidFill>
+              <a:schemeClr val="accent4">
+                <a:lumMod val="75000"/>
+                <a:alpha val="51000"/>
+              </a:schemeClr>
+            </a:solidFill>
+            <a:ln>
+              <a:noFill/>
+            </a:ln>
+          </p:spPr>
+          <p:style>
+            <a:lnRef idx="2">
+              <a:schemeClr val="accent1">
+                <a:shade val="50000"/>
+              </a:schemeClr>
+            </a:lnRef>
+            <a:fillRef idx="1">
+              <a:schemeClr val="accent1"/>
+            </a:fillRef>
+            <a:effectRef idx="0">
+              <a:schemeClr val="accent1"/>
+            </a:effectRef>
+            <a:fontRef idx="minor">
+              <a:schemeClr val="lt1"/>
+            </a:fontRef>
+          </p:style>
+          <p:txBody>
+            <a:bodyPr rtlCol="0" anchor="ctr"/>
+            <a:lstStyle/>
+            <a:p>
+              <a:pPr algn="ctr"/>
+              <a:endParaRPr lang="en-US"/>
+            </a:p>
+          </p:txBody>
+        </p:sp>
+        <p:sp>
+          <p:nvSpPr>
+            <p:cNvPr id="51" name="Oval 50">
+              <a:extLst>
+                <a:ext uri="{FF2B5EF4-FFF2-40B4-BE49-F238E27FC236}">
+                  <a16:creationId xmlns:a16="http://schemas.microsoft.com/office/drawing/2014/main" id="{D52894CC-6433-E453-EE6D-E9C5CC43A9C1}"/>
+                </a:ext>
+              </a:extLst>
+            </p:cNvPr>
+            <p:cNvSpPr/>
+            <p:nvPr/>
+          </p:nvSpPr>
+          <p:spPr>
+            <a:xfrm>
+              <a:off x="11337566" y="5144168"/>
+              <a:ext cx="74951" cy="73152"/>
+            </a:xfrm>
+            <a:prstGeom prst="ellipse">
+              <a:avLst/>
+            </a:prstGeom>
+            <a:solidFill>
+              <a:schemeClr val="accent4">
+                <a:lumMod val="75000"/>
+                <a:alpha val="51000"/>
+              </a:schemeClr>
+            </a:solidFill>
+            <a:ln>
+              <a:noFill/>
+            </a:ln>
+          </p:spPr>
+          <p:style>
+            <a:lnRef idx="2">
+              <a:schemeClr val="accent1">
+                <a:shade val="50000"/>
+              </a:schemeClr>
+            </a:lnRef>
+            <a:fillRef idx="1">
+              <a:schemeClr val="accent1"/>
+            </a:fillRef>
+            <a:effectRef idx="0">
+              <a:schemeClr val="accent1"/>
+            </a:effectRef>
+            <a:fontRef idx="minor">
+              <a:schemeClr val="lt1"/>
+            </a:fontRef>
+          </p:style>
+          <p:txBody>
+            <a:bodyPr rtlCol="0" anchor="ctr"/>
+            <a:lstStyle/>
+            <a:p>
+              <a:pPr algn="ctr"/>
+              <a:endParaRPr lang="en-US"/>
+            </a:p>
+          </p:txBody>
+        </p:sp>
+        <p:sp>
+          <p:nvSpPr>
+            <p:cNvPr id="52" name="Oval 51">
+              <a:extLst>
+                <a:ext uri="{FF2B5EF4-FFF2-40B4-BE49-F238E27FC236}">
+                  <a16:creationId xmlns:a16="http://schemas.microsoft.com/office/drawing/2014/main" id="{618C9044-5DC6-F745-E557-E7BCAB9BF90A}"/>
+                </a:ext>
+              </a:extLst>
+            </p:cNvPr>
+            <p:cNvSpPr/>
+            <p:nvPr/>
+          </p:nvSpPr>
+          <p:spPr>
+            <a:xfrm>
+              <a:off x="11010283" y="5236608"/>
+              <a:ext cx="74951" cy="73152"/>
+            </a:xfrm>
+            <a:prstGeom prst="ellipse">
+              <a:avLst/>
+            </a:prstGeom>
+            <a:solidFill>
+              <a:schemeClr val="accent4">
+                <a:lumMod val="75000"/>
+                <a:alpha val="51000"/>
+              </a:schemeClr>
+            </a:solidFill>
+            <a:ln>
+              <a:noFill/>
+            </a:ln>
+          </p:spPr>
+          <p:style>
+            <a:lnRef idx="2">
+              <a:schemeClr val="accent1">
+                <a:shade val="50000"/>
+              </a:schemeClr>
+            </a:lnRef>
+            <a:fillRef idx="1">
+              <a:schemeClr val="accent1"/>
+            </a:fillRef>
+            <a:effectRef idx="0">
+              <a:schemeClr val="accent1"/>
+            </a:effectRef>
+            <a:fontRef idx="minor">
+              <a:schemeClr val="lt1"/>
+            </a:fontRef>
+          </p:style>
+          <p:txBody>
+            <a:bodyPr rtlCol="0" anchor="ctr"/>
+            <a:lstStyle/>
+            <a:p>
+              <a:pPr algn="ctr"/>
+              <a:endParaRPr lang="en-US"/>
+            </a:p>
+          </p:txBody>
+        </p:sp>
+        <p:sp>
+          <p:nvSpPr>
+            <p:cNvPr id="53" name="Oval 52">
+              <a:extLst>
+                <a:ext uri="{FF2B5EF4-FFF2-40B4-BE49-F238E27FC236}">
+                  <a16:creationId xmlns:a16="http://schemas.microsoft.com/office/drawing/2014/main" id="{2352F984-46AB-CA61-1396-8711657D50A1}"/>
+                </a:ext>
+              </a:extLst>
+            </p:cNvPr>
+            <p:cNvSpPr/>
+            <p:nvPr/>
+          </p:nvSpPr>
+          <p:spPr>
+            <a:xfrm>
+              <a:off x="11162683" y="5389008"/>
+              <a:ext cx="74951" cy="73152"/>
+            </a:xfrm>
+            <a:prstGeom prst="ellipse">
+              <a:avLst/>
+            </a:prstGeom>
+            <a:solidFill>
+              <a:schemeClr val="accent4">
+                <a:lumMod val="75000"/>
+                <a:alpha val="51000"/>
+              </a:schemeClr>
+            </a:solidFill>
+            <a:ln>
+              <a:noFill/>
+            </a:ln>
+          </p:spPr>
+          <p:style>
+            <a:lnRef idx="2">
+              <a:schemeClr val="accent1">
+                <a:shade val="50000"/>
+              </a:schemeClr>
+            </a:lnRef>
+            <a:fillRef idx="1">
+              <a:schemeClr val="accent1"/>
+            </a:fillRef>
+            <a:effectRef idx="0">
+              <a:schemeClr val="accent1"/>
+            </a:effectRef>
+            <a:fontRef idx="minor">
+              <a:schemeClr val="lt1"/>
+            </a:fontRef>
+          </p:style>
+          <p:txBody>
+            <a:bodyPr rtlCol="0" anchor="ctr"/>
+            <a:lstStyle/>
+            <a:p>
+              <a:pPr algn="ctr"/>
+              <a:endParaRPr lang="en-US"/>
+            </a:p>
+          </p:txBody>
+        </p:sp>
+      </p:grpSp>
+      <p:grpSp>
+        <p:nvGrpSpPr>
+          <p:cNvPr id="55" name="Group 54">
+            <a:extLst>
+              <a:ext uri="{FF2B5EF4-FFF2-40B4-BE49-F238E27FC236}">
+                <a16:creationId xmlns:a16="http://schemas.microsoft.com/office/drawing/2014/main" id="{70DA063C-FC3F-8E57-6A24-370C0476595B}"/>
+              </a:ext>
+            </a:extLst>
+          </p:cNvPr>
+          <p:cNvGrpSpPr/>
+          <p:nvPr/>
+        </p:nvGrpSpPr>
+        <p:grpSpPr>
+          <a:xfrm>
+            <a:off x="440582" y="1275482"/>
+            <a:ext cx="4651512" cy="4762262"/>
+            <a:chOff x="440582" y="1275482"/>
+            <a:chExt cx="4651512" cy="4762262"/>
+          </a:xfrm>
+        </p:grpSpPr>
+        <p:grpSp>
+          <p:nvGrpSpPr>
+            <p:cNvPr id="6" name="Group 5">
+              <a:extLst>
+                <a:ext uri="{FF2B5EF4-FFF2-40B4-BE49-F238E27FC236}">
+                  <a16:creationId xmlns:a16="http://schemas.microsoft.com/office/drawing/2014/main" id="{B26A388B-9139-8C08-D917-79EA6ECDF239}"/>
+                </a:ext>
+              </a:extLst>
+            </p:cNvPr>
+            <p:cNvGrpSpPr/>
+            <p:nvPr/>
+          </p:nvGrpSpPr>
+          <p:grpSpPr>
+            <a:xfrm>
+              <a:off x="440582" y="1275482"/>
+              <a:ext cx="4651512" cy="4762262"/>
+              <a:chOff x="7156175" y="720846"/>
+              <a:chExt cx="4651512" cy="4762262"/>
+            </a:xfrm>
+          </p:grpSpPr>
+          <p:pic>
+            <p:nvPicPr>
+              <p:cNvPr id="12" name="Picture 11">
+                <a:extLst>
+                  <a:ext uri="{FF2B5EF4-FFF2-40B4-BE49-F238E27FC236}">
+                    <a16:creationId xmlns:a16="http://schemas.microsoft.com/office/drawing/2014/main" id="{277CC8A1-4ABE-2C4B-BAC4-135EDCBA0BD9}"/>
+                  </a:ext>
+                </a:extLst>
+              </p:cNvPr>
+              <p:cNvPicPr>
+                <a:picLocks noChangeAspect="1"/>
+              </p:cNvPicPr>
+              <p:nvPr/>
+            </p:nvPicPr>
+            <p:blipFill rotWithShape="1">
+              <a:blip r:embed="rId6"/>
+              <a:srcRect l="12127" t="47139" r="46124" b="19832"/>
+              <a:stretch/>
+            </p:blipFill>
+            <p:spPr>
+              <a:xfrm>
+                <a:off x="7156175" y="720846"/>
+                <a:ext cx="4651512" cy="4762262"/>
+              </a:xfrm>
+              <a:prstGeom prst="rect">
+                <a:avLst/>
+              </a:prstGeom>
+            </p:spPr>
+          </p:pic>
+          <mc:AlternateContent xmlns:mc="http://schemas.openxmlformats.org/markup-compatibility/2006" xmlns:a14="http://schemas.microsoft.com/office/drawing/2010/main">
+            <mc:Choice Requires="a14">
+              <p:sp>
+                <p:nvSpPr>
+                  <p:cNvPr id="3" name="TextBox 2">
+                    <a:extLst>
+                      <a:ext uri="{FF2B5EF4-FFF2-40B4-BE49-F238E27FC236}">
+                        <a16:creationId xmlns:a16="http://schemas.microsoft.com/office/drawing/2014/main" id="{B1FB4E96-1C4A-611F-9B4E-97DCB1F753BD}"/>
+                      </a:ext>
+                    </a:extLst>
+                  </p:cNvPr>
+                  <p:cNvSpPr txBox="1"/>
+                  <p:nvPr/>
+                </p:nvSpPr>
+                <p:spPr>
+                  <a:xfrm>
+                    <a:off x="7443700" y="930854"/>
+                    <a:ext cx="4271221" cy="461665"/>
+                  </a:xfrm>
+                  <a:prstGeom prst="rect">
+                    <a:avLst/>
+                  </a:prstGeom>
+                  <a:solidFill>
+                    <a:srgbClr val="FF0000"/>
+                  </a:solidFill>
+                </p:spPr>
+                <p:txBody>
+                  <a:bodyPr wrap="square" rtlCol="0">
+                    <a:spAutoFit/>
+                  </a:bodyPr>
+                  <a:lstStyle/>
+                  <a:p>
+                    <a:pPr/>
+                    <a14:m>
+                      <m:oMathPara xmlns:m="http://schemas.openxmlformats.org/officeDocument/2006/math">
+                        <m:oMathParaPr>
+                          <m:jc m:val="centerGroup"/>
+                        </m:oMathParaPr>
+                        <m:oMath xmlns:m="http://schemas.openxmlformats.org/officeDocument/2006/math">
+                          <m:sSub>
+                            <m:sSubPr>
+                              <m:ctrlPr>
+                                <a:rPr lang="en-US" sz="2400" b="0" i="1" smtClean="0">
+                                  <a:solidFill>
+                                    <a:schemeClr val="tx1"/>
+                                  </a:solidFill>
+                                  <a:latin typeface="Cambria Math" panose="02040503050406030204" pitchFamily="18" charset="0"/>
+                                </a:rPr>
+                              </m:ctrlPr>
+                            </m:sSubPr>
+                            <m:e>
+                              <m:r>
+                                <a:rPr lang="en-US" sz="2400" b="0" i="1" smtClean="0">
+                                  <a:solidFill>
+                                    <a:schemeClr val="tx1"/>
+                                  </a:solidFill>
+                                  <a:latin typeface="Cambria Math" panose="02040503050406030204" pitchFamily="18" charset="0"/>
+                                </a:rPr>
+                                <m:t>𝑇</m:t>
+                              </m:r>
+                            </m:e>
+                            <m:sub>
+                              <m:r>
+                                <a:rPr lang="en-US" sz="2400" b="0" i="1" smtClean="0">
+                                  <a:solidFill>
+                                    <a:schemeClr val="tx1"/>
+                                  </a:solidFill>
+                                  <a:latin typeface="Cambria Math" panose="02040503050406030204" pitchFamily="18" charset="0"/>
+                                </a:rPr>
+                                <m:t>𝐻</m:t>
+                              </m:r>
+                            </m:sub>
+                          </m:sSub>
+                        </m:oMath>
+                      </m:oMathPara>
+                    </a14:m>
+                    <a:endParaRPr lang="en-US" sz="2400" dirty="0">
+                      <a:solidFill>
+                        <a:schemeClr val="tx1"/>
+                      </a:solidFill>
+                    </a:endParaRPr>
+                  </a:p>
+                </p:txBody>
+              </p:sp>
+            </mc:Choice>
+            <mc:Fallback xmlns="">
+              <p:sp>
+                <p:nvSpPr>
+                  <p:cNvPr id="3" name="TextBox 2">
+                    <a:extLst>
+                      <a:ext uri="{FF2B5EF4-FFF2-40B4-BE49-F238E27FC236}">
+                        <a16:creationId xmlns:a16="http://schemas.microsoft.com/office/drawing/2014/main" id="{B1FB4E96-1C4A-611F-9B4E-97DCB1F753BD}"/>
+                      </a:ext>
+                    </a:extLst>
+                  </p:cNvPr>
+                  <p:cNvSpPr txBox="1">
+                    <a:spLocks noRot="1" noChangeAspect="1" noMove="1" noResize="1" noEditPoints="1" noAdjustHandles="1" noChangeArrowheads="1" noChangeShapeType="1" noTextEdit="1"/>
+                  </p:cNvSpPr>
+                  <p:nvPr/>
+                </p:nvSpPr>
+                <p:spPr>
+                  <a:xfrm>
+                    <a:off x="7443700" y="930854"/>
+                    <a:ext cx="4271221" cy="461665"/>
+                  </a:xfrm>
+                  <a:prstGeom prst="rect">
+                    <a:avLst/>
+                  </a:prstGeom>
+                  <a:blipFill>
+                    <a:blip r:embed="rId7"/>
+                    <a:stretch>
+                      <a:fillRect b="-2703"/>
+                    </a:stretch>
+                  </a:blipFill>
+                </p:spPr>
+                <p:txBody>
+                  <a:bodyPr/>
+                  <a:lstStyle/>
+                  <a:p>
+                    <a:r>
+                      <a:rPr lang="en-US">
+                        <a:noFill/>
+                      </a:rPr>
+                      <a:t> </a:t>
+                    </a:r>
+                  </a:p>
+                </p:txBody>
+              </p:sp>
+            </mc:Fallback>
+          </mc:AlternateContent>
+          <mc:AlternateContent xmlns:mc="http://schemas.openxmlformats.org/markup-compatibility/2006" xmlns:a14="http://schemas.microsoft.com/office/drawing/2010/main">
+            <mc:Choice Requires="a14">
+              <p:sp>
+                <p:nvSpPr>
+                  <p:cNvPr id="4" name="TextBox 3">
+                    <a:extLst>
+                      <a:ext uri="{FF2B5EF4-FFF2-40B4-BE49-F238E27FC236}">
+                        <a16:creationId xmlns:a16="http://schemas.microsoft.com/office/drawing/2014/main" id="{327C4947-589B-B3B0-86A2-4DE8CFC50857}"/>
+                      </a:ext>
+                    </a:extLst>
+                  </p:cNvPr>
+                  <p:cNvSpPr txBox="1"/>
+                  <p:nvPr/>
+                </p:nvSpPr>
+                <p:spPr>
+                  <a:xfrm>
+                    <a:off x="7443700" y="4821537"/>
+                    <a:ext cx="4284473" cy="461665"/>
+                  </a:xfrm>
+                  <a:prstGeom prst="rect">
+                    <a:avLst/>
+                  </a:prstGeom>
+                  <a:solidFill>
+                    <a:schemeClr val="accent1"/>
+                  </a:solidFill>
+                </p:spPr>
+                <p:txBody>
+                  <a:bodyPr wrap="square" rtlCol="0">
+                    <a:spAutoFit/>
+                  </a:bodyPr>
+                  <a:lstStyle/>
+                  <a:p>
+                    <a:pPr/>
+                    <a14:m>
+                      <m:oMathPara xmlns:m="http://schemas.openxmlformats.org/officeDocument/2006/math">
+                        <m:oMathParaPr>
+                          <m:jc m:val="centerGroup"/>
+                        </m:oMathParaPr>
+                        <m:oMath xmlns:m="http://schemas.openxmlformats.org/officeDocument/2006/math">
+                          <m:sSub>
+                            <m:sSubPr>
+                              <m:ctrlPr>
+                                <a:rPr lang="en-US" sz="2400" b="0" i="1" smtClean="0">
+                                  <a:solidFill>
+                                    <a:schemeClr val="tx1"/>
+                                  </a:solidFill>
+                                  <a:latin typeface="Cambria Math" panose="02040503050406030204" pitchFamily="18" charset="0"/>
+                                </a:rPr>
+                              </m:ctrlPr>
+                            </m:sSubPr>
+                            <m:e>
+                              <m:r>
+                                <a:rPr lang="en-US" sz="2400" b="0" i="1" smtClean="0">
+                                  <a:solidFill>
+                                    <a:schemeClr val="tx1"/>
+                                  </a:solidFill>
+                                  <a:latin typeface="Cambria Math" panose="02040503050406030204" pitchFamily="18" charset="0"/>
+                                </a:rPr>
+                                <m:t>𝑇</m:t>
+                              </m:r>
+                            </m:e>
+                            <m:sub>
+                              <m:r>
+                                <a:rPr lang="en-US" sz="2400" b="0" i="1" smtClean="0">
+                                  <a:solidFill>
+                                    <a:schemeClr val="tx1"/>
+                                  </a:solidFill>
+                                  <a:latin typeface="Cambria Math" panose="02040503050406030204" pitchFamily="18" charset="0"/>
+                                </a:rPr>
+                                <m:t>𝐶</m:t>
+                              </m:r>
+                            </m:sub>
+                          </m:sSub>
+                        </m:oMath>
+                      </m:oMathPara>
+                    </a14:m>
+                    <a:endParaRPr lang="en-US" sz="2400" dirty="0">
+                      <a:solidFill>
+                        <a:schemeClr val="tx1"/>
+                      </a:solidFill>
+                    </a:endParaRPr>
+                  </a:p>
+                </p:txBody>
+              </p:sp>
+            </mc:Choice>
+            <mc:Fallback xmlns="">
+              <p:sp>
+                <p:nvSpPr>
+                  <p:cNvPr id="4" name="TextBox 3">
+                    <a:extLst>
+                      <a:ext uri="{FF2B5EF4-FFF2-40B4-BE49-F238E27FC236}">
+                        <a16:creationId xmlns:a16="http://schemas.microsoft.com/office/drawing/2014/main" id="{327C4947-589B-B3B0-86A2-4DE8CFC50857}"/>
+                      </a:ext>
+                    </a:extLst>
+                  </p:cNvPr>
+                  <p:cNvSpPr txBox="1">
+                    <a:spLocks noRot="1" noChangeAspect="1" noMove="1" noResize="1" noEditPoints="1" noAdjustHandles="1" noChangeArrowheads="1" noChangeShapeType="1" noTextEdit="1"/>
+                  </p:cNvSpPr>
+                  <p:nvPr/>
+                </p:nvSpPr>
+                <p:spPr>
+                  <a:xfrm>
+                    <a:off x="7443700" y="4821537"/>
+                    <a:ext cx="4284473" cy="461665"/>
+                  </a:xfrm>
+                  <a:prstGeom prst="rect">
+                    <a:avLst/>
+                  </a:prstGeom>
+                  <a:blipFill>
+                    <a:blip r:embed="rId8"/>
+                    <a:stretch>
+                      <a:fillRect b="-2703"/>
+                    </a:stretch>
+                  </a:blipFill>
+                </p:spPr>
+                <p:txBody>
+                  <a:bodyPr/>
+                  <a:lstStyle/>
+                  <a:p>
+                    <a:r>
+                      <a:rPr lang="en-US">
+                        <a:noFill/>
+                      </a:rPr>
+                      <a:t> </a:t>
+                    </a:r>
+                  </a:p>
+                </p:txBody>
+              </p:sp>
+            </mc:Fallback>
+          </mc:AlternateContent>
+        </p:grpSp>
+        <p:sp>
+          <p:nvSpPr>
+            <p:cNvPr id="54" name="TextBox 53">
+              <a:extLst>
+                <a:ext uri="{FF2B5EF4-FFF2-40B4-BE49-F238E27FC236}">
+                  <a16:creationId xmlns:a16="http://schemas.microsoft.com/office/drawing/2014/main" id="{A21B2793-EB91-2439-E88D-4543DE569FAF}"/>
+                </a:ext>
+              </a:extLst>
+            </p:cNvPr>
+            <p:cNvSpPr txBox="1"/>
+            <p:nvPr/>
+          </p:nvSpPr>
+          <p:spPr>
+            <a:xfrm>
+              <a:off x="1063790" y="4621923"/>
+              <a:ext cx="1186667" cy="553998"/>
+            </a:xfrm>
+            <a:prstGeom prst="rect">
+              <a:avLst/>
+            </a:prstGeom>
+            <a:solidFill>
+              <a:schemeClr val="bg1"/>
+            </a:solidFill>
+          </p:spPr>
+          <p:txBody>
+            <a:bodyPr wrap="square" rtlCol="0">
+              <a:spAutoFit/>
+            </a:bodyPr>
+            <a:lstStyle/>
+            <a:p>
+              <a:r>
+                <a:rPr lang="en-US" sz="3000" dirty="0"/>
+                <a:t>|</a:t>
+              </a:r>
+              <a:r>
+                <a:rPr lang="en-US" sz="3000" i="1" dirty="0"/>
+                <a:t>Q</a:t>
+              </a:r>
+              <a:r>
+                <a:rPr lang="en-US" sz="3000" i="1" baseline="-25000" dirty="0"/>
+                <a:t>C</a:t>
+              </a:r>
+              <a:r>
+                <a:rPr lang="en-US" sz="3000" dirty="0"/>
+                <a:t>|</a:t>
+              </a:r>
+              <a:endParaRPr lang="en-US" sz="3000" i="1" dirty="0"/>
+            </a:p>
+          </p:txBody>
+        </p:sp>
+      </p:grpSp>
     </p:spTree>
     <p:extLst>
       <p:ext uri="{BB962C8B-B14F-4D97-AF65-F5344CB8AC3E}">
-        <p14:creationId xmlns:p14="http://schemas.microsoft.com/office/powerpoint/2010/main" val="3941091043"/>
+        <p14:creationId xmlns:p14="http://schemas.microsoft.com/office/powerpoint/2010/main" val="856122024"/>
       </p:ext>
     </p:extLst>
   </p:cSld>
@@ -3587,8 +7969,2323 @@
           <a:chExt cx="0" cy="0"/>
         </a:xfrm>
       </p:grpSpPr>
+      <p:pic>
+        <p:nvPicPr>
+          <p:cNvPr id="11" name="Picture 10">
+            <a:extLst>
+              <a:ext uri="{FF2B5EF4-FFF2-40B4-BE49-F238E27FC236}">
+                <a16:creationId xmlns:a16="http://schemas.microsoft.com/office/drawing/2014/main" id="{C3438989-E394-4942-82FD-477478DD2825}"/>
+              </a:ext>
+            </a:extLst>
+          </p:cNvPr>
+          <p:cNvPicPr>
+            <a:picLocks noChangeAspect="1"/>
+          </p:cNvPicPr>
+          <p:nvPr/>
+        </p:nvPicPr>
+        <p:blipFill>
+          <a:blip r:embed="rId2"/>
+          <a:stretch>
+            <a:fillRect/>
+          </a:stretch>
+        </p:blipFill>
+        <p:spPr>
+          <a:xfrm>
+            <a:off x="5379619" y="2160101"/>
+            <a:ext cx="7084483" cy="3677737"/>
+          </a:xfrm>
+          <a:prstGeom prst="rect">
+            <a:avLst/>
+          </a:prstGeom>
+        </p:spPr>
+      </p:pic>
+      <p:sp>
+        <p:nvSpPr>
+          <p:cNvPr id="2" name="Arc 1">
+            <a:extLst>
+              <a:ext uri="{FF2B5EF4-FFF2-40B4-BE49-F238E27FC236}">
+                <a16:creationId xmlns:a16="http://schemas.microsoft.com/office/drawing/2014/main" id="{FFDF0B1D-A5A4-254B-8900-BB81CDE3E7BD}"/>
+              </a:ext>
+            </a:extLst>
+          </p:cNvPr>
+          <p:cNvSpPr/>
+          <p:nvPr/>
+        </p:nvSpPr>
+        <p:spPr>
+          <a:xfrm>
+            <a:off x="8648181" y="230832"/>
+            <a:ext cx="2458388" cy="5607006"/>
+          </a:xfrm>
+          <a:prstGeom prst="arc">
+            <a:avLst>
+              <a:gd name="adj1" fmla="val 11408358"/>
+              <a:gd name="adj2" fmla="val 15288712"/>
+            </a:avLst>
+          </a:prstGeom>
+          <a:ln w="127000">
+            <a:solidFill>
+              <a:schemeClr val="accent1">
+                <a:alpha val="52000"/>
+              </a:schemeClr>
+            </a:solidFill>
+            <a:prstDash val="solid"/>
+            <a:headEnd type="triangle"/>
+          </a:ln>
+        </p:spPr>
+        <p:style>
+          <a:lnRef idx="1">
+            <a:schemeClr val="accent1"/>
+          </a:lnRef>
+          <a:fillRef idx="0">
+            <a:schemeClr val="accent1"/>
+          </a:fillRef>
+          <a:effectRef idx="0">
+            <a:schemeClr val="accent1"/>
+          </a:effectRef>
+          <a:fontRef idx="minor">
+            <a:schemeClr val="tx1"/>
+          </a:fontRef>
+        </p:style>
+        <p:txBody>
+          <a:bodyPr rtlCol="0" anchor="ctr"/>
+          <a:lstStyle/>
+          <a:p>
+            <a:pPr algn="ctr"/>
+            <a:endParaRPr lang="en-US" dirty="0"/>
+          </a:p>
+        </p:txBody>
+      </p:sp>
+      <p:sp>
+        <p:nvSpPr>
+          <p:cNvPr id="15" name="TextBox 14">
+            <a:extLst>
+              <a:ext uri="{FF2B5EF4-FFF2-40B4-BE49-F238E27FC236}">
+                <a16:creationId xmlns:a16="http://schemas.microsoft.com/office/drawing/2014/main" id="{4CE0C66A-9D29-14BE-924E-CE7B6CF6069D}"/>
+              </a:ext>
+            </a:extLst>
+          </p:cNvPr>
+          <p:cNvSpPr txBox="1"/>
+          <p:nvPr/>
+        </p:nvSpPr>
+        <p:spPr>
+          <a:xfrm>
+            <a:off x="0" y="0"/>
+            <a:ext cx="12192000" cy="461665"/>
+          </a:xfrm>
+          <a:prstGeom prst="rect">
+            <a:avLst/>
+          </a:prstGeom>
+          <a:solidFill>
+            <a:schemeClr val="accent2"/>
+          </a:solidFill>
+        </p:spPr>
+        <p:txBody>
+          <a:bodyPr wrap="square" rtlCol="0">
+            <a:spAutoFit/>
+          </a:bodyPr>
+          <a:lstStyle/>
+          <a:p>
+            <a:r>
+              <a:rPr lang="en-US" sz="2400" b="1" dirty="0"/>
+              <a:t>In practice, thermoelectric power plants use similar ideas (but the working fluid is water)</a:t>
+            </a:r>
+          </a:p>
+        </p:txBody>
+      </p:sp>
+      <p:grpSp>
+        <p:nvGrpSpPr>
+          <p:cNvPr id="17" name="Group 16">
+            <a:extLst>
+              <a:ext uri="{FF2B5EF4-FFF2-40B4-BE49-F238E27FC236}">
+                <a16:creationId xmlns:a16="http://schemas.microsoft.com/office/drawing/2014/main" id="{AA4B0CED-B96F-7B52-7A59-674D7BDB3736}"/>
+              </a:ext>
+            </a:extLst>
+          </p:cNvPr>
+          <p:cNvGrpSpPr/>
+          <p:nvPr/>
+        </p:nvGrpSpPr>
+        <p:grpSpPr>
+          <a:xfrm>
+            <a:off x="440582" y="1275482"/>
+            <a:ext cx="4651512" cy="4762262"/>
+            <a:chOff x="440582" y="1275482"/>
+            <a:chExt cx="4651512" cy="4762262"/>
+          </a:xfrm>
+        </p:grpSpPr>
+        <p:grpSp>
+          <p:nvGrpSpPr>
+            <p:cNvPr id="18" name="Group 17">
+              <a:extLst>
+                <a:ext uri="{FF2B5EF4-FFF2-40B4-BE49-F238E27FC236}">
+                  <a16:creationId xmlns:a16="http://schemas.microsoft.com/office/drawing/2014/main" id="{F537A00B-D0D7-2043-A50D-84C44B5ABCEA}"/>
+                </a:ext>
+              </a:extLst>
+            </p:cNvPr>
+            <p:cNvGrpSpPr/>
+            <p:nvPr/>
+          </p:nvGrpSpPr>
+          <p:grpSpPr>
+            <a:xfrm>
+              <a:off x="440582" y="1275482"/>
+              <a:ext cx="4651512" cy="4762262"/>
+              <a:chOff x="7156175" y="720846"/>
+              <a:chExt cx="4651512" cy="4762262"/>
+            </a:xfrm>
+          </p:grpSpPr>
+          <p:pic>
+            <p:nvPicPr>
+              <p:cNvPr id="20" name="Picture 19">
+                <a:extLst>
+                  <a:ext uri="{FF2B5EF4-FFF2-40B4-BE49-F238E27FC236}">
+                    <a16:creationId xmlns:a16="http://schemas.microsoft.com/office/drawing/2014/main" id="{F51B22DC-DD16-9445-C656-92D3DDF05821}"/>
+                  </a:ext>
+                </a:extLst>
+              </p:cNvPr>
+              <p:cNvPicPr>
+                <a:picLocks noChangeAspect="1"/>
+              </p:cNvPicPr>
+              <p:nvPr/>
+            </p:nvPicPr>
+            <p:blipFill rotWithShape="1">
+              <a:blip r:embed="rId3"/>
+              <a:srcRect l="12127" t="47139" r="46124" b="19832"/>
+              <a:stretch/>
+            </p:blipFill>
+            <p:spPr>
+              <a:xfrm>
+                <a:off x="7156175" y="720846"/>
+                <a:ext cx="4651512" cy="4762262"/>
+              </a:xfrm>
+              <a:prstGeom prst="rect">
+                <a:avLst/>
+              </a:prstGeom>
+            </p:spPr>
+          </p:pic>
+          <mc:AlternateContent xmlns:mc="http://schemas.openxmlformats.org/markup-compatibility/2006" xmlns:a14="http://schemas.microsoft.com/office/drawing/2010/main">
+            <mc:Choice Requires="a14">
+              <p:sp>
+                <p:nvSpPr>
+                  <p:cNvPr id="21" name="TextBox 20">
+                    <a:extLst>
+                      <a:ext uri="{FF2B5EF4-FFF2-40B4-BE49-F238E27FC236}">
+                        <a16:creationId xmlns:a16="http://schemas.microsoft.com/office/drawing/2014/main" id="{A53C6704-64E5-74B0-2FBF-3248C8743B11}"/>
+                      </a:ext>
+                    </a:extLst>
+                  </p:cNvPr>
+                  <p:cNvSpPr txBox="1"/>
+                  <p:nvPr/>
+                </p:nvSpPr>
+                <p:spPr>
+                  <a:xfrm>
+                    <a:off x="7443700" y="930854"/>
+                    <a:ext cx="4271221" cy="461665"/>
+                  </a:xfrm>
+                  <a:prstGeom prst="rect">
+                    <a:avLst/>
+                  </a:prstGeom>
+                  <a:solidFill>
+                    <a:srgbClr val="FF0000"/>
+                  </a:solidFill>
+                </p:spPr>
+                <p:txBody>
+                  <a:bodyPr wrap="square" rtlCol="0">
+                    <a:spAutoFit/>
+                  </a:bodyPr>
+                  <a:lstStyle/>
+                  <a:p>
+                    <a:pPr/>
+                    <a14:m>
+                      <m:oMathPara xmlns:m="http://schemas.openxmlformats.org/officeDocument/2006/math">
+                        <m:oMathParaPr>
+                          <m:jc m:val="centerGroup"/>
+                        </m:oMathParaPr>
+                        <m:oMath xmlns:m="http://schemas.openxmlformats.org/officeDocument/2006/math">
+                          <m:sSub>
+                            <m:sSubPr>
+                              <m:ctrlPr>
+                                <a:rPr lang="en-US" sz="2400" b="0" i="1" smtClean="0">
+                                  <a:solidFill>
+                                    <a:schemeClr val="tx1"/>
+                                  </a:solidFill>
+                                  <a:latin typeface="Cambria Math" panose="02040503050406030204" pitchFamily="18" charset="0"/>
+                                </a:rPr>
+                              </m:ctrlPr>
+                            </m:sSubPr>
+                            <m:e>
+                              <m:r>
+                                <a:rPr lang="en-US" sz="2400" b="0" i="1" smtClean="0">
+                                  <a:solidFill>
+                                    <a:schemeClr val="tx1"/>
+                                  </a:solidFill>
+                                  <a:latin typeface="Cambria Math" panose="02040503050406030204" pitchFamily="18" charset="0"/>
+                                </a:rPr>
+                                <m:t>𝑇</m:t>
+                              </m:r>
+                            </m:e>
+                            <m:sub>
+                              <m:r>
+                                <a:rPr lang="en-US" sz="2400" b="0" i="1" smtClean="0">
+                                  <a:solidFill>
+                                    <a:schemeClr val="tx1"/>
+                                  </a:solidFill>
+                                  <a:latin typeface="Cambria Math" panose="02040503050406030204" pitchFamily="18" charset="0"/>
+                                </a:rPr>
+                                <m:t>𝐻</m:t>
+                              </m:r>
+                            </m:sub>
+                          </m:sSub>
+                        </m:oMath>
+                      </m:oMathPara>
+                    </a14:m>
+                    <a:endParaRPr lang="en-US" sz="2400" dirty="0">
+                      <a:solidFill>
+                        <a:schemeClr val="tx1"/>
+                      </a:solidFill>
+                    </a:endParaRPr>
+                  </a:p>
+                </p:txBody>
+              </p:sp>
+            </mc:Choice>
+            <mc:Fallback xmlns="">
+              <p:sp>
+                <p:nvSpPr>
+                  <p:cNvPr id="21" name="TextBox 20">
+                    <a:extLst>
+                      <a:ext uri="{FF2B5EF4-FFF2-40B4-BE49-F238E27FC236}">
+                        <a16:creationId xmlns:a16="http://schemas.microsoft.com/office/drawing/2014/main" id="{A53C6704-64E5-74B0-2FBF-3248C8743B11}"/>
+                      </a:ext>
+                    </a:extLst>
+                  </p:cNvPr>
+                  <p:cNvSpPr txBox="1">
+                    <a:spLocks noRot="1" noChangeAspect="1" noMove="1" noResize="1" noEditPoints="1" noAdjustHandles="1" noChangeArrowheads="1" noChangeShapeType="1" noTextEdit="1"/>
+                  </p:cNvSpPr>
+                  <p:nvPr/>
+                </p:nvSpPr>
+                <p:spPr>
+                  <a:xfrm>
+                    <a:off x="7443700" y="930854"/>
+                    <a:ext cx="4271221" cy="461665"/>
+                  </a:xfrm>
+                  <a:prstGeom prst="rect">
+                    <a:avLst/>
+                  </a:prstGeom>
+                  <a:blipFill>
+                    <a:blip r:embed="rId4"/>
+                    <a:stretch>
+                      <a:fillRect b="-2703"/>
+                    </a:stretch>
+                  </a:blipFill>
+                </p:spPr>
+                <p:txBody>
+                  <a:bodyPr/>
+                  <a:lstStyle/>
+                  <a:p>
+                    <a:r>
+                      <a:rPr lang="en-US">
+                        <a:noFill/>
+                      </a:rPr>
+                      <a:t> </a:t>
+                    </a:r>
+                  </a:p>
+                </p:txBody>
+              </p:sp>
+            </mc:Fallback>
+          </mc:AlternateContent>
+          <mc:AlternateContent xmlns:mc="http://schemas.openxmlformats.org/markup-compatibility/2006" xmlns:a14="http://schemas.microsoft.com/office/drawing/2010/main">
+            <mc:Choice Requires="a14">
+              <p:sp>
+                <p:nvSpPr>
+                  <p:cNvPr id="22" name="TextBox 21">
+                    <a:extLst>
+                      <a:ext uri="{FF2B5EF4-FFF2-40B4-BE49-F238E27FC236}">
+                        <a16:creationId xmlns:a16="http://schemas.microsoft.com/office/drawing/2014/main" id="{88E119FF-E529-AF2A-B959-AEFEF30F04AE}"/>
+                      </a:ext>
+                    </a:extLst>
+                  </p:cNvPr>
+                  <p:cNvSpPr txBox="1"/>
+                  <p:nvPr/>
+                </p:nvSpPr>
+                <p:spPr>
+                  <a:xfrm>
+                    <a:off x="7443700" y="4821537"/>
+                    <a:ext cx="4284473" cy="461665"/>
+                  </a:xfrm>
+                  <a:prstGeom prst="rect">
+                    <a:avLst/>
+                  </a:prstGeom>
+                  <a:solidFill>
+                    <a:schemeClr val="accent1"/>
+                  </a:solidFill>
+                </p:spPr>
+                <p:txBody>
+                  <a:bodyPr wrap="square" rtlCol="0">
+                    <a:spAutoFit/>
+                  </a:bodyPr>
+                  <a:lstStyle/>
+                  <a:p>
+                    <a:pPr/>
+                    <a14:m>
+                      <m:oMathPara xmlns:m="http://schemas.openxmlformats.org/officeDocument/2006/math">
+                        <m:oMathParaPr>
+                          <m:jc m:val="centerGroup"/>
+                        </m:oMathParaPr>
+                        <m:oMath xmlns:m="http://schemas.openxmlformats.org/officeDocument/2006/math">
+                          <m:sSub>
+                            <m:sSubPr>
+                              <m:ctrlPr>
+                                <a:rPr lang="en-US" sz="2400" b="0" i="1" smtClean="0">
+                                  <a:solidFill>
+                                    <a:schemeClr val="tx1"/>
+                                  </a:solidFill>
+                                  <a:latin typeface="Cambria Math" panose="02040503050406030204" pitchFamily="18" charset="0"/>
+                                </a:rPr>
+                              </m:ctrlPr>
+                            </m:sSubPr>
+                            <m:e>
+                              <m:r>
+                                <a:rPr lang="en-US" sz="2400" b="0" i="1" smtClean="0">
+                                  <a:solidFill>
+                                    <a:schemeClr val="tx1"/>
+                                  </a:solidFill>
+                                  <a:latin typeface="Cambria Math" panose="02040503050406030204" pitchFamily="18" charset="0"/>
+                                </a:rPr>
+                                <m:t>𝑇</m:t>
+                              </m:r>
+                            </m:e>
+                            <m:sub>
+                              <m:r>
+                                <a:rPr lang="en-US" sz="2400" b="0" i="1" smtClean="0">
+                                  <a:solidFill>
+                                    <a:schemeClr val="tx1"/>
+                                  </a:solidFill>
+                                  <a:latin typeface="Cambria Math" panose="02040503050406030204" pitchFamily="18" charset="0"/>
+                                </a:rPr>
+                                <m:t>𝐶</m:t>
+                              </m:r>
+                            </m:sub>
+                          </m:sSub>
+                        </m:oMath>
+                      </m:oMathPara>
+                    </a14:m>
+                    <a:endParaRPr lang="en-US" sz="2400" dirty="0">
+                      <a:solidFill>
+                        <a:schemeClr val="tx1"/>
+                      </a:solidFill>
+                    </a:endParaRPr>
+                  </a:p>
+                </p:txBody>
+              </p:sp>
+            </mc:Choice>
+            <mc:Fallback xmlns="">
+              <p:sp>
+                <p:nvSpPr>
+                  <p:cNvPr id="22" name="TextBox 21">
+                    <a:extLst>
+                      <a:ext uri="{FF2B5EF4-FFF2-40B4-BE49-F238E27FC236}">
+                        <a16:creationId xmlns:a16="http://schemas.microsoft.com/office/drawing/2014/main" id="{88E119FF-E529-AF2A-B959-AEFEF30F04AE}"/>
+                      </a:ext>
+                    </a:extLst>
+                  </p:cNvPr>
+                  <p:cNvSpPr txBox="1">
+                    <a:spLocks noRot="1" noChangeAspect="1" noMove="1" noResize="1" noEditPoints="1" noAdjustHandles="1" noChangeArrowheads="1" noChangeShapeType="1" noTextEdit="1"/>
+                  </p:cNvSpPr>
+                  <p:nvPr/>
+                </p:nvSpPr>
+                <p:spPr>
+                  <a:xfrm>
+                    <a:off x="7443700" y="4821537"/>
+                    <a:ext cx="4284473" cy="461665"/>
+                  </a:xfrm>
+                  <a:prstGeom prst="rect">
+                    <a:avLst/>
+                  </a:prstGeom>
+                  <a:blipFill>
+                    <a:blip r:embed="rId5"/>
+                    <a:stretch>
+                      <a:fillRect b="-2703"/>
+                    </a:stretch>
+                  </a:blipFill>
+                </p:spPr>
+                <p:txBody>
+                  <a:bodyPr/>
+                  <a:lstStyle/>
+                  <a:p>
+                    <a:r>
+                      <a:rPr lang="en-US">
+                        <a:noFill/>
+                      </a:rPr>
+                      <a:t> </a:t>
+                    </a:r>
+                  </a:p>
+                </p:txBody>
+              </p:sp>
+            </mc:Fallback>
+          </mc:AlternateContent>
+        </p:grpSp>
+        <p:sp>
+          <p:nvSpPr>
+            <p:cNvPr id="19" name="TextBox 18">
+              <a:extLst>
+                <a:ext uri="{FF2B5EF4-FFF2-40B4-BE49-F238E27FC236}">
+                  <a16:creationId xmlns:a16="http://schemas.microsoft.com/office/drawing/2014/main" id="{887DDEAC-A79C-7555-48CF-45BAD7F2DB64}"/>
+                </a:ext>
+              </a:extLst>
+            </p:cNvPr>
+            <p:cNvSpPr txBox="1"/>
+            <p:nvPr/>
+          </p:nvSpPr>
+          <p:spPr>
+            <a:xfrm>
+              <a:off x="1063790" y="4621923"/>
+              <a:ext cx="1186667" cy="553998"/>
+            </a:xfrm>
+            <a:prstGeom prst="rect">
+              <a:avLst/>
+            </a:prstGeom>
+            <a:solidFill>
+              <a:schemeClr val="bg1"/>
+            </a:solidFill>
+          </p:spPr>
+          <p:txBody>
+            <a:bodyPr wrap="square" rtlCol="0">
+              <a:spAutoFit/>
+            </a:bodyPr>
+            <a:lstStyle/>
+            <a:p>
+              <a:r>
+                <a:rPr lang="en-US" sz="3000" dirty="0"/>
+                <a:t>|</a:t>
+              </a:r>
+              <a:r>
+                <a:rPr lang="en-US" sz="3000" i="1" dirty="0"/>
+                <a:t>Q</a:t>
+              </a:r>
+              <a:r>
+                <a:rPr lang="en-US" sz="3000" i="1" baseline="-25000" dirty="0"/>
+                <a:t>C</a:t>
+              </a:r>
+              <a:r>
+                <a:rPr lang="en-US" sz="3000" dirty="0"/>
+                <a:t>|</a:t>
+              </a:r>
+              <a:endParaRPr lang="en-US" sz="3000" i="1" dirty="0"/>
+            </a:p>
+          </p:txBody>
+        </p:sp>
+      </p:grpSp>
+    </p:spTree>
+    <p:extLst>
+      <p:ext uri="{BB962C8B-B14F-4D97-AF65-F5344CB8AC3E}">
+        <p14:creationId xmlns:p14="http://schemas.microsoft.com/office/powerpoint/2010/main" val="2780766519"/>
+      </p:ext>
+    </p:extLst>
+  </p:cSld>
+  <p:clrMapOvr>
+    <a:masterClrMapping/>
+  </p:clrMapOvr>
+</p:sld>
+</file>
+
+<file path=ppt/slides/slide4.xml><?xml version="1.0" encoding="utf-8"?>
+<p:sld xmlns:a="http://schemas.openxmlformats.org/drawingml/2006/main" xmlns:r="http://schemas.openxmlformats.org/officeDocument/2006/relationships" xmlns:p="http://schemas.openxmlformats.org/presentationml/2006/main">
+  <p:cSld>
+    <p:spTree>
+      <p:nvGrpSpPr>
+        <p:cNvPr id="1" name=""/>
+        <p:cNvGrpSpPr/>
+        <p:nvPr/>
+      </p:nvGrpSpPr>
+      <p:grpSpPr>
+        <a:xfrm>
+          <a:off x="0" y="0"/>
+          <a:ext cx="0" cy="0"/>
+          <a:chOff x="0" y="0"/>
+          <a:chExt cx="0" cy="0"/>
+        </a:xfrm>
+      </p:grpSpPr>
+      <p:sp>
+        <p:nvSpPr>
+          <p:cNvPr id="10" name="TextBox 9">
+            <a:extLst>
+              <a:ext uri="{FF2B5EF4-FFF2-40B4-BE49-F238E27FC236}">
+                <a16:creationId xmlns:a16="http://schemas.microsoft.com/office/drawing/2014/main" id="{2C4D51AB-942B-FC45-BC1E-A73EAE9C61BD}"/>
+              </a:ext>
+            </a:extLst>
+          </p:cNvPr>
+          <p:cNvSpPr txBox="1"/>
+          <p:nvPr/>
+        </p:nvSpPr>
+        <p:spPr>
+          <a:xfrm>
+            <a:off x="0" y="0"/>
+            <a:ext cx="5423700" cy="461665"/>
+          </a:xfrm>
+          <a:prstGeom prst="rect">
+            <a:avLst/>
+          </a:prstGeom>
+          <a:solidFill>
+            <a:schemeClr val="accent2"/>
+          </a:solidFill>
+        </p:spPr>
+        <p:txBody>
+          <a:bodyPr wrap="square" rtlCol="0">
+            <a:spAutoFit/>
+          </a:bodyPr>
+          <a:lstStyle/>
+          <a:p>
+            <a:r>
+              <a:rPr lang="en-US" sz="2400" b="1" dirty="0"/>
+              <a:t>Heat engine efficiency</a:t>
+            </a:r>
+          </a:p>
+        </p:txBody>
+      </p:sp>
       <mc:AlternateContent xmlns:mc="http://schemas.openxmlformats.org/markup-compatibility/2006">
         <mc:Choice xmlns:a14="http://schemas.microsoft.com/office/drawing/2010/main" Requires="a14">
+          <p:sp>
+            <p:nvSpPr>
+              <p:cNvPr id="52" name="TextBox 51">
+                <a:extLst>
+                  <a:ext uri="{FF2B5EF4-FFF2-40B4-BE49-F238E27FC236}">
+                    <a16:creationId xmlns:a16="http://schemas.microsoft.com/office/drawing/2014/main" id="{B356847F-947E-854E-8A35-397154A4F8BA}"/>
+                  </a:ext>
+                </a:extLst>
+              </p:cNvPr>
+              <p:cNvSpPr txBox="1"/>
+              <p:nvPr/>
+            </p:nvSpPr>
+            <p:spPr>
+              <a:xfrm>
+                <a:off x="5246557" y="2725634"/>
+                <a:ext cx="6734061" cy="1406732"/>
+              </a:xfrm>
+              <a:prstGeom prst="rect">
+                <a:avLst/>
+              </a:prstGeom>
+              <a:noFill/>
+            </p:spPr>
+            <p:txBody>
+              <a:bodyPr wrap="square" rtlCol="0">
+                <a:spAutoFit/>
+              </a:bodyPr>
+              <a:lstStyle/>
+              <a:p>
+                <a:r>
+                  <a:rPr lang="en-US" sz="2400" dirty="0"/>
+                  <a:t>The </a:t>
+                </a:r>
+                <a:r>
+                  <a:rPr lang="en-US" sz="2400" b="1" dirty="0"/>
+                  <a:t>efficiency </a:t>
+                </a:r>
+                <a:r>
+                  <a:rPr lang="en-US" sz="2400" dirty="0"/>
+                  <a:t>of a heat engine is defined as </a:t>
+                </a:r>
+                <a14:m>
+                  <m:oMath xmlns:m="http://schemas.openxmlformats.org/officeDocument/2006/math">
+                    <m:sSub>
+                      <m:sSubPr>
+                        <m:ctrlPr>
+                          <a:rPr lang="en-US" sz="2400" b="1" i="1" smtClean="0">
+                            <a:solidFill>
+                              <a:srgbClr val="7030A0"/>
+                            </a:solidFill>
+                            <a:latin typeface="Cambria Math" panose="02040503050406030204" pitchFamily="18" charset="0"/>
+                          </a:rPr>
+                        </m:ctrlPr>
+                      </m:sSubPr>
+                      <m:e>
+                        <m:r>
+                          <a:rPr lang="en-US" sz="2400" b="1" i="1">
+                            <a:solidFill>
+                              <a:srgbClr val="7030A0"/>
+                            </a:solidFill>
+                            <a:latin typeface="Cambria Math" panose="02040503050406030204" pitchFamily="18" charset="0"/>
+                            <a:ea typeface="Cambria Math" panose="02040503050406030204" pitchFamily="18" charset="0"/>
+                          </a:rPr>
+                          <m:t>𝜺</m:t>
+                        </m:r>
+                        <m:r>
+                          <m:rPr>
+                            <m:nor/>
+                          </m:rPr>
+                          <a:rPr lang="en-US" sz="2400" b="1" i="0" smtClean="0">
+                            <a:solidFill>
+                              <a:srgbClr val="7030A0"/>
+                            </a:solidFill>
+                            <a:latin typeface="Cambria Math" panose="02040503050406030204" pitchFamily="18" charset="0"/>
+                            <a:ea typeface="Cambria Math" panose="02040503050406030204" pitchFamily="18" charset="0"/>
+                          </a:rPr>
+                          <m:t> </m:t>
+                        </m:r>
+                        <m:r>
+                          <m:rPr>
+                            <m:nor/>
+                          </m:rPr>
+                          <a:rPr lang="en-US" sz="2400" b="1" dirty="0">
+                            <a:solidFill>
+                              <a:srgbClr val="7030A0"/>
+                            </a:solidFill>
+                          </a:rPr>
+                          <m:t>=</m:t>
+                        </m:r>
+                        <m:r>
+                          <a:rPr lang="en-US" sz="2400" b="1" i="1">
+                            <a:solidFill>
+                              <a:srgbClr val="7030A0"/>
+                            </a:solidFill>
+                            <a:latin typeface="Cambria Math" panose="02040503050406030204" pitchFamily="18" charset="0"/>
+                          </a:rPr>
+                          <m:t>−</m:t>
+                        </m:r>
+                        <m:r>
+                          <a:rPr lang="en-US" sz="2400" b="1" i="1">
+                            <a:solidFill>
+                              <a:srgbClr val="7030A0"/>
+                            </a:solidFill>
+                            <a:latin typeface="Cambria Math" panose="02040503050406030204" pitchFamily="18" charset="0"/>
+                          </a:rPr>
+                          <m:t>𝒘</m:t>
+                        </m:r>
+                      </m:e>
+                      <m:sub>
+                        <m:r>
+                          <a:rPr lang="en-US" sz="2400" b="1" i="1">
+                            <a:solidFill>
+                              <a:srgbClr val="7030A0"/>
+                            </a:solidFill>
+                            <a:latin typeface="Cambria Math" panose="02040503050406030204" pitchFamily="18" charset="0"/>
+                          </a:rPr>
+                          <m:t>𝒕𝒐𝒕</m:t>
+                        </m:r>
+                      </m:sub>
+                    </m:sSub>
+                    <m:r>
+                      <a:rPr lang="en-US" sz="2400" b="1" i="1">
+                        <a:solidFill>
+                          <a:srgbClr val="7030A0"/>
+                        </a:solidFill>
+                        <a:latin typeface="Cambria Math" panose="02040503050406030204" pitchFamily="18" charset="0"/>
+                      </a:rPr>
+                      <m:t>/</m:t>
+                    </m:r>
+                    <m:sSub>
+                      <m:sSubPr>
+                        <m:ctrlPr>
+                          <a:rPr lang="en-US" sz="2400" b="1" i="1">
+                            <a:solidFill>
+                              <a:srgbClr val="7030A0"/>
+                            </a:solidFill>
+                            <a:latin typeface="Cambria Math" panose="02040503050406030204" pitchFamily="18" charset="0"/>
+                          </a:rPr>
+                        </m:ctrlPr>
+                      </m:sSubPr>
+                      <m:e>
+                        <m:r>
+                          <a:rPr lang="en-US" sz="2400" b="1" i="1">
+                            <a:solidFill>
+                              <a:srgbClr val="7030A0"/>
+                            </a:solidFill>
+                            <a:latin typeface="Cambria Math" panose="02040503050406030204" pitchFamily="18" charset="0"/>
+                          </a:rPr>
+                          <m:t>𝒒</m:t>
+                        </m:r>
+                      </m:e>
+                      <m:sub>
+                        <m:r>
+                          <a:rPr lang="en-US" sz="2400" b="1" i="1">
+                            <a:solidFill>
+                              <a:srgbClr val="7030A0"/>
+                            </a:solidFill>
+                            <a:latin typeface="Cambria Math" panose="02040503050406030204" pitchFamily="18" charset="0"/>
+                          </a:rPr>
+                          <m:t>𝒉𝒐𝒕</m:t>
+                        </m:r>
+                      </m:sub>
+                    </m:sSub>
+                  </m:oMath>
+                </a14:m>
+                <a:r>
+                  <a:rPr lang="en-US" sz="2400" dirty="0"/>
+                  <a:t>, which we want to be as </a:t>
+                </a:r>
+                <a:r>
+                  <a:rPr lang="en-US" sz="2400" b="1" dirty="0"/>
+                  <a:t>big as possible</a:t>
+                </a:r>
+                <a:r>
+                  <a:rPr lang="en-US" sz="2400" dirty="0"/>
+                  <a:t>. However, the biggest </a:t>
+                </a:r>
+                <a14:m>
+                  <m:oMath xmlns:m="http://schemas.openxmlformats.org/officeDocument/2006/math">
+                    <m:r>
+                      <a:rPr lang="en-US" sz="2400" b="1" i="1">
+                        <a:solidFill>
+                          <a:srgbClr val="7030A0"/>
+                        </a:solidFill>
+                        <a:latin typeface="Cambria Math" panose="02040503050406030204" pitchFamily="18" charset="0"/>
+                        <a:ea typeface="Cambria Math" panose="02040503050406030204" pitchFamily="18" charset="0"/>
+                      </a:rPr>
+                      <m:t>𝜺</m:t>
+                    </m:r>
+                  </m:oMath>
+                </a14:m>
+                <a:r>
+                  <a:rPr lang="en-US" sz="2400" dirty="0"/>
+                  <a:t> can get is </a:t>
+                </a:r>
+                <a14:m>
+                  <m:oMath xmlns:m="http://schemas.openxmlformats.org/officeDocument/2006/math">
+                    <m:r>
+                      <a:rPr lang="en-US" sz="2400" b="1" i="1">
+                        <a:solidFill>
+                          <a:srgbClr val="7030A0"/>
+                        </a:solidFill>
+                        <a:latin typeface="Cambria Math" panose="02040503050406030204" pitchFamily="18" charset="0"/>
+                        <a:ea typeface="Cambria Math" panose="02040503050406030204" pitchFamily="18" charset="0"/>
+                      </a:rPr>
+                      <m:t>𝟏</m:t>
+                    </m:r>
+                    <m:r>
+                      <a:rPr lang="en-US" sz="2400" b="1" i="1">
+                        <a:solidFill>
+                          <a:srgbClr val="7030A0"/>
+                        </a:solidFill>
+                        <a:latin typeface="Cambria Math" panose="02040503050406030204" pitchFamily="18" charset="0"/>
+                        <a:ea typeface="Cambria Math" panose="02040503050406030204" pitchFamily="18" charset="0"/>
+                      </a:rPr>
+                      <m:t>−</m:t>
+                    </m:r>
+                    <m:f>
+                      <m:fPr>
+                        <m:ctrlPr>
+                          <a:rPr lang="en-US" sz="2400" b="1" i="1">
+                            <a:solidFill>
+                              <a:srgbClr val="7030A0"/>
+                            </a:solidFill>
+                            <a:latin typeface="Cambria Math" panose="02040503050406030204" pitchFamily="18" charset="0"/>
+                            <a:ea typeface="Cambria Math" panose="02040503050406030204" pitchFamily="18" charset="0"/>
+                          </a:rPr>
+                        </m:ctrlPr>
+                      </m:fPr>
+                      <m:num>
+                        <m:sSub>
+                          <m:sSubPr>
+                            <m:ctrlPr>
+                              <a:rPr lang="en-US" sz="2400" b="1" i="1">
+                                <a:solidFill>
+                                  <a:srgbClr val="7030A0"/>
+                                </a:solidFill>
+                                <a:latin typeface="Cambria Math" panose="02040503050406030204" pitchFamily="18" charset="0"/>
+                                <a:ea typeface="Cambria Math" panose="02040503050406030204" pitchFamily="18" charset="0"/>
+                              </a:rPr>
+                            </m:ctrlPr>
+                          </m:sSubPr>
+                          <m:e>
+                            <m:r>
+                              <a:rPr lang="en-US" sz="2400" b="1" i="1">
+                                <a:solidFill>
+                                  <a:srgbClr val="7030A0"/>
+                                </a:solidFill>
+                                <a:latin typeface="Cambria Math" panose="02040503050406030204" pitchFamily="18" charset="0"/>
+                                <a:ea typeface="Cambria Math" panose="02040503050406030204" pitchFamily="18" charset="0"/>
+                              </a:rPr>
+                              <m:t>𝑻</m:t>
+                            </m:r>
+                          </m:e>
+                          <m:sub>
+                            <m:r>
+                              <a:rPr lang="en-US" sz="2400" b="1" i="1">
+                                <a:solidFill>
+                                  <a:srgbClr val="7030A0"/>
+                                </a:solidFill>
+                                <a:latin typeface="Cambria Math" panose="02040503050406030204" pitchFamily="18" charset="0"/>
+                                <a:ea typeface="Cambria Math" panose="02040503050406030204" pitchFamily="18" charset="0"/>
+                              </a:rPr>
+                              <m:t>𝑪</m:t>
+                            </m:r>
+                          </m:sub>
+                        </m:sSub>
+                      </m:num>
+                      <m:den>
+                        <m:sSub>
+                          <m:sSubPr>
+                            <m:ctrlPr>
+                              <a:rPr lang="en-US" sz="2400" b="1" i="1">
+                                <a:solidFill>
+                                  <a:srgbClr val="7030A0"/>
+                                </a:solidFill>
+                                <a:latin typeface="Cambria Math" panose="02040503050406030204" pitchFamily="18" charset="0"/>
+                                <a:ea typeface="Cambria Math" panose="02040503050406030204" pitchFamily="18" charset="0"/>
+                              </a:rPr>
+                            </m:ctrlPr>
+                          </m:sSubPr>
+                          <m:e>
+                            <m:r>
+                              <a:rPr lang="en-US" sz="2400" b="1" i="1">
+                                <a:solidFill>
+                                  <a:srgbClr val="7030A0"/>
+                                </a:solidFill>
+                                <a:latin typeface="Cambria Math" panose="02040503050406030204" pitchFamily="18" charset="0"/>
+                                <a:ea typeface="Cambria Math" panose="02040503050406030204" pitchFamily="18" charset="0"/>
+                              </a:rPr>
+                              <m:t>𝑻</m:t>
+                            </m:r>
+                          </m:e>
+                          <m:sub>
+                            <m:r>
+                              <a:rPr lang="en-US" sz="2400" b="1" i="1">
+                                <a:solidFill>
+                                  <a:srgbClr val="7030A0"/>
+                                </a:solidFill>
+                                <a:latin typeface="Cambria Math" panose="02040503050406030204" pitchFamily="18" charset="0"/>
+                                <a:ea typeface="Cambria Math" panose="02040503050406030204" pitchFamily="18" charset="0"/>
+                              </a:rPr>
+                              <m:t>𝑯</m:t>
+                            </m:r>
+                          </m:sub>
+                        </m:sSub>
+                      </m:den>
+                    </m:f>
+                  </m:oMath>
+                </a14:m>
+                <a:endParaRPr lang="en-US" sz="2400" dirty="0"/>
+              </a:p>
+            </p:txBody>
+          </p:sp>
+        </mc:Choice>
+        <mc:Fallback>
+          <p:sp>
+            <p:nvSpPr>
+              <p:cNvPr id="52" name="TextBox 51">
+                <a:extLst>
+                  <a:ext uri="{FF2B5EF4-FFF2-40B4-BE49-F238E27FC236}">
+                    <a16:creationId xmlns:a16="http://schemas.microsoft.com/office/drawing/2014/main" id="{B356847F-947E-854E-8A35-397154A4F8BA}"/>
+                  </a:ext>
+                </a:extLst>
+              </p:cNvPr>
+              <p:cNvSpPr txBox="1">
+                <a:spLocks noRot="1" noChangeAspect="1" noMove="1" noResize="1" noEditPoints="1" noAdjustHandles="1" noChangeArrowheads="1" noChangeShapeType="1" noTextEdit="1"/>
+              </p:cNvSpPr>
+              <p:nvPr/>
+            </p:nvSpPr>
+            <p:spPr>
+              <a:xfrm>
+                <a:off x="5246557" y="2725634"/>
+                <a:ext cx="6734061" cy="1406732"/>
+              </a:xfrm>
+              <a:prstGeom prst="rect">
+                <a:avLst/>
+              </a:prstGeom>
+              <a:blipFill>
+                <a:blip r:embed="rId2"/>
+                <a:stretch>
+                  <a:fillRect l="-1507" t="-3571"/>
+                </a:stretch>
+              </a:blipFill>
+            </p:spPr>
+            <p:txBody>
+              <a:bodyPr/>
+              <a:lstStyle/>
+              <a:p>
+                <a:r>
+                  <a:rPr lang="en-US">
+                    <a:noFill/>
+                  </a:rPr>
+                  <a:t> </a:t>
+                </a:r>
+              </a:p>
+            </p:txBody>
+          </p:sp>
+        </mc:Fallback>
+      </mc:AlternateContent>
+      <p:grpSp>
+        <p:nvGrpSpPr>
+          <p:cNvPr id="5" name="Group 4">
+            <a:extLst>
+              <a:ext uri="{FF2B5EF4-FFF2-40B4-BE49-F238E27FC236}">
+                <a16:creationId xmlns:a16="http://schemas.microsoft.com/office/drawing/2014/main" id="{55007A95-F639-0CD3-E2FC-7E9065346279}"/>
+              </a:ext>
+            </a:extLst>
+          </p:cNvPr>
+          <p:cNvGrpSpPr/>
+          <p:nvPr/>
+        </p:nvGrpSpPr>
+        <p:grpSpPr>
+          <a:xfrm>
+            <a:off x="440582" y="1275482"/>
+            <a:ext cx="4651512" cy="4762262"/>
+            <a:chOff x="440582" y="1275482"/>
+            <a:chExt cx="4651512" cy="4762262"/>
+          </a:xfrm>
+        </p:grpSpPr>
+        <p:grpSp>
+          <p:nvGrpSpPr>
+            <p:cNvPr id="7" name="Group 6">
+              <a:extLst>
+                <a:ext uri="{FF2B5EF4-FFF2-40B4-BE49-F238E27FC236}">
+                  <a16:creationId xmlns:a16="http://schemas.microsoft.com/office/drawing/2014/main" id="{9A6F45B8-CE4F-06DC-3C0B-453AA32AF352}"/>
+                </a:ext>
+              </a:extLst>
+            </p:cNvPr>
+            <p:cNvGrpSpPr/>
+            <p:nvPr/>
+          </p:nvGrpSpPr>
+          <p:grpSpPr>
+            <a:xfrm>
+              <a:off x="440582" y="1275482"/>
+              <a:ext cx="4651512" cy="4762262"/>
+              <a:chOff x="7156175" y="720846"/>
+              <a:chExt cx="4651512" cy="4762262"/>
+            </a:xfrm>
+          </p:grpSpPr>
+          <p:pic>
+            <p:nvPicPr>
+              <p:cNvPr id="9" name="Picture 8">
+                <a:extLst>
+                  <a:ext uri="{FF2B5EF4-FFF2-40B4-BE49-F238E27FC236}">
+                    <a16:creationId xmlns:a16="http://schemas.microsoft.com/office/drawing/2014/main" id="{77D1B03E-0641-7ECA-8159-460A0505E2D6}"/>
+                  </a:ext>
+                </a:extLst>
+              </p:cNvPr>
+              <p:cNvPicPr>
+                <a:picLocks noChangeAspect="1"/>
+              </p:cNvPicPr>
+              <p:nvPr/>
+            </p:nvPicPr>
+            <p:blipFill rotWithShape="1">
+              <a:blip r:embed="rId3"/>
+              <a:srcRect l="12127" t="47139" r="46124" b="19832"/>
+              <a:stretch/>
+            </p:blipFill>
+            <p:spPr>
+              <a:xfrm>
+                <a:off x="7156175" y="720846"/>
+                <a:ext cx="4651512" cy="4762262"/>
+              </a:xfrm>
+              <a:prstGeom prst="rect">
+                <a:avLst/>
+              </a:prstGeom>
+            </p:spPr>
+          </p:pic>
+          <mc:AlternateContent xmlns:mc="http://schemas.openxmlformats.org/markup-compatibility/2006" xmlns:a14="http://schemas.microsoft.com/office/drawing/2010/main">
+            <mc:Choice Requires="a14">
+              <p:sp>
+                <p:nvSpPr>
+                  <p:cNvPr id="11" name="TextBox 10">
+                    <a:extLst>
+                      <a:ext uri="{FF2B5EF4-FFF2-40B4-BE49-F238E27FC236}">
+                        <a16:creationId xmlns:a16="http://schemas.microsoft.com/office/drawing/2014/main" id="{28EAD2CC-3CA8-858F-A168-3A6BCC3D3323}"/>
+                      </a:ext>
+                    </a:extLst>
+                  </p:cNvPr>
+                  <p:cNvSpPr txBox="1"/>
+                  <p:nvPr/>
+                </p:nvSpPr>
+                <p:spPr>
+                  <a:xfrm>
+                    <a:off x="7443700" y="930854"/>
+                    <a:ext cx="4271221" cy="461665"/>
+                  </a:xfrm>
+                  <a:prstGeom prst="rect">
+                    <a:avLst/>
+                  </a:prstGeom>
+                  <a:solidFill>
+                    <a:srgbClr val="FF0000"/>
+                  </a:solidFill>
+                </p:spPr>
+                <p:txBody>
+                  <a:bodyPr wrap="square" rtlCol="0">
+                    <a:spAutoFit/>
+                  </a:bodyPr>
+                  <a:lstStyle/>
+                  <a:p>
+                    <a:pPr/>
+                    <a14:m>
+                      <m:oMathPara xmlns:m="http://schemas.openxmlformats.org/officeDocument/2006/math">
+                        <m:oMathParaPr>
+                          <m:jc m:val="centerGroup"/>
+                        </m:oMathParaPr>
+                        <m:oMath xmlns:m="http://schemas.openxmlformats.org/officeDocument/2006/math">
+                          <m:sSub>
+                            <m:sSubPr>
+                              <m:ctrlPr>
+                                <a:rPr lang="en-US" sz="2400" b="0" i="1" smtClean="0">
+                                  <a:solidFill>
+                                    <a:schemeClr val="tx1"/>
+                                  </a:solidFill>
+                                  <a:latin typeface="Cambria Math" panose="02040503050406030204" pitchFamily="18" charset="0"/>
+                                </a:rPr>
+                              </m:ctrlPr>
+                            </m:sSubPr>
+                            <m:e>
+                              <m:r>
+                                <a:rPr lang="en-US" sz="2400" b="0" i="1" smtClean="0">
+                                  <a:solidFill>
+                                    <a:schemeClr val="tx1"/>
+                                  </a:solidFill>
+                                  <a:latin typeface="Cambria Math" panose="02040503050406030204" pitchFamily="18" charset="0"/>
+                                </a:rPr>
+                                <m:t>𝑇</m:t>
+                              </m:r>
+                            </m:e>
+                            <m:sub>
+                              <m:r>
+                                <a:rPr lang="en-US" sz="2400" b="0" i="1" smtClean="0">
+                                  <a:solidFill>
+                                    <a:schemeClr val="tx1"/>
+                                  </a:solidFill>
+                                  <a:latin typeface="Cambria Math" panose="02040503050406030204" pitchFamily="18" charset="0"/>
+                                </a:rPr>
+                                <m:t>𝐻</m:t>
+                              </m:r>
+                            </m:sub>
+                          </m:sSub>
+                        </m:oMath>
+                      </m:oMathPara>
+                    </a14:m>
+                    <a:endParaRPr lang="en-US" sz="2400" dirty="0">
+                      <a:solidFill>
+                        <a:schemeClr val="tx1"/>
+                      </a:solidFill>
+                    </a:endParaRPr>
+                  </a:p>
+                </p:txBody>
+              </p:sp>
+            </mc:Choice>
+            <mc:Fallback xmlns="">
+              <p:sp>
+                <p:nvSpPr>
+                  <p:cNvPr id="11" name="TextBox 10">
+                    <a:extLst>
+                      <a:ext uri="{FF2B5EF4-FFF2-40B4-BE49-F238E27FC236}">
+                        <a16:creationId xmlns:a16="http://schemas.microsoft.com/office/drawing/2014/main" id="{28EAD2CC-3CA8-858F-A168-3A6BCC3D3323}"/>
+                      </a:ext>
+                    </a:extLst>
+                  </p:cNvPr>
+                  <p:cNvSpPr txBox="1">
+                    <a:spLocks noRot="1" noChangeAspect="1" noMove="1" noResize="1" noEditPoints="1" noAdjustHandles="1" noChangeArrowheads="1" noChangeShapeType="1" noTextEdit="1"/>
+                  </p:cNvSpPr>
+                  <p:nvPr/>
+                </p:nvSpPr>
+                <p:spPr>
+                  <a:xfrm>
+                    <a:off x="7443700" y="930854"/>
+                    <a:ext cx="4271221" cy="461665"/>
+                  </a:xfrm>
+                  <a:prstGeom prst="rect">
+                    <a:avLst/>
+                  </a:prstGeom>
+                  <a:blipFill>
+                    <a:blip r:embed="rId4"/>
+                    <a:stretch>
+                      <a:fillRect b="-2703"/>
+                    </a:stretch>
+                  </a:blipFill>
+                </p:spPr>
+                <p:txBody>
+                  <a:bodyPr/>
+                  <a:lstStyle/>
+                  <a:p>
+                    <a:r>
+                      <a:rPr lang="en-US">
+                        <a:noFill/>
+                      </a:rPr>
+                      <a:t> </a:t>
+                    </a:r>
+                  </a:p>
+                </p:txBody>
+              </p:sp>
+            </mc:Fallback>
+          </mc:AlternateContent>
+          <mc:AlternateContent xmlns:mc="http://schemas.openxmlformats.org/markup-compatibility/2006" xmlns:a14="http://schemas.microsoft.com/office/drawing/2010/main">
+            <mc:Choice Requires="a14">
+              <p:sp>
+                <p:nvSpPr>
+                  <p:cNvPr id="12" name="TextBox 11">
+                    <a:extLst>
+                      <a:ext uri="{FF2B5EF4-FFF2-40B4-BE49-F238E27FC236}">
+                        <a16:creationId xmlns:a16="http://schemas.microsoft.com/office/drawing/2014/main" id="{1C7A8C69-CE37-AA00-6109-8ABD3B952CA5}"/>
+                      </a:ext>
+                    </a:extLst>
+                  </p:cNvPr>
+                  <p:cNvSpPr txBox="1"/>
+                  <p:nvPr/>
+                </p:nvSpPr>
+                <p:spPr>
+                  <a:xfrm>
+                    <a:off x="7443700" y="4821537"/>
+                    <a:ext cx="4284473" cy="461665"/>
+                  </a:xfrm>
+                  <a:prstGeom prst="rect">
+                    <a:avLst/>
+                  </a:prstGeom>
+                  <a:solidFill>
+                    <a:schemeClr val="accent1"/>
+                  </a:solidFill>
+                </p:spPr>
+                <p:txBody>
+                  <a:bodyPr wrap="square" rtlCol="0">
+                    <a:spAutoFit/>
+                  </a:bodyPr>
+                  <a:lstStyle/>
+                  <a:p>
+                    <a:pPr/>
+                    <a14:m>
+                      <m:oMathPara xmlns:m="http://schemas.openxmlformats.org/officeDocument/2006/math">
+                        <m:oMathParaPr>
+                          <m:jc m:val="centerGroup"/>
+                        </m:oMathParaPr>
+                        <m:oMath xmlns:m="http://schemas.openxmlformats.org/officeDocument/2006/math">
+                          <m:sSub>
+                            <m:sSubPr>
+                              <m:ctrlPr>
+                                <a:rPr lang="en-US" sz="2400" b="0" i="1" smtClean="0">
+                                  <a:solidFill>
+                                    <a:schemeClr val="tx1"/>
+                                  </a:solidFill>
+                                  <a:latin typeface="Cambria Math" panose="02040503050406030204" pitchFamily="18" charset="0"/>
+                                </a:rPr>
+                              </m:ctrlPr>
+                            </m:sSubPr>
+                            <m:e>
+                              <m:r>
+                                <a:rPr lang="en-US" sz="2400" b="0" i="1" smtClean="0">
+                                  <a:solidFill>
+                                    <a:schemeClr val="tx1"/>
+                                  </a:solidFill>
+                                  <a:latin typeface="Cambria Math" panose="02040503050406030204" pitchFamily="18" charset="0"/>
+                                </a:rPr>
+                                <m:t>𝑇</m:t>
+                              </m:r>
+                            </m:e>
+                            <m:sub>
+                              <m:r>
+                                <a:rPr lang="en-US" sz="2400" b="0" i="1" smtClean="0">
+                                  <a:solidFill>
+                                    <a:schemeClr val="tx1"/>
+                                  </a:solidFill>
+                                  <a:latin typeface="Cambria Math" panose="02040503050406030204" pitchFamily="18" charset="0"/>
+                                </a:rPr>
+                                <m:t>𝐶</m:t>
+                              </m:r>
+                            </m:sub>
+                          </m:sSub>
+                        </m:oMath>
+                      </m:oMathPara>
+                    </a14:m>
+                    <a:endParaRPr lang="en-US" sz="2400" dirty="0">
+                      <a:solidFill>
+                        <a:schemeClr val="tx1"/>
+                      </a:solidFill>
+                    </a:endParaRPr>
+                  </a:p>
+                </p:txBody>
+              </p:sp>
+            </mc:Choice>
+            <mc:Fallback xmlns="">
+              <p:sp>
+                <p:nvSpPr>
+                  <p:cNvPr id="12" name="TextBox 11">
+                    <a:extLst>
+                      <a:ext uri="{FF2B5EF4-FFF2-40B4-BE49-F238E27FC236}">
+                        <a16:creationId xmlns:a16="http://schemas.microsoft.com/office/drawing/2014/main" id="{1C7A8C69-CE37-AA00-6109-8ABD3B952CA5}"/>
+                      </a:ext>
+                    </a:extLst>
+                  </p:cNvPr>
+                  <p:cNvSpPr txBox="1">
+                    <a:spLocks noRot="1" noChangeAspect="1" noMove="1" noResize="1" noEditPoints="1" noAdjustHandles="1" noChangeArrowheads="1" noChangeShapeType="1" noTextEdit="1"/>
+                  </p:cNvSpPr>
+                  <p:nvPr/>
+                </p:nvSpPr>
+                <p:spPr>
+                  <a:xfrm>
+                    <a:off x="7443700" y="4821537"/>
+                    <a:ext cx="4284473" cy="461665"/>
+                  </a:xfrm>
+                  <a:prstGeom prst="rect">
+                    <a:avLst/>
+                  </a:prstGeom>
+                  <a:blipFill>
+                    <a:blip r:embed="rId5"/>
+                    <a:stretch>
+                      <a:fillRect b="-2703"/>
+                    </a:stretch>
+                  </a:blipFill>
+                </p:spPr>
+                <p:txBody>
+                  <a:bodyPr/>
+                  <a:lstStyle/>
+                  <a:p>
+                    <a:r>
+                      <a:rPr lang="en-US">
+                        <a:noFill/>
+                      </a:rPr>
+                      <a:t> </a:t>
+                    </a:r>
+                  </a:p>
+                </p:txBody>
+              </p:sp>
+            </mc:Fallback>
+          </mc:AlternateContent>
+        </p:grpSp>
+        <p:sp>
+          <p:nvSpPr>
+            <p:cNvPr id="8" name="TextBox 7">
+              <a:extLst>
+                <a:ext uri="{FF2B5EF4-FFF2-40B4-BE49-F238E27FC236}">
+                  <a16:creationId xmlns:a16="http://schemas.microsoft.com/office/drawing/2014/main" id="{864E4776-4C06-9248-245C-40100239393A}"/>
+                </a:ext>
+              </a:extLst>
+            </p:cNvPr>
+            <p:cNvSpPr txBox="1"/>
+            <p:nvPr/>
+          </p:nvSpPr>
+          <p:spPr>
+            <a:xfrm>
+              <a:off x="1063790" y="4621923"/>
+              <a:ext cx="1186667" cy="553998"/>
+            </a:xfrm>
+            <a:prstGeom prst="rect">
+              <a:avLst/>
+            </a:prstGeom>
+            <a:solidFill>
+              <a:schemeClr val="bg1"/>
+            </a:solidFill>
+          </p:spPr>
+          <p:txBody>
+            <a:bodyPr wrap="square" rtlCol="0">
+              <a:spAutoFit/>
+            </a:bodyPr>
+            <a:lstStyle/>
+            <a:p>
+              <a:r>
+                <a:rPr lang="en-US" sz="3000" dirty="0"/>
+                <a:t>|</a:t>
+              </a:r>
+              <a:r>
+                <a:rPr lang="en-US" sz="3000" i="1" dirty="0"/>
+                <a:t>Q</a:t>
+              </a:r>
+              <a:r>
+                <a:rPr lang="en-US" sz="3000" i="1" baseline="-25000" dirty="0"/>
+                <a:t>C</a:t>
+              </a:r>
+              <a:r>
+                <a:rPr lang="en-US" sz="3000" dirty="0"/>
+                <a:t>|</a:t>
+              </a:r>
+              <a:endParaRPr lang="en-US" sz="3000" i="1" dirty="0"/>
+            </a:p>
+          </p:txBody>
+        </p:sp>
+      </p:grpSp>
+    </p:spTree>
+    <p:extLst>
+      <p:ext uri="{BB962C8B-B14F-4D97-AF65-F5344CB8AC3E}">
+        <p14:creationId xmlns:p14="http://schemas.microsoft.com/office/powerpoint/2010/main" val="3500794275"/>
+      </p:ext>
+    </p:extLst>
+  </p:cSld>
+  <p:clrMapOvr>
+    <a:masterClrMapping/>
+  </p:clrMapOvr>
+</p:sld>
+</file>
+
+<file path=ppt/slides/slide5.xml><?xml version="1.0" encoding="utf-8"?>
+<p:sld xmlns:a="http://schemas.openxmlformats.org/drawingml/2006/main" xmlns:r="http://schemas.openxmlformats.org/officeDocument/2006/relationships" xmlns:p="http://schemas.openxmlformats.org/presentationml/2006/main">
+  <p:cSld>
+    <p:spTree>
+      <p:nvGrpSpPr>
+        <p:cNvPr id="1" name=""/>
+        <p:cNvGrpSpPr/>
+        <p:nvPr/>
+      </p:nvGrpSpPr>
+      <p:grpSpPr>
+        <a:xfrm>
+          <a:off x="0" y="0"/>
+          <a:ext cx="0" cy="0"/>
+          <a:chOff x="0" y="0"/>
+          <a:chExt cx="0" cy="0"/>
+        </a:xfrm>
+      </p:grpSpPr>
+      <p:sp>
+        <p:nvSpPr>
+          <p:cNvPr id="10" name="TextBox 9">
+            <a:extLst>
+              <a:ext uri="{FF2B5EF4-FFF2-40B4-BE49-F238E27FC236}">
+                <a16:creationId xmlns:a16="http://schemas.microsoft.com/office/drawing/2014/main" id="{2C4D51AB-942B-FC45-BC1E-A73EAE9C61BD}"/>
+              </a:ext>
+            </a:extLst>
+          </p:cNvPr>
+          <p:cNvSpPr txBox="1"/>
+          <p:nvPr/>
+        </p:nvSpPr>
+        <p:spPr>
+          <a:xfrm>
+            <a:off x="0" y="0"/>
+            <a:ext cx="3897443" cy="461665"/>
+          </a:xfrm>
+          <a:prstGeom prst="rect">
+            <a:avLst/>
+          </a:prstGeom>
+          <a:solidFill>
+            <a:schemeClr val="accent2"/>
+          </a:solidFill>
+        </p:spPr>
+        <p:txBody>
+          <a:bodyPr wrap="square" rtlCol="0">
+            <a:spAutoFit/>
+          </a:bodyPr>
+          <a:lstStyle/>
+          <a:p>
+            <a:r>
+              <a:rPr lang="en-US" sz="2400" b="1" dirty="0"/>
+              <a:t>Heat engines vs heat pumps</a:t>
+            </a:r>
+          </a:p>
+        </p:txBody>
+      </p:sp>
+      <p:sp>
+        <p:nvSpPr>
+          <p:cNvPr id="52" name="TextBox 51">
+            <a:extLst>
+              <a:ext uri="{FF2B5EF4-FFF2-40B4-BE49-F238E27FC236}">
+                <a16:creationId xmlns:a16="http://schemas.microsoft.com/office/drawing/2014/main" id="{B356847F-947E-854E-8A35-397154A4F8BA}"/>
+              </a:ext>
+            </a:extLst>
+          </p:cNvPr>
+          <p:cNvSpPr txBox="1"/>
+          <p:nvPr/>
+        </p:nvSpPr>
+        <p:spPr>
+          <a:xfrm>
+            <a:off x="78504" y="609675"/>
+            <a:ext cx="6532157" cy="1569660"/>
+          </a:xfrm>
+          <a:prstGeom prst="rect">
+            <a:avLst/>
+          </a:prstGeom>
+          <a:noFill/>
+        </p:spPr>
+        <p:txBody>
+          <a:bodyPr wrap="square" rtlCol="0">
+            <a:spAutoFit/>
+          </a:bodyPr>
+          <a:lstStyle/>
+          <a:p>
+            <a:r>
+              <a:rPr lang="en-US" sz="2400" dirty="0"/>
+              <a:t>A </a:t>
+            </a:r>
+            <a:r>
+              <a:rPr lang="en-US" sz="2400" b="1" dirty="0"/>
+              <a:t>heat engine</a:t>
+            </a:r>
+            <a:r>
+              <a:rPr lang="en-US" sz="2400" dirty="0"/>
+              <a:t>’s job is to convert heat from a hot place (like a furnace) into work (electricity), dumping the waste heat into a cold place (the ocean or something).</a:t>
+            </a:r>
+          </a:p>
+        </p:txBody>
+      </p:sp>
+      <p:pic>
+        <p:nvPicPr>
+          <p:cNvPr id="1026" name="Picture 2">
+            <a:extLst>
+              <a:ext uri="{FF2B5EF4-FFF2-40B4-BE49-F238E27FC236}">
+                <a16:creationId xmlns:a16="http://schemas.microsoft.com/office/drawing/2014/main" id="{79C45481-0983-EDB6-F2E0-CD8EC5CEAC59}"/>
+              </a:ext>
+            </a:extLst>
+          </p:cNvPr>
+          <p:cNvPicPr>
+            <a:picLocks noChangeAspect="1" noChangeArrowheads="1"/>
+          </p:cNvPicPr>
+          <p:nvPr/>
+        </p:nvPicPr>
+        <p:blipFill>
+          <a:blip r:embed="rId2">
+            <a:extLst>
+              <a:ext uri="{28A0092B-C50C-407E-A947-70E740481C1C}">
+                <a14:useLocalDpi xmlns:a14="http://schemas.microsoft.com/office/drawing/2010/main" val="0"/>
+              </a:ext>
+            </a:extLst>
+          </a:blip>
+          <a:srcRect/>
+          <a:stretch>
+            <a:fillRect/>
+          </a:stretch>
+        </p:blipFill>
+        <p:spPr bwMode="auto">
+          <a:xfrm>
+            <a:off x="7219765" y="1394505"/>
+            <a:ext cx="4324972" cy="4851695"/>
+          </a:xfrm>
+          <a:prstGeom prst="rect">
+            <a:avLst/>
+          </a:prstGeom>
+          <a:noFill/>
+          <a:extLst>
+            <a:ext uri="{909E8E84-426E-40DD-AFC4-6F175D3DCCD1}">
+              <a14:hiddenFill xmlns:a14="http://schemas.microsoft.com/office/drawing/2010/main">
+                <a:solidFill>
+                  <a:srgbClr val="FFFFFF"/>
+                </a:solidFill>
+              </a14:hiddenFill>
+            </a:ext>
+          </a:extLst>
+        </p:spPr>
+      </p:pic>
+      <p:sp>
+        <p:nvSpPr>
+          <p:cNvPr id="7" name="TextBox 6">
+            <a:extLst>
+              <a:ext uri="{FF2B5EF4-FFF2-40B4-BE49-F238E27FC236}">
+                <a16:creationId xmlns:a16="http://schemas.microsoft.com/office/drawing/2014/main" id="{82EA1F81-0D53-4305-EA29-BCB76E4527BE}"/>
+              </a:ext>
+            </a:extLst>
+          </p:cNvPr>
+          <p:cNvSpPr txBox="1"/>
+          <p:nvPr/>
+        </p:nvSpPr>
+        <p:spPr>
+          <a:xfrm>
+            <a:off x="6610661" y="221474"/>
+            <a:ext cx="4868249" cy="1569660"/>
+          </a:xfrm>
+          <a:prstGeom prst="rect">
+            <a:avLst/>
+          </a:prstGeom>
+          <a:noFill/>
+        </p:spPr>
+        <p:txBody>
+          <a:bodyPr wrap="square" rtlCol="0">
+            <a:spAutoFit/>
+          </a:bodyPr>
+          <a:lstStyle/>
+          <a:p>
+            <a:r>
+              <a:rPr lang="en-US" sz="2400" dirty="0"/>
+              <a:t>A </a:t>
+            </a:r>
+            <a:r>
+              <a:rPr lang="en-US" sz="2400" b="1" dirty="0"/>
+              <a:t>heat pump</a:t>
+            </a:r>
+            <a:r>
+              <a:rPr lang="en-US" sz="2400" dirty="0"/>
+              <a:t>’s job is to use work (electricity) to move heat from a cold place (like outside) to a warm place (your house).</a:t>
+            </a:r>
+          </a:p>
+        </p:txBody>
+      </p:sp>
+      <p:grpSp>
+        <p:nvGrpSpPr>
+          <p:cNvPr id="15" name="Group 14">
+            <a:extLst>
+              <a:ext uri="{FF2B5EF4-FFF2-40B4-BE49-F238E27FC236}">
+                <a16:creationId xmlns:a16="http://schemas.microsoft.com/office/drawing/2014/main" id="{D1F21C83-92DA-6844-8913-B4ACDF53FDD5}"/>
+              </a:ext>
+            </a:extLst>
+          </p:cNvPr>
+          <p:cNvGrpSpPr/>
+          <p:nvPr/>
+        </p:nvGrpSpPr>
+        <p:grpSpPr>
+          <a:xfrm>
+            <a:off x="440582" y="1980013"/>
+            <a:ext cx="4651512" cy="4762262"/>
+            <a:chOff x="7156175" y="720846"/>
+            <a:chExt cx="4651512" cy="4762262"/>
+          </a:xfrm>
+        </p:grpSpPr>
+        <p:pic>
+          <p:nvPicPr>
+            <p:cNvPr id="16" name="Picture 15">
+              <a:extLst>
+                <a:ext uri="{FF2B5EF4-FFF2-40B4-BE49-F238E27FC236}">
+                  <a16:creationId xmlns:a16="http://schemas.microsoft.com/office/drawing/2014/main" id="{33D7D60F-F114-3808-6138-CB6453E2FC43}"/>
+                </a:ext>
+              </a:extLst>
+            </p:cNvPr>
+            <p:cNvPicPr>
+              <a:picLocks noChangeAspect="1"/>
+            </p:cNvPicPr>
+            <p:nvPr/>
+          </p:nvPicPr>
+          <p:blipFill rotWithShape="1">
+            <a:blip r:embed="rId3"/>
+            <a:srcRect l="12127" t="47139" r="46124" b="19832"/>
+            <a:stretch/>
+          </p:blipFill>
+          <p:spPr>
+            <a:xfrm>
+              <a:off x="7156175" y="720846"/>
+              <a:ext cx="4651512" cy="4762262"/>
+            </a:xfrm>
+            <a:prstGeom prst="rect">
+              <a:avLst/>
+            </a:prstGeom>
+          </p:spPr>
+        </p:pic>
+        <mc:AlternateContent xmlns:mc="http://schemas.openxmlformats.org/markup-compatibility/2006" xmlns:a14="http://schemas.microsoft.com/office/drawing/2010/main">
+          <mc:Choice Requires="a14">
+            <p:sp>
+              <p:nvSpPr>
+                <p:cNvPr id="17" name="TextBox 16">
+                  <a:extLst>
+                    <a:ext uri="{FF2B5EF4-FFF2-40B4-BE49-F238E27FC236}">
+                      <a16:creationId xmlns:a16="http://schemas.microsoft.com/office/drawing/2014/main" id="{424B7769-D483-B979-BBCB-B534237BEF4A}"/>
+                    </a:ext>
+                  </a:extLst>
+                </p:cNvPr>
+                <p:cNvSpPr txBox="1"/>
+                <p:nvPr/>
+              </p:nvSpPr>
+              <p:spPr>
+                <a:xfrm>
+                  <a:off x="7443700" y="930854"/>
+                  <a:ext cx="4271221" cy="461665"/>
+                </a:xfrm>
+                <a:prstGeom prst="rect">
+                  <a:avLst/>
+                </a:prstGeom>
+                <a:solidFill>
+                  <a:srgbClr val="FF0000"/>
+                </a:solidFill>
+              </p:spPr>
+              <p:txBody>
+                <a:bodyPr wrap="square" rtlCol="0">
+                  <a:spAutoFit/>
+                </a:bodyPr>
+                <a:lstStyle/>
+                <a:p>
+                  <a:pPr/>
+                  <a14:m>
+                    <m:oMathPara xmlns:m="http://schemas.openxmlformats.org/officeDocument/2006/math">
+                      <m:oMathParaPr>
+                        <m:jc m:val="centerGroup"/>
+                      </m:oMathParaPr>
+                      <m:oMath xmlns:m="http://schemas.openxmlformats.org/officeDocument/2006/math">
+                        <m:sSub>
+                          <m:sSubPr>
+                            <m:ctrlPr>
+                              <a:rPr lang="en-US" sz="2400" b="0" i="1" smtClean="0">
+                                <a:solidFill>
+                                  <a:schemeClr val="tx1"/>
+                                </a:solidFill>
+                                <a:latin typeface="Cambria Math" panose="02040503050406030204" pitchFamily="18" charset="0"/>
+                              </a:rPr>
+                            </m:ctrlPr>
+                          </m:sSubPr>
+                          <m:e>
+                            <m:r>
+                              <a:rPr lang="en-US" sz="2400" b="0" i="1" smtClean="0">
+                                <a:solidFill>
+                                  <a:schemeClr val="tx1"/>
+                                </a:solidFill>
+                                <a:latin typeface="Cambria Math" panose="02040503050406030204" pitchFamily="18" charset="0"/>
+                              </a:rPr>
+                              <m:t>𝑇</m:t>
+                            </m:r>
+                          </m:e>
+                          <m:sub>
+                            <m:r>
+                              <a:rPr lang="en-US" sz="2400" b="0" i="1" smtClean="0">
+                                <a:solidFill>
+                                  <a:schemeClr val="tx1"/>
+                                </a:solidFill>
+                                <a:latin typeface="Cambria Math" panose="02040503050406030204" pitchFamily="18" charset="0"/>
+                              </a:rPr>
+                              <m:t>𝐻</m:t>
+                            </m:r>
+                          </m:sub>
+                        </m:sSub>
+                      </m:oMath>
+                    </m:oMathPara>
+                  </a14:m>
+                  <a:endParaRPr lang="en-US" sz="2400" dirty="0">
+                    <a:solidFill>
+                      <a:schemeClr val="tx1"/>
+                    </a:solidFill>
+                  </a:endParaRPr>
+                </a:p>
+              </p:txBody>
+            </p:sp>
+          </mc:Choice>
+          <mc:Fallback xmlns="">
+            <p:sp>
+              <p:nvSpPr>
+                <p:cNvPr id="17" name="TextBox 16">
+                  <a:extLst>
+                    <a:ext uri="{FF2B5EF4-FFF2-40B4-BE49-F238E27FC236}">
+                      <a16:creationId xmlns:a16="http://schemas.microsoft.com/office/drawing/2014/main" id="{424B7769-D483-B979-BBCB-B534237BEF4A}"/>
+                    </a:ext>
+                  </a:extLst>
+                </p:cNvPr>
+                <p:cNvSpPr txBox="1">
+                  <a:spLocks noRot="1" noChangeAspect="1" noMove="1" noResize="1" noEditPoints="1" noAdjustHandles="1" noChangeArrowheads="1" noChangeShapeType="1" noTextEdit="1"/>
+                </p:cNvSpPr>
+                <p:nvPr/>
+              </p:nvSpPr>
+              <p:spPr>
+                <a:xfrm>
+                  <a:off x="7443700" y="930854"/>
+                  <a:ext cx="4271221" cy="461665"/>
+                </a:xfrm>
+                <a:prstGeom prst="rect">
+                  <a:avLst/>
+                </a:prstGeom>
+                <a:blipFill>
+                  <a:blip r:embed="rId4"/>
+                  <a:stretch>
+                    <a:fillRect b="-2703"/>
+                  </a:stretch>
+                </a:blipFill>
+              </p:spPr>
+              <p:txBody>
+                <a:bodyPr/>
+                <a:lstStyle/>
+                <a:p>
+                  <a:r>
+                    <a:rPr lang="en-US">
+                      <a:noFill/>
+                    </a:rPr>
+                    <a:t> </a:t>
+                  </a:r>
+                </a:p>
+              </p:txBody>
+            </p:sp>
+          </mc:Fallback>
+        </mc:AlternateContent>
+        <mc:AlternateContent xmlns:mc="http://schemas.openxmlformats.org/markup-compatibility/2006" xmlns:a14="http://schemas.microsoft.com/office/drawing/2010/main">
+          <mc:Choice Requires="a14">
+            <p:sp>
+              <p:nvSpPr>
+                <p:cNvPr id="18" name="TextBox 17">
+                  <a:extLst>
+                    <a:ext uri="{FF2B5EF4-FFF2-40B4-BE49-F238E27FC236}">
+                      <a16:creationId xmlns:a16="http://schemas.microsoft.com/office/drawing/2014/main" id="{4D62463B-E092-12B8-2754-4C22AD727ECF}"/>
+                    </a:ext>
+                  </a:extLst>
+                </p:cNvPr>
+                <p:cNvSpPr txBox="1"/>
+                <p:nvPr/>
+              </p:nvSpPr>
+              <p:spPr>
+                <a:xfrm>
+                  <a:off x="7443700" y="4821537"/>
+                  <a:ext cx="4284473" cy="461665"/>
+                </a:xfrm>
+                <a:prstGeom prst="rect">
+                  <a:avLst/>
+                </a:prstGeom>
+                <a:solidFill>
+                  <a:schemeClr val="accent1"/>
+                </a:solidFill>
+              </p:spPr>
+              <p:txBody>
+                <a:bodyPr wrap="square" rtlCol="0">
+                  <a:spAutoFit/>
+                </a:bodyPr>
+                <a:lstStyle/>
+                <a:p>
+                  <a:pPr/>
+                  <a14:m>
+                    <m:oMathPara xmlns:m="http://schemas.openxmlformats.org/officeDocument/2006/math">
+                      <m:oMathParaPr>
+                        <m:jc m:val="centerGroup"/>
+                      </m:oMathParaPr>
+                      <m:oMath xmlns:m="http://schemas.openxmlformats.org/officeDocument/2006/math">
+                        <m:sSub>
+                          <m:sSubPr>
+                            <m:ctrlPr>
+                              <a:rPr lang="en-US" sz="2400" b="0" i="1" smtClean="0">
+                                <a:solidFill>
+                                  <a:schemeClr val="tx1"/>
+                                </a:solidFill>
+                                <a:latin typeface="Cambria Math" panose="02040503050406030204" pitchFamily="18" charset="0"/>
+                              </a:rPr>
+                            </m:ctrlPr>
+                          </m:sSubPr>
+                          <m:e>
+                            <m:r>
+                              <a:rPr lang="en-US" sz="2400" b="0" i="1" smtClean="0">
+                                <a:solidFill>
+                                  <a:schemeClr val="tx1"/>
+                                </a:solidFill>
+                                <a:latin typeface="Cambria Math" panose="02040503050406030204" pitchFamily="18" charset="0"/>
+                              </a:rPr>
+                              <m:t>𝑇</m:t>
+                            </m:r>
+                          </m:e>
+                          <m:sub>
+                            <m:r>
+                              <a:rPr lang="en-US" sz="2400" b="0" i="1" smtClean="0">
+                                <a:solidFill>
+                                  <a:schemeClr val="tx1"/>
+                                </a:solidFill>
+                                <a:latin typeface="Cambria Math" panose="02040503050406030204" pitchFamily="18" charset="0"/>
+                              </a:rPr>
+                              <m:t>𝐶</m:t>
+                            </m:r>
+                          </m:sub>
+                        </m:sSub>
+                      </m:oMath>
+                    </m:oMathPara>
+                  </a14:m>
+                  <a:endParaRPr lang="en-US" sz="2400" dirty="0">
+                    <a:solidFill>
+                      <a:schemeClr val="tx1"/>
+                    </a:solidFill>
+                  </a:endParaRPr>
+                </a:p>
+              </p:txBody>
+            </p:sp>
+          </mc:Choice>
+          <mc:Fallback xmlns="">
+            <p:sp>
+              <p:nvSpPr>
+                <p:cNvPr id="18" name="TextBox 17">
+                  <a:extLst>
+                    <a:ext uri="{FF2B5EF4-FFF2-40B4-BE49-F238E27FC236}">
+                      <a16:creationId xmlns:a16="http://schemas.microsoft.com/office/drawing/2014/main" id="{4D62463B-E092-12B8-2754-4C22AD727ECF}"/>
+                    </a:ext>
+                  </a:extLst>
+                </p:cNvPr>
+                <p:cNvSpPr txBox="1">
+                  <a:spLocks noRot="1" noChangeAspect="1" noMove="1" noResize="1" noEditPoints="1" noAdjustHandles="1" noChangeArrowheads="1" noChangeShapeType="1" noTextEdit="1"/>
+                </p:cNvSpPr>
+                <p:nvPr/>
+              </p:nvSpPr>
+              <p:spPr>
+                <a:xfrm>
+                  <a:off x="7443700" y="4821537"/>
+                  <a:ext cx="4284473" cy="461665"/>
+                </a:xfrm>
+                <a:prstGeom prst="rect">
+                  <a:avLst/>
+                </a:prstGeom>
+                <a:blipFill>
+                  <a:blip r:embed="rId5"/>
+                  <a:stretch>
+                    <a:fillRect/>
+                  </a:stretch>
+                </a:blipFill>
+              </p:spPr>
+              <p:txBody>
+                <a:bodyPr/>
+                <a:lstStyle/>
+                <a:p>
+                  <a:r>
+                    <a:rPr lang="en-US">
+                      <a:noFill/>
+                    </a:rPr>
+                    <a:t> </a:t>
+                  </a:r>
+                </a:p>
+              </p:txBody>
+            </p:sp>
+          </mc:Fallback>
+        </mc:AlternateContent>
+      </p:grpSp>
+      <p:sp>
+        <p:nvSpPr>
+          <p:cNvPr id="3" name="TextBox 2">
+            <a:extLst>
+              <a:ext uri="{FF2B5EF4-FFF2-40B4-BE49-F238E27FC236}">
+                <a16:creationId xmlns:a16="http://schemas.microsoft.com/office/drawing/2014/main" id="{A5DBCE75-1244-7297-DB4C-804ABF99A96E}"/>
+              </a:ext>
+            </a:extLst>
+          </p:cNvPr>
+          <p:cNvSpPr txBox="1"/>
+          <p:nvPr/>
+        </p:nvSpPr>
+        <p:spPr>
+          <a:xfrm>
+            <a:off x="7059407" y="6396829"/>
+            <a:ext cx="4260548" cy="461171"/>
+          </a:xfrm>
+          <a:prstGeom prst="rect">
+            <a:avLst/>
+          </a:prstGeom>
+          <a:noFill/>
+        </p:spPr>
+        <p:txBody>
+          <a:bodyPr wrap="square">
+            <a:spAutoFit/>
+          </a:bodyPr>
+          <a:lstStyle/>
+          <a:p>
+            <a:r>
+              <a:rPr lang="en-US" sz="1200" dirty="0"/>
+              <a:t>https://</a:t>
+            </a:r>
+            <a:r>
+              <a:rPr lang="en-US" sz="1200" dirty="0" err="1"/>
+              <a:t>www.thermal-engineering.org</a:t>
+            </a:r>
+            <a:r>
+              <a:rPr lang="en-US" sz="1200" dirty="0"/>
+              <a:t>/what-is-coefficient-of-performance-cop-heat-pump-definition/</a:t>
+            </a:r>
+          </a:p>
+        </p:txBody>
+      </p:sp>
+    </p:spTree>
+    <p:extLst>
+      <p:ext uri="{BB962C8B-B14F-4D97-AF65-F5344CB8AC3E}">
+        <p14:creationId xmlns:p14="http://schemas.microsoft.com/office/powerpoint/2010/main" val="4043090074"/>
+      </p:ext>
+    </p:extLst>
+  </p:cSld>
+  <p:clrMapOvr>
+    <a:masterClrMapping/>
+  </p:clrMapOvr>
+</p:sld>
+</file>
+
+<file path=ppt/slides/slide6.xml><?xml version="1.0" encoding="utf-8"?>
+<p:sld xmlns:a="http://schemas.openxmlformats.org/drawingml/2006/main" xmlns:r="http://schemas.openxmlformats.org/officeDocument/2006/relationships" xmlns:p="http://schemas.openxmlformats.org/presentationml/2006/main">
+  <p:cSld>
+    <p:spTree>
+      <p:nvGrpSpPr>
+        <p:cNvPr id="1" name=""/>
+        <p:cNvGrpSpPr/>
+        <p:nvPr/>
+      </p:nvGrpSpPr>
+      <p:grpSpPr>
+        <a:xfrm>
+          <a:off x="0" y="0"/>
+          <a:ext cx="0" cy="0"/>
+          <a:chOff x="0" y="0"/>
+          <a:chExt cx="0" cy="0"/>
+        </a:xfrm>
+      </p:grpSpPr>
+      <p:pic>
+        <p:nvPicPr>
+          <p:cNvPr id="11" name="Picture 10">
+            <a:extLst>
+              <a:ext uri="{FF2B5EF4-FFF2-40B4-BE49-F238E27FC236}">
+                <a16:creationId xmlns:a16="http://schemas.microsoft.com/office/drawing/2014/main" id="{C3438989-E394-4942-82FD-477478DD2825}"/>
+              </a:ext>
+            </a:extLst>
+          </p:cNvPr>
+          <p:cNvPicPr>
+            <a:picLocks noChangeAspect="1"/>
+          </p:cNvPicPr>
+          <p:nvPr/>
+        </p:nvPicPr>
+        <p:blipFill>
+          <a:blip r:embed="rId2"/>
+          <a:stretch>
+            <a:fillRect/>
+          </a:stretch>
+        </p:blipFill>
+        <p:spPr>
+          <a:xfrm>
+            <a:off x="5379619" y="2160101"/>
+            <a:ext cx="7084483" cy="3677737"/>
+          </a:xfrm>
+          <a:prstGeom prst="rect">
+            <a:avLst/>
+          </a:prstGeom>
+        </p:spPr>
+      </p:pic>
+      <p:grpSp>
+        <p:nvGrpSpPr>
+          <p:cNvPr id="6" name="Group 5">
+            <a:extLst>
+              <a:ext uri="{FF2B5EF4-FFF2-40B4-BE49-F238E27FC236}">
+                <a16:creationId xmlns:a16="http://schemas.microsoft.com/office/drawing/2014/main" id="{C6ED161C-7DCF-8BA9-0648-CFF95511025C}"/>
+              </a:ext>
+            </a:extLst>
+          </p:cNvPr>
+          <p:cNvGrpSpPr/>
+          <p:nvPr/>
+        </p:nvGrpSpPr>
+        <p:grpSpPr>
+          <a:xfrm>
+            <a:off x="440582" y="1275482"/>
+            <a:ext cx="4651512" cy="4762262"/>
+            <a:chOff x="7156175" y="720846"/>
+            <a:chExt cx="4651512" cy="4762262"/>
+          </a:xfrm>
+        </p:grpSpPr>
+        <p:pic>
+          <p:nvPicPr>
+            <p:cNvPr id="12" name="Picture 11">
+              <a:extLst>
+                <a:ext uri="{FF2B5EF4-FFF2-40B4-BE49-F238E27FC236}">
+                  <a16:creationId xmlns:a16="http://schemas.microsoft.com/office/drawing/2014/main" id="{1275CF82-E49E-12FE-1C0A-99E957071409}"/>
+                </a:ext>
+              </a:extLst>
+            </p:cNvPr>
+            <p:cNvPicPr>
+              <a:picLocks noChangeAspect="1"/>
+            </p:cNvPicPr>
+            <p:nvPr/>
+          </p:nvPicPr>
+          <p:blipFill rotWithShape="1">
+            <a:blip r:embed="rId3"/>
+            <a:srcRect l="12127" t="47139" r="46124" b="19832"/>
+            <a:stretch/>
+          </p:blipFill>
+          <p:spPr>
+            <a:xfrm>
+              <a:off x="7156175" y="720846"/>
+              <a:ext cx="4651512" cy="4762262"/>
+            </a:xfrm>
+            <a:prstGeom prst="rect">
+              <a:avLst/>
+            </a:prstGeom>
+          </p:spPr>
+        </p:pic>
+        <mc:AlternateContent xmlns:mc="http://schemas.openxmlformats.org/markup-compatibility/2006" xmlns:a14="http://schemas.microsoft.com/office/drawing/2010/main">
+          <mc:Choice Requires="a14">
+            <p:sp>
+              <p:nvSpPr>
+                <p:cNvPr id="13" name="TextBox 12">
+                  <a:extLst>
+                    <a:ext uri="{FF2B5EF4-FFF2-40B4-BE49-F238E27FC236}">
+                      <a16:creationId xmlns:a16="http://schemas.microsoft.com/office/drawing/2014/main" id="{352B842C-21C5-7D6F-F197-34980798F681}"/>
+                    </a:ext>
+                  </a:extLst>
+                </p:cNvPr>
+                <p:cNvSpPr txBox="1"/>
+                <p:nvPr/>
+              </p:nvSpPr>
+              <p:spPr>
+                <a:xfrm>
+                  <a:off x="7443700" y="930854"/>
+                  <a:ext cx="4271221" cy="461665"/>
+                </a:xfrm>
+                <a:prstGeom prst="rect">
+                  <a:avLst/>
+                </a:prstGeom>
+                <a:solidFill>
+                  <a:srgbClr val="FF0000"/>
+                </a:solidFill>
+              </p:spPr>
+              <p:txBody>
+                <a:bodyPr wrap="square" rtlCol="0">
+                  <a:spAutoFit/>
+                </a:bodyPr>
+                <a:lstStyle/>
+                <a:p>
+                  <a:pPr/>
+                  <a14:m>
+                    <m:oMathPara xmlns:m="http://schemas.openxmlformats.org/officeDocument/2006/math">
+                      <m:oMathParaPr>
+                        <m:jc m:val="centerGroup"/>
+                      </m:oMathParaPr>
+                      <m:oMath xmlns:m="http://schemas.openxmlformats.org/officeDocument/2006/math">
+                        <m:sSub>
+                          <m:sSubPr>
+                            <m:ctrlPr>
+                              <a:rPr lang="en-US" sz="2400" b="0" i="1" smtClean="0">
+                                <a:solidFill>
+                                  <a:schemeClr val="tx1"/>
+                                </a:solidFill>
+                                <a:latin typeface="Cambria Math" panose="02040503050406030204" pitchFamily="18" charset="0"/>
+                              </a:rPr>
+                            </m:ctrlPr>
+                          </m:sSubPr>
+                          <m:e>
+                            <m:r>
+                              <a:rPr lang="en-US" sz="2400" b="0" i="1" smtClean="0">
+                                <a:solidFill>
+                                  <a:schemeClr val="tx1"/>
+                                </a:solidFill>
+                                <a:latin typeface="Cambria Math" panose="02040503050406030204" pitchFamily="18" charset="0"/>
+                              </a:rPr>
+                              <m:t>𝑇</m:t>
+                            </m:r>
+                          </m:e>
+                          <m:sub>
+                            <m:r>
+                              <a:rPr lang="en-US" sz="2400" b="0" i="1" smtClean="0">
+                                <a:solidFill>
+                                  <a:schemeClr val="tx1"/>
+                                </a:solidFill>
+                                <a:latin typeface="Cambria Math" panose="02040503050406030204" pitchFamily="18" charset="0"/>
+                              </a:rPr>
+                              <m:t>𝐻</m:t>
+                            </m:r>
+                          </m:sub>
+                        </m:sSub>
+                      </m:oMath>
+                    </m:oMathPara>
+                  </a14:m>
+                  <a:endParaRPr lang="en-US" sz="2400" dirty="0">
+                    <a:solidFill>
+                      <a:schemeClr val="tx1"/>
+                    </a:solidFill>
+                  </a:endParaRPr>
+                </a:p>
+              </p:txBody>
+            </p:sp>
+          </mc:Choice>
+          <mc:Fallback xmlns="">
+            <p:sp>
+              <p:nvSpPr>
+                <p:cNvPr id="13" name="TextBox 12">
+                  <a:extLst>
+                    <a:ext uri="{FF2B5EF4-FFF2-40B4-BE49-F238E27FC236}">
+                      <a16:creationId xmlns:a16="http://schemas.microsoft.com/office/drawing/2014/main" id="{352B842C-21C5-7D6F-F197-34980798F681}"/>
+                    </a:ext>
+                  </a:extLst>
+                </p:cNvPr>
+                <p:cNvSpPr txBox="1">
+                  <a:spLocks noRot="1" noChangeAspect="1" noMove="1" noResize="1" noEditPoints="1" noAdjustHandles="1" noChangeArrowheads="1" noChangeShapeType="1" noTextEdit="1"/>
+                </p:cNvSpPr>
+                <p:nvPr/>
+              </p:nvSpPr>
+              <p:spPr>
+                <a:xfrm>
+                  <a:off x="7443700" y="930854"/>
+                  <a:ext cx="4271221" cy="461665"/>
+                </a:xfrm>
+                <a:prstGeom prst="rect">
+                  <a:avLst/>
+                </a:prstGeom>
+                <a:blipFill>
+                  <a:blip r:embed="rId4"/>
+                  <a:stretch>
+                    <a:fillRect b="-2703"/>
+                  </a:stretch>
+                </a:blipFill>
+              </p:spPr>
+              <p:txBody>
+                <a:bodyPr/>
+                <a:lstStyle/>
+                <a:p>
+                  <a:r>
+                    <a:rPr lang="en-US">
+                      <a:noFill/>
+                    </a:rPr>
+                    <a:t> </a:t>
+                  </a:r>
+                </a:p>
+              </p:txBody>
+            </p:sp>
+          </mc:Fallback>
+        </mc:AlternateContent>
+        <mc:AlternateContent xmlns:mc="http://schemas.openxmlformats.org/markup-compatibility/2006" xmlns:a14="http://schemas.microsoft.com/office/drawing/2010/main">
+          <mc:Choice Requires="a14">
+            <p:sp>
+              <p:nvSpPr>
+                <p:cNvPr id="14" name="TextBox 13">
+                  <a:extLst>
+                    <a:ext uri="{FF2B5EF4-FFF2-40B4-BE49-F238E27FC236}">
+                      <a16:creationId xmlns:a16="http://schemas.microsoft.com/office/drawing/2014/main" id="{2EABFB4D-A24B-8DE5-40F9-1F6B21EDE77B}"/>
+                    </a:ext>
+                  </a:extLst>
+                </p:cNvPr>
+                <p:cNvSpPr txBox="1"/>
+                <p:nvPr/>
+              </p:nvSpPr>
+              <p:spPr>
+                <a:xfrm>
+                  <a:off x="7443700" y="4821537"/>
+                  <a:ext cx="4284473" cy="461665"/>
+                </a:xfrm>
+                <a:prstGeom prst="rect">
+                  <a:avLst/>
+                </a:prstGeom>
+                <a:solidFill>
+                  <a:schemeClr val="accent1"/>
+                </a:solidFill>
+              </p:spPr>
+              <p:txBody>
+                <a:bodyPr wrap="square" rtlCol="0">
+                  <a:spAutoFit/>
+                </a:bodyPr>
+                <a:lstStyle/>
+                <a:p>
+                  <a:pPr/>
+                  <a14:m>
+                    <m:oMathPara xmlns:m="http://schemas.openxmlformats.org/officeDocument/2006/math">
+                      <m:oMathParaPr>
+                        <m:jc m:val="centerGroup"/>
+                      </m:oMathParaPr>
+                      <m:oMath xmlns:m="http://schemas.openxmlformats.org/officeDocument/2006/math">
+                        <m:sSub>
+                          <m:sSubPr>
+                            <m:ctrlPr>
+                              <a:rPr lang="en-US" sz="2400" b="0" i="1" smtClean="0">
+                                <a:solidFill>
+                                  <a:schemeClr val="tx1"/>
+                                </a:solidFill>
+                                <a:latin typeface="Cambria Math" panose="02040503050406030204" pitchFamily="18" charset="0"/>
+                              </a:rPr>
+                            </m:ctrlPr>
+                          </m:sSubPr>
+                          <m:e>
+                            <m:r>
+                              <a:rPr lang="en-US" sz="2400" b="0" i="1" smtClean="0">
+                                <a:solidFill>
+                                  <a:schemeClr val="tx1"/>
+                                </a:solidFill>
+                                <a:latin typeface="Cambria Math" panose="02040503050406030204" pitchFamily="18" charset="0"/>
+                              </a:rPr>
+                              <m:t>𝑇</m:t>
+                            </m:r>
+                          </m:e>
+                          <m:sub>
+                            <m:r>
+                              <a:rPr lang="en-US" sz="2400" b="0" i="1" smtClean="0">
+                                <a:solidFill>
+                                  <a:schemeClr val="tx1"/>
+                                </a:solidFill>
+                                <a:latin typeface="Cambria Math" panose="02040503050406030204" pitchFamily="18" charset="0"/>
+                              </a:rPr>
+                              <m:t>𝐶</m:t>
+                            </m:r>
+                          </m:sub>
+                        </m:sSub>
+                      </m:oMath>
+                    </m:oMathPara>
+                  </a14:m>
+                  <a:endParaRPr lang="en-US" sz="2400" dirty="0">
+                    <a:solidFill>
+                      <a:schemeClr val="tx1"/>
+                    </a:solidFill>
+                  </a:endParaRPr>
+                </a:p>
+              </p:txBody>
+            </p:sp>
+          </mc:Choice>
+          <mc:Fallback xmlns="">
+            <p:sp>
+              <p:nvSpPr>
+                <p:cNvPr id="14" name="TextBox 13">
+                  <a:extLst>
+                    <a:ext uri="{FF2B5EF4-FFF2-40B4-BE49-F238E27FC236}">
+                      <a16:creationId xmlns:a16="http://schemas.microsoft.com/office/drawing/2014/main" id="{2EABFB4D-A24B-8DE5-40F9-1F6B21EDE77B}"/>
+                    </a:ext>
+                  </a:extLst>
+                </p:cNvPr>
+                <p:cNvSpPr txBox="1">
+                  <a:spLocks noRot="1" noChangeAspect="1" noMove="1" noResize="1" noEditPoints="1" noAdjustHandles="1" noChangeArrowheads="1" noChangeShapeType="1" noTextEdit="1"/>
+                </p:cNvSpPr>
+                <p:nvPr/>
+              </p:nvSpPr>
+              <p:spPr>
+                <a:xfrm>
+                  <a:off x="7443700" y="4821537"/>
+                  <a:ext cx="4284473" cy="461665"/>
+                </a:xfrm>
+                <a:prstGeom prst="rect">
+                  <a:avLst/>
+                </a:prstGeom>
+                <a:blipFill>
+                  <a:blip r:embed="rId5"/>
+                  <a:stretch>
+                    <a:fillRect b="-2703"/>
+                  </a:stretch>
+                </a:blipFill>
+              </p:spPr>
+              <p:txBody>
+                <a:bodyPr/>
+                <a:lstStyle/>
+                <a:p>
+                  <a:r>
+                    <a:rPr lang="en-US">
+                      <a:noFill/>
+                    </a:rPr>
+                    <a:t> </a:t>
+                  </a:r>
+                </a:p>
+              </p:txBody>
+            </p:sp>
+          </mc:Fallback>
+        </mc:AlternateContent>
+      </p:grpSp>
+      <p:sp>
+        <p:nvSpPr>
+          <p:cNvPr id="15" name="TextBox 14">
+            <a:extLst>
+              <a:ext uri="{FF2B5EF4-FFF2-40B4-BE49-F238E27FC236}">
+                <a16:creationId xmlns:a16="http://schemas.microsoft.com/office/drawing/2014/main" id="{4CE0C66A-9D29-14BE-924E-CE7B6CF6069D}"/>
+              </a:ext>
+            </a:extLst>
+          </p:cNvPr>
+          <p:cNvSpPr txBox="1"/>
+          <p:nvPr/>
+        </p:nvSpPr>
+        <p:spPr>
+          <a:xfrm>
+            <a:off x="0" y="0"/>
+            <a:ext cx="12192000" cy="461665"/>
+          </a:xfrm>
+          <a:prstGeom prst="rect">
+            <a:avLst/>
+          </a:prstGeom>
+          <a:solidFill>
+            <a:schemeClr val="accent2"/>
+          </a:solidFill>
+        </p:spPr>
+        <p:txBody>
+          <a:bodyPr wrap="square" rtlCol="0">
+            <a:spAutoFit/>
+          </a:bodyPr>
+          <a:lstStyle/>
+          <a:p>
+            <a:r>
+              <a:rPr lang="en-US" sz="2400" b="1" dirty="0"/>
+              <a:t>1. Draw arrows from the five items on the left (</a:t>
+            </a:r>
+            <a:r>
+              <a:rPr lang="en-US" sz="2400" b="1" i="1" dirty="0"/>
+              <a:t>T</a:t>
+            </a:r>
+            <a:r>
+              <a:rPr lang="en-US" sz="2400" b="1" i="1" baseline="-25000" dirty="0"/>
+              <a:t>H</a:t>
+            </a:r>
+            <a:r>
+              <a:rPr lang="en-US" sz="2400" b="1" dirty="0"/>
+              <a:t>, etc.) to places on the right.</a:t>
+            </a:r>
+          </a:p>
+        </p:txBody>
+      </p:sp>
+    </p:spTree>
+    <p:extLst>
+      <p:ext uri="{BB962C8B-B14F-4D97-AF65-F5344CB8AC3E}">
+        <p14:creationId xmlns:p14="http://schemas.microsoft.com/office/powerpoint/2010/main" val="1154676004"/>
+      </p:ext>
+    </p:extLst>
+  </p:cSld>
+  <p:clrMapOvr>
+    <a:masterClrMapping/>
+  </p:clrMapOvr>
+</p:sld>
+</file>
+
+<file path=ppt/slides/slide7.xml><?xml version="1.0" encoding="utf-8"?>
+<p:sld xmlns:a="http://schemas.openxmlformats.org/drawingml/2006/main" xmlns:r="http://schemas.openxmlformats.org/officeDocument/2006/relationships" xmlns:p="http://schemas.openxmlformats.org/presentationml/2006/main">
+  <p:cSld>
+    <p:spTree>
+      <p:nvGrpSpPr>
+        <p:cNvPr id="1" name=""/>
+        <p:cNvGrpSpPr/>
+        <p:nvPr/>
+      </p:nvGrpSpPr>
+      <p:grpSpPr>
+        <a:xfrm>
+          <a:off x="0" y="0"/>
+          <a:ext cx="0" cy="0"/>
+          <a:chOff x="0" y="0"/>
+          <a:chExt cx="0" cy="0"/>
+        </a:xfrm>
+      </p:grpSpPr>
+      <mc:AlternateContent xmlns:mc="http://schemas.openxmlformats.org/markup-compatibility/2006" xmlns:a14="http://schemas.microsoft.com/office/drawing/2010/main">
+        <mc:Choice Requires="a14">
           <p:sp>
             <p:nvSpPr>
               <p:cNvPr id="4" name="Rectangle 3">
@@ -3947,7 +10644,7 @@
             </p:txBody>
           </p:sp>
         </mc:Choice>
-        <mc:Fallback>
+        <mc:Fallback xmlns="">
           <p:sp>
             <p:nvSpPr>
               <p:cNvPr id="4" name="Rectangle 3">
@@ -5984,41 +12681,6 @@
       </p:grpSp>
       <p:sp>
         <p:nvSpPr>
-          <p:cNvPr id="36" name="TextBox 35">
-            <a:extLst>
-              <a:ext uri="{FF2B5EF4-FFF2-40B4-BE49-F238E27FC236}">
-                <a16:creationId xmlns:a16="http://schemas.microsoft.com/office/drawing/2014/main" id="{A9B10A3D-01E5-AD42-BA33-8501491EA689}"/>
-              </a:ext>
-            </a:extLst>
-          </p:cNvPr>
-          <p:cNvSpPr txBox="1"/>
-          <p:nvPr/>
-        </p:nvSpPr>
-        <p:spPr>
-          <a:xfrm>
-            <a:off x="104932" y="91961"/>
-            <a:ext cx="8394492" cy="461665"/>
-          </a:xfrm>
-          <a:prstGeom prst="rect">
-            <a:avLst/>
-          </a:prstGeom>
-          <a:noFill/>
-        </p:spPr>
-        <p:txBody>
-          <a:bodyPr wrap="square" rtlCol="0">
-            <a:spAutoFit/>
-          </a:bodyPr>
-          <a:lstStyle/>
-          <a:p>
-            <a:r>
-              <a:rPr lang="en-US" sz="2400" b="1" dirty="0"/>
-              <a:t>Isothermal PV work</a:t>
-            </a:r>
-          </a:p>
-        </p:txBody>
-      </p:sp>
-      <p:sp>
-        <p:nvSpPr>
           <p:cNvPr id="38" name="Arc 37">
             <a:extLst>
               <a:ext uri="{FF2B5EF4-FFF2-40B4-BE49-F238E27FC236}">
@@ -6072,6 +12734,78 @@
           </a:p>
         </p:txBody>
       </p:sp>
+      <p:sp>
+        <p:nvSpPr>
+          <p:cNvPr id="2" name="TextBox 1">
+            <a:extLst>
+              <a:ext uri="{FF2B5EF4-FFF2-40B4-BE49-F238E27FC236}">
+                <a16:creationId xmlns:a16="http://schemas.microsoft.com/office/drawing/2014/main" id="{35AE8B5A-224B-AFFA-C7A7-4004C477D56C}"/>
+              </a:ext>
+            </a:extLst>
+          </p:cNvPr>
+          <p:cNvSpPr txBox="1"/>
+          <p:nvPr/>
+        </p:nvSpPr>
+        <p:spPr>
+          <a:xfrm>
+            <a:off x="6204627" y="1687724"/>
+            <a:ext cx="809742" cy="461665"/>
+          </a:xfrm>
+          <a:prstGeom prst="rect">
+            <a:avLst/>
+          </a:prstGeom>
+          <a:noFill/>
+        </p:spPr>
+        <p:txBody>
+          <a:bodyPr wrap="square" rtlCol="0">
+            <a:spAutoFit/>
+          </a:bodyPr>
+          <a:lstStyle/>
+          <a:p>
+            <a:r>
+              <a:rPr lang="en-US" sz="2400" b="1" dirty="0"/>
+              <a:t>?</a:t>
+            </a:r>
+          </a:p>
+        </p:txBody>
+      </p:sp>
+      <p:sp>
+        <p:nvSpPr>
+          <p:cNvPr id="3" name="TextBox 2">
+            <a:extLst>
+              <a:ext uri="{FF2B5EF4-FFF2-40B4-BE49-F238E27FC236}">
+                <a16:creationId xmlns:a16="http://schemas.microsoft.com/office/drawing/2014/main" id="{490FB38A-4770-AD5D-7522-F1ABD4A8E766}"/>
+              </a:ext>
+            </a:extLst>
+          </p:cNvPr>
+          <p:cNvSpPr txBox="1"/>
+          <p:nvPr/>
+        </p:nvSpPr>
+        <p:spPr>
+          <a:xfrm>
+            <a:off x="3330" y="1649"/>
+            <a:ext cx="3495244" cy="830997"/>
+          </a:xfrm>
+          <a:prstGeom prst="rect">
+            <a:avLst/>
+          </a:prstGeom>
+          <a:solidFill>
+            <a:schemeClr val="accent2"/>
+          </a:solidFill>
+        </p:spPr>
+        <p:txBody>
+          <a:bodyPr wrap="square" rtlCol="0">
+            <a:spAutoFit/>
+          </a:bodyPr>
+          <a:lstStyle/>
+          <a:p>
+            <a:r>
+              <a:rPr lang="en-US" sz="2400" b="1" dirty="0"/>
+              <a:t>2. Derive this expression for isothermal PV work</a:t>
+            </a:r>
+          </a:p>
+        </p:txBody>
+      </p:sp>
     </p:spTree>
     <p:extLst>
       <p:ext uri="{BB962C8B-B14F-4D97-AF65-F5344CB8AC3E}">
@@ -6085,7 +12819,7 @@
 </p:sld>
 </file>
 
-<file path=ppt/slides/slide4.xml><?xml version="1.0" encoding="utf-8"?>
+<file path=ppt/slides/slide8.xml><?xml version="1.0" encoding="utf-8"?>
 <p:sld xmlns:a="http://schemas.openxmlformats.org/drawingml/2006/main" xmlns:r="http://schemas.openxmlformats.org/officeDocument/2006/relationships" xmlns:p="http://schemas.openxmlformats.org/presentationml/2006/main">
   <p:cSld>
     <p:spTree>
@@ -7277,12 +14011,14 @@
         <p:spPr>
           <a:xfrm>
             <a:off x="-27284" y="0"/>
-            <a:ext cx="3840768" cy="830997"/>
+            <a:ext cx="3840768" cy="1200329"/>
           </a:xfrm>
           <a:prstGeom prst="rect">
             <a:avLst/>
           </a:prstGeom>
-          <a:noFill/>
+          <a:solidFill>
+            <a:schemeClr val="accent2"/>
+          </a:solidFill>
         </p:spPr>
         <p:txBody>
           <a:bodyPr wrap="square" rtlCol="0">
@@ -7292,7 +14028,7 @@
           <a:p>
             <a:r>
               <a:rPr lang="en-US" sz="2400" b="1" dirty="0"/>
-              <a:t>Multi-step adiabatic expansion of an ideal gas</a:t>
+              <a:t>3. Derive this expression for multi-step adiabatic expansion of an ideal gas</a:t>
             </a:r>
           </a:p>
         </p:txBody>
@@ -9262,8 +15998,8 @@
           </mc:AlternateContent>
         </p:grpSp>
       </p:grpSp>
-      <mc:AlternateContent xmlns:mc="http://schemas.openxmlformats.org/markup-compatibility/2006">
-        <mc:Choice xmlns:a14="http://schemas.microsoft.com/office/drawing/2010/main" Requires="a14">
+      <mc:AlternateContent xmlns:mc="http://schemas.openxmlformats.org/markup-compatibility/2006" xmlns:a14="http://schemas.microsoft.com/office/drawing/2010/main">
+        <mc:Choice Requires="a14">
           <p:sp>
             <p:nvSpPr>
               <p:cNvPr id="40" name="Rectangle 39">
@@ -9931,7 +16667,7 @@
             </p:txBody>
           </p:sp>
         </mc:Choice>
-        <mc:Fallback>
+        <mc:Fallback xmlns="">
           <p:sp>
             <p:nvSpPr>
               <p:cNvPr id="40" name="Rectangle 39">
@@ -10031,6 +16767,41 @@
           </a:p>
         </p:txBody>
       </p:sp>
+      <p:sp>
+        <p:nvSpPr>
+          <p:cNvPr id="8" name="TextBox 7">
+            <a:extLst>
+              <a:ext uri="{FF2B5EF4-FFF2-40B4-BE49-F238E27FC236}">
+                <a16:creationId xmlns:a16="http://schemas.microsoft.com/office/drawing/2014/main" id="{A1D143D8-7F0F-F900-04C4-C2A9950AEFE2}"/>
+              </a:ext>
+            </a:extLst>
+          </p:cNvPr>
+          <p:cNvSpPr txBox="1"/>
+          <p:nvPr/>
+        </p:nvSpPr>
+        <p:spPr>
+          <a:xfrm>
+            <a:off x="7397997" y="1343239"/>
+            <a:ext cx="809742" cy="461665"/>
+          </a:xfrm>
+          <a:prstGeom prst="rect">
+            <a:avLst/>
+          </a:prstGeom>
+          <a:noFill/>
+        </p:spPr>
+        <p:txBody>
+          <a:bodyPr wrap="square" rtlCol="0">
+            <a:spAutoFit/>
+          </a:bodyPr>
+          <a:lstStyle/>
+          <a:p>
+            <a:r>
+              <a:rPr lang="en-US" sz="2400" b="1" dirty="0"/>
+              <a:t>?</a:t>
+            </a:r>
+          </a:p>
+        </p:txBody>
+      </p:sp>
     </p:spTree>
     <p:extLst>
       <p:ext uri="{BB962C8B-B14F-4D97-AF65-F5344CB8AC3E}">
@@ -10044,7 +16815,7 @@
 </p:sld>
 </file>
 
-<file path=ppt/slides/slide5.xml><?xml version="1.0" encoding="utf-8"?>
+<file path=ppt/slides/slide9.xml><?xml version="1.0" encoding="utf-8"?>
 <p:sld xmlns:a="http://schemas.openxmlformats.org/drawingml/2006/main" xmlns:r="http://schemas.openxmlformats.org/officeDocument/2006/relationships" xmlns:p="http://schemas.openxmlformats.org/presentationml/2006/main">
   <p:cSld>
     <p:spTree>
@@ -11241,7 +18012,9 @@
           <a:prstGeom prst="rect">
             <a:avLst/>
           </a:prstGeom>
-          <a:noFill/>
+          <a:solidFill>
+            <a:schemeClr val="accent2"/>
+          </a:solidFill>
         </p:spPr>
         <p:txBody>
           <a:bodyPr wrap="square" rtlCol="0">
@@ -11251,7 +18024,15 @@
           <a:p>
             <a:r>
               <a:rPr lang="en-US" sz="2400" b="1" dirty="0"/>
-              <a:t>Multistep adiabatic expansion of an ideal gas in terms of pressure</a:t>
+              <a:t>4. Derive </a:t>
+            </a:r>
+            <a:r>
+              <a:rPr lang="en-US" sz="2400" b="1" i="1" dirty="0"/>
+              <a:t>this</a:t>
+            </a:r>
+            <a:r>
+              <a:rPr lang="en-US" sz="2400" b="1" dirty="0"/>
+              <a:t> expression for multi-step adiabatic expansion of an ideal gas</a:t>
             </a:r>
           </a:p>
         </p:txBody>
@@ -13221,8 +20002,8 @@
           </mc:AlternateContent>
         </p:grpSp>
       </p:grpSp>
-      <mc:AlternateContent xmlns:mc="http://schemas.openxmlformats.org/markup-compatibility/2006">
-        <mc:Choice xmlns:a14="http://schemas.microsoft.com/office/drawing/2010/main" Requires="a14">
+      <mc:AlternateContent xmlns:mc="http://schemas.openxmlformats.org/markup-compatibility/2006" xmlns:a14="http://schemas.microsoft.com/office/drawing/2010/main">
+        <mc:Choice Requires="a14">
           <p:sp>
             <p:nvSpPr>
               <p:cNvPr id="40" name="Rectangle 39">
@@ -13831,7 +20612,7 @@
             </p:txBody>
           </p:sp>
         </mc:Choice>
-        <mc:Fallback>
+        <mc:Fallback xmlns="">
           <p:sp>
             <p:nvSpPr>
               <p:cNvPr id="40" name="Rectangle 39">
@@ -13878,10 +20659,45 @@
       </mc:AlternateContent>
       <p:sp>
         <p:nvSpPr>
-          <p:cNvPr id="85" name="Arc 84">
+          <p:cNvPr id="8" name="TextBox 7">
             <a:extLst>
               <a:ext uri="{FF2B5EF4-FFF2-40B4-BE49-F238E27FC236}">
-                <a16:creationId xmlns:a16="http://schemas.microsoft.com/office/drawing/2014/main" id="{20A0183A-2A99-F34D-8A8A-CF09D9DAAC07}"/>
+                <a16:creationId xmlns:a16="http://schemas.microsoft.com/office/drawing/2014/main" id="{949D3299-45C9-F40C-213A-BC927E5618DC}"/>
+              </a:ext>
+            </a:extLst>
+          </p:cNvPr>
+          <p:cNvSpPr txBox="1"/>
+          <p:nvPr/>
+        </p:nvSpPr>
+        <p:spPr>
+          <a:xfrm>
+            <a:off x="7397997" y="1343239"/>
+            <a:ext cx="809742" cy="461665"/>
+          </a:xfrm>
+          <a:prstGeom prst="rect">
+            <a:avLst/>
+          </a:prstGeom>
+          <a:noFill/>
+        </p:spPr>
+        <p:txBody>
+          <a:bodyPr wrap="square" rtlCol="0">
+            <a:spAutoFit/>
+          </a:bodyPr>
+          <a:lstStyle/>
+          <a:p>
+            <a:r>
+              <a:rPr lang="en-US" sz="2400" b="1" dirty="0"/>
+              <a:t>?</a:t>
+            </a:r>
+          </a:p>
+        </p:txBody>
+      </p:sp>
+      <p:sp>
+        <p:nvSpPr>
+          <p:cNvPr id="10" name="Arc 9">
+            <a:extLst>
+              <a:ext uri="{FF2B5EF4-FFF2-40B4-BE49-F238E27FC236}">
+                <a16:creationId xmlns:a16="http://schemas.microsoft.com/office/drawing/2014/main" id="{A0184F36-DE11-6DCB-3CC4-14AFD5FC5095}"/>
               </a:ext>
             </a:extLst>
           </p:cNvPr>
@@ -13890,7 +20706,7 @@
         </p:nvSpPr>
         <p:spPr>
           <a:xfrm flipH="1">
-            <a:off x="6331894" y="630525"/>
+            <a:off x="6564023" y="830090"/>
             <a:ext cx="794650" cy="1399922"/>
           </a:xfrm>
           <a:prstGeom prst="arc">
@@ -13935,1420 +20751,6 @@
     <p:extLst>
       <p:ext uri="{BB962C8B-B14F-4D97-AF65-F5344CB8AC3E}">
         <p14:creationId xmlns:p14="http://schemas.microsoft.com/office/powerpoint/2010/main" val="3923227384"/>
-      </p:ext>
-    </p:extLst>
-  </p:cSld>
-  <p:clrMapOvr>
-    <a:masterClrMapping/>
-  </p:clrMapOvr>
-</p:sld>
-</file>
-
-<file path=ppt/slides/slide6.xml><?xml version="1.0" encoding="utf-8"?>
-<p:sld xmlns:a="http://schemas.openxmlformats.org/drawingml/2006/main" xmlns:r="http://schemas.openxmlformats.org/officeDocument/2006/relationships" xmlns:p="http://schemas.openxmlformats.org/presentationml/2006/main">
-  <p:cSld>
-    <p:spTree>
-      <p:nvGrpSpPr>
-        <p:cNvPr id="1" name=""/>
-        <p:cNvGrpSpPr/>
-        <p:nvPr/>
-      </p:nvGrpSpPr>
-      <p:grpSpPr>
-        <a:xfrm>
-          <a:off x="0" y="0"/>
-          <a:ext cx="0" cy="0"/>
-          <a:chOff x="0" y="0"/>
-          <a:chExt cx="0" cy="0"/>
-        </a:xfrm>
-      </p:grpSpPr>
-      <p:sp>
-        <p:nvSpPr>
-          <p:cNvPr id="10" name="TextBox 9">
-            <a:extLst>
-              <a:ext uri="{FF2B5EF4-FFF2-40B4-BE49-F238E27FC236}">
-                <a16:creationId xmlns:a16="http://schemas.microsoft.com/office/drawing/2014/main" id="{2C4D51AB-942B-FC45-BC1E-A73EAE9C61BD}"/>
-              </a:ext>
-            </a:extLst>
-          </p:cNvPr>
-          <p:cNvSpPr txBox="1"/>
-          <p:nvPr/>
-        </p:nvSpPr>
-        <p:spPr>
-          <a:xfrm>
-            <a:off x="123443" y="189298"/>
-            <a:ext cx="11527184" cy="461665"/>
-          </a:xfrm>
-          <a:prstGeom prst="rect">
-            <a:avLst/>
-          </a:prstGeom>
-          <a:noFill/>
-        </p:spPr>
-        <p:txBody>
-          <a:bodyPr wrap="square" rtlCol="0">
-            <a:spAutoFit/>
-          </a:bodyPr>
-          <a:lstStyle/>
-          <a:p>
-            <a:r>
-              <a:rPr lang="en-US" sz="2400" b="1" dirty="0"/>
-              <a:t>Carnot cycle’s efficiency </a:t>
-            </a:r>
-            <a:r>
-              <a:rPr lang="en-US" sz="2400" b="1" i="1" dirty="0"/>
-              <a:t>is </a:t>
-            </a:r>
-            <a:r>
-              <a:rPr lang="en-US" sz="2400" b="1" dirty="0"/>
-              <a:t>the theoretical maximum</a:t>
-            </a:r>
-          </a:p>
-        </p:txBody>
-      </p:sp>
-      <mc:AlternateContent xmlns:mc="http://schemas.openxmlformats.org/markup-compatibility/2006">
-        <mc:Choice xmlns:a14="http://schemas.microsoft.com/office/drawing/2010/main" Requires="a14">
-          <p:sp>
-            <p:nvSpPr>
-              <p:cNvPr id="52" name="TextBox 51">
-                <a:extLst>
-                  <a:ext uri="{FF2B5EF4-FFF2-40B4-BE49-F238E27FC236}">
-                    <a16:creationId xmlns:a16="http://schemas.microsoft.com/office/drawing/2014/main" id="{B356847F-947E-854E-8A35-397154A4F8BA}"/>
-                  </a:ext>
-                </a:extLst>
-              </p:cNvPr>
-              <p:cNvSpPr txBox="1"/>
-              <p:nvPr/>
-            </p:nvSpPr>
-            <p:spPr>
-              <a:xfrm>
-                <a:off x="123443" y="842751"/>
-                <a:ext cx="6346805" cy="5152885"/>
-              </a:xfrm>
-              <a:prstGeom prst="rect">
-                <a:avLst/>
-              </a:prstGeom>
-              <a:noFill/>
-            </p:spPr>
-            <p:txBody>
-              <a:bodyPr wrap="square" rtlCol="0">
-                <a:spAutoFit/>
-              </a:bodyPr>
-              <a:lstStyle/>
-              <a:p>
-                <a:r>
-                  <a:rPr lang="en-US" sz="2400" dirty="0"/>
-                  <a:t>We said the theoretical maximum efficiency of a heat engine is </a:t>
-                </a:r>
-                <a14:m>
-                  <m:oMath xmlns:m="http://schemas.openxmlformats.org/officeDocument/2006/math">
-                    <m:f>
-                      <m:fPr>
-                        <m:ctrlPr>
-                          <a:rPr lang="en-US" sz="2400" i="1">
-                            <a:latin typeface="Cambria Math" panose="02040503050406030204" pitchFamily="18" charset="0"/>
-                            <a:ea typeface="Cambria Math" panose="02040503050406030204" pitchFamily="18" charset="0"/>
-                          </a:rPr>
-                        </m:ctrlPr>
-                      </m:fPr>
-                      <m:num>
-                        <m:r>
-                          <a:rPr lang="en-US" sz="2400" i="1">
-                            <a:latin typeface="Cambria Math" panose="02040503050406030204" pitchFamily="18" charset="0"/>
-                            <a:ea typeface="Cambria Math" panose="02040503050406030204" pitchFamily="18" charset="0"/>
-                          </a:rPr>
-                          <m:t>∆</m:t>
-                        </m:r>
-                        <m:r>
-                          <a:rPr lang="en-US" sz="2400" i="1">
-                            <a:latin typeface="Cambria Math" panose="02040503050406030204" pitchFamily="18" charset="0"/>
-                            <a:ea typeface="Cambria Math" panose="02040503050406030204" pitchFamily="18" charset="0"/>
-                          </a:rPr>
-                          <m:t>𝑇</m:t>
-                        </m:r>
-                      </m:num>
-                      <m:den>
-                        <m:sSub>
-                          <m:sSubPr>
-                            <m:ctrlPr>
-                              <a:rPr lang="en-US" sz="2400" i="1">
-                                <a:latin typeface="Cambria Math" panose="02040503050406030204" pitchFamily="18" charset="0"/>
-                                <a:ea typeface="Cambria Math" panose="02040503050406030204" pitchFamily="18" charset="0"/>
-                              </a:rPr>
-                            </m:ctrlPr>
-                          </m:sSubPr>
-                          <m:e>
-                            <m:r>
-                              <a:rPr lang="en-US" sz="2400" i="1">
-                                <a:latin typeface="Cambria Math" panose="02040503050406030204" pitchFamily="18" charset="0"/>
-                                <a:ea typeface="Cambria Math" panose="02040503050406030204" pitchFamily="18" charset="0"/>
-                              </a:rPr>
-                              <m:t>𝑇</m:t>
-                            </m:r>
-                          </m:e>
-                          <m:sub>
-                            <m:r>
-                              <a:rPr lang="en-US" sz="2400" i="1">
-                                <a:latin typeface="Cambria Math" panose="02040503050406030204" pitchFamily="18" charset="0"/>
-                                <a:ea typeface="Cambria Math" panose="02040503050406030204" pitchFamily="18" charset="0"/>
-                              </a:rPr>
-                              <m:t>h𝑜𝑡</m:t>
-                            </m:r>
-                          </m:sub>
-                        </m:sSub>
-                      </m:den>
-                    </m:f>
-                    <m:r>
-                      <a:rPr lang="en-US" sz="2400" b="0" i="0" smtClean="0">
-                        <a:latin typeface="Cambria Math" panose="02040503050406030204" pitchFamily="18" charset="0"/>
-                        <a:ea typeface="Cambria Math" panose="02040503050406030204" pitchFamily="18" charset="0"/>
-                      </a:rPr>
-                      <m:t>, </m:t>
-                    </m:r>
-                  </m:oMath>
-                </a14:m>
-                <a:r>
-                  <a:rPr lang="en-US" sz="2400" dirty="0"/>
-                  <a:t>where </a:t>
-                </a:r>
-                <a14:m>
-                  <m:oMath xmlns:m="http://schemas.openxmlformats.org/officeDocument/2006/math">
-                    <m:r>
-                      <a:rPr lang="en-US" sz="2400" i="1" smtClean="0">
-                        <a:latin typeface="Cambria Math" panose="02040503050406030204" pitchFamily="18" charset="0"/>
-                        <a:ea typeface="Cambria Math" panose="02040503050406030204" pitchFamily="18" charset="0"/>
-                      </a:rPr>
-                      <m:t>∆</m:t>
-                    </m:r>
-                    <m:r>
-                      <a:rPr lang="en-US" sz="2400" i="1" smtClean="0">
-                        <a:latin typeface="Cambria Math" panose="02040503050406030204" pitchFamily="18" charset="0"/>
-                        <a:ea typeface="Cambria Math" panose="02040503050406030204" pitchFamily="18" charset="0"/>
-                      </a:rPr>
-                      <m:t>𝑇</m:t>
-                    </m:r>
-                    <m:r>
-                      <a:rPr lang="en-US" sz="2400" b="0" i="1" smtClean="0">
-                        <a:latin typeface="Cambria Math" panose="02040503050406030204" pitchFamily="18" charset="0"/>
-                        <a:ea typeface="Cambria Math" panose="02040503050406030204" pitchFamily="18" charset="0"/>
-                      </a:rPr>
-                      <m:t>=</m:t>
-                    </m:r>
-                    <m:sSub>
-                      <m:sSubPr>
-                        <m:ctrlPr>
-                          <a:rPr lang="en-US" sz="2400" b="0" i="1" smtClean="0">
-                            <a:latin typeface="Cambria Math" panose="02040503050406030204" pitchFamily="18" charset="0"/>
-                            <a:ea typeface="Cambria Math" panose="02040503050406030204" pitchFamily="18" charset="0"/>
-                          </a:rPr>
-                        </m:ctrlPr>
-                      </m:sSubPr>
-                      <m:e>
-                        <m:r>
-                          <a:rPr lang="en-US" sz="2400" b="0" i="1" smtClean="0">
-                            <a:latin typeface="Cambria Math" panose="02040503050406030204" pitchFamily="18" charset="0"/>
-                            <a:ea typeface="Cambria Math" panose="02040503050406030204" pitchFamily="18" charset="0"/>
-                          </a:rPr>
-                          <m:t>𝑇</m:t>
-                        </m:r>
-                      </m:e>
-                      <m:sub>
-                        <m:r>
-                          <a:rPr lang="en-US" sz="2400" b="0" i="1" smtClean="0">
-                            <a:latin typeface="Cambria Math" panose="02040503050406030204" pitchFamily="18" charset="0"/>
-                            <a:ea typeface="Cambria Math" panose="02040503050406030204" pitchFamily="18" charset="0"/>
-                          </a:rPr>
-                          <m:t>h𝑜𝑡</m:t>
-                        </m:r>
-                      </m:sub>
-                    </m:sSub>
-                    <m:r>
-                      <a:rPr lang="en-US" sz="2400" b="0" i="1" smtClean="0">
-                        <a:latin typeface="Cambria Math" panose="02040503050406030204" pitchFamily="18" charset="0"/>
-                        <a:ea typeface="Cambria Math" panose="02040503050406030204" pitchFamily="18" charset="0"/>
-                      </a:rPr>
-                      <m:t>−</m:t>
-                    </m:r>
-                    <m:sSub>
-                      <m:sSubPr>
-                        <m:ctrlPr>
-                          <a:rPr lang="en-US" sz="2400" b="0" i="1" smtClean="0">
-                            <a:latin typeface="Cambria Math" panose="02040503050406030204" pitchFamily="18" charset="0"/>
-                            <a:ea typeface="Cambria Math" panose="02040503050406030204" pitchFamily="18" charset="0"/>
-                          </a:rPr>
-                        </m:ctrlPr>
-                      </m:sSubPr>
-                      <m:e>
-                        <m:r>
-                          <a:rPr lang="en-US" sz="2400" b="0" i="1" smtClean="0">
-                            <a:latin typeface="Cambria Math" panose="02040503050406030204" pitchFamily="18" charset="0"/>
-                            <a:ea typeface="Cambria Math" panose="02040503050406030204" pitchFamily="18" charset="0"/>
-                          </a:rPr>
-                          <m:t>𝑇</m:t>
-                        </m:r>
-                      </m:e>
-                      <m:sub>
-                        <m:r>
-                          <a:rPr lang="en-US" sz="2400" b="0" i="1" smtClean="0">
-                            <a:latin typeface="Cambria Math" panose="02040503050406030204" pitchFamily="18" charset="0"/>
-                            <a:ea typeface="Cambria Math" panose="02040503050406030204" pitchFamily="18" charset="0"/>
-                          </a:rPr>
-                          <m:t>𝑐𝑜𝑙𝑑</m:t>
-                        </m:r>
-                      </m:sub>
-                    </m:sSub>
-                  </m:oMath>
-                </a14:m>
-                <a:endParaRPr lang="en-US" sz="2400" dirty="0"/>
-              </a:p>
-              <a:p>
-                <a:endParaRPr lang="en-US" sz="2400" dirty="0"/>
-              </a:p>
-              <a:p>
-                <a:r>
-                  <a:rPr lang="en-US" sz="2400" dirty="0"/>
-                  <a:t>For a Carnot cycle, it turns out that</a:t>
-                </a:r>
-              </a:p>
-              <a:p>
-                <a:endParaRPr lang="en-US" sz="2400" dirty="0"/>
-              </a:p>
-              <a:p>
-                <a14:m>
-                  <m:oMath xmlns:m="http://schemas.openxmlformats.org/officeDocument/2006/math">
-                    <m:sSub>
-                      <m:sSubPr>
-                        <m:ctrlPr>
-                          <a:rPr lang="en-US" sz="2400" i="1" smtClean="0">
-                            <a:solidFill>
-                              <a:srgbClr val="7030A0"/>
-                            </a:solidFill>
-                            <a:latin typeface="Cambria Math" panose="02040503050406030204" pitchFamily="18" charset="0"/>
-                            <a:ea typeface="Cambria Math" panose="02040503050406030204" pitchFamily="18" charset="0"/>
-                          </a:rPr>
-                        </m:ctrlPr>
-                      </m:sSubPr>
-                      <m:e>
-                        <m:r>
-                          <a:rPr lang="en-US" sz="2400" b="0" i="1">
-                            <a:solidFill>
-                              <a:srgbClr val="7030A0"/>
-                            </a:solidFill>
-                            <a:latin typeface="Cambria Math" panose="02040503050406030204" pitchFamily="18" charset="0"/>
-                            <a:ea typeface="Cambria Math" panose="02040503050406030204" pitchFamily="18" charset="0"/>
-                          </a:rPr>
-                          <m:t>𝜀</m:t>
-                        </m:r>
-                      </m:e>
-                      <m:sub>
-                        <m:r>
-                          <a:rPr lang="en-US" sz="2400" b="0" i="1" smtClean="0">
-                            <a:solidFill>
-                              <a:srgbClr val="7030A0"/>
-                            </a:solidFill>
-                            <a:latin typeface="Cambria Math" panose="02040503050406030204" pitchFamily="18" charset="0"/>
-                            <a:ea typeface="Cambria Math" panose="02040503050406030204" pitchFamily="18" charset="0"/>
-                          </a:rPr>
-                          <m:t>𝐶𝑎𝑟𝑛𝑜𝑡</m:t>
-                        </m:r>
-                      </m:sub>
-                    </m:sSub>
-                    <m:r>
-                      <a:rPr lang="en-US" sz="2400" b="0" i="1">
-                        <a:solidFill>
-                          <a:srgbClr val="7030A0"/>
-                        </a:solidFill>
-                        <a:latin typeface="Cambria Math" panose="02040503050406030204" pitchFamily="18" charset="0"/>
-                        <a:ea typeface="Cambria Math" panose="02040503050406030204" pitchFamily="18" charset="0"/>
-                      </a:rPr>
-                      <m:t> </m:t>
-                    </m:r>
-                  </m:oMath>
-                </a14:m>
-                <a:r>
-                  <a:rPr lang="en-US" sz="2400" dirty="0">
-                    <a:solidFill>
-                      <a:srgbClr val="7030A0"/>
-                    </a:solidFill>
-                  </a:rPr>
-                  <a:t>= </a:t>
-                </a:r>
-                <a14:m>
-                  <m:oMath xmlns:m="http://schemas.openxmlformats.org/officeDocument/2006/math">
-                    <m:r>
-                      <a:rPr lang="en-US" sz="2400" b="0" i="1" smtClean="0">
-                        <a:solidFill>
-                          <a:srgbClr val="7030A0"/>
-                        </a:solidFill>
-                        <a:latin typeface="Cambria Math" panose="02040503050406030204" pitchFamily="18" charset="0"/>
-                        <a:ea typeface="Cambria Math" panose="02040503050406030204" pitchFamily="18" charset="0"/>
-                      </a:rPr>
-                      <m:t>−</m:t>
-                    </m:r>
-                    <m:f>
-                      <m:fPr>
-                        <m:ctrlPr>
-                          <a:rPr lang="en-US" sz="2400" b="0" i="1" smtClean="0">
-                            <a:solidFill>
-                              <a:srgbClr val="7030A0"/>
-                            </a:solidFill>
-                            <a:latin typeface="Cambria Math" panose="02040503050406030204" pitchFamily="18" charset="0"/>
-                            <a:ea typeface="Cambria Math" panose="02040503050406030204" pitchFamily="18" charset="0"/>
-                          </a:rPr>
-                        </m:ctrlPr>
-                      </m:fPr>
-                      <m:num>
-                        <m:sSub>
-                          <m:sSubPr>
-                            <m:ctrlPr>
-                              <a:rPr lang="en-US" sz="2400" b="0" i="1" smtClean="0">
-                                <a:solidFill>
-                                  <a:srgbClr val="7030A0"/>
-                                </a:solidFill>
-                                <a:latin typeface="Cambria Math" panose="02040503050406030204" pitchFamily="18" charset="0"/>
-                                <a:ea typeface="Cambria Math" panose="02040503050406030204" pitchFamily="18" charset="0"/>
-                              </a:rPr>
-                            </m:ctrlPr>
-                          </m:sSubPr>
-                          <m:e>
-                            <m:r>
-                              <a:rPr lang="en-US" sz="2400" b="0" i="1" smtClean="0">
-                                <a:solidFill>
-                                  <a:srgbClr val="7030A0"/>
-                                </a:solidFill>
-                                <a:latin typeface="Cambria Math" panose="02040503050406030204" pitchFamily="18" charset="0"/>
-                                <a:ea typeface="Cambria Math" panose="02040503050406030204" pitchFamily="18" charset="0"/>
-                              </a:rPr>
-                              <m:t>𝑤</m:t>
-                            </m:r>
-                          </m:e>
-                          <m:sub>
-                            <m:r>
-                              <a:rPr lang="en-US" sz="2400" b="0" i="1" smtClean="0">
-                                <a:solidFill>
-                                  <a:srgbClr val="7030A0"/>
-                                </a:solidFill>
-                                <a:latin typeface="Cambria Math" panose="02040503050406030204" pitchFamily="18" charset="0"/>
-                                <a:ea typeface="Cambria Math" panose="02040503050406030204" pitchFamily="18" charset="0"/>
-                              </a:rPr>
-                              <m:t>𝑡𝑜𝑡</m:t>
-                            </m:r>
-                          </m:sub>
-                        </m:sSub>
-                      </m:num>
-                      <m:den>
-                        <m:sSub>
-                          <m:sSubPr>
-                            <m:ctrlPr>
-                              <a:rPr lang="en-US" sz="2400" b="0" i="1" smtClean="0">
-                                <a:solidFill>
-                                  <a:srgbClr val="7030A0"/>
-                                </a:solidFill>
-                                <a:latin typeface="Cambria Math" panose="02040503050406030204" pitchFamily="18" charset="0"/>
-                                <a:ea typeface="Cambria Math" panose="02040503050406030204" pitchFamily="18" charset="0"/>
-                              </a:rPr>
-                            </m:ctrlPr>
-                          </m:sSubPr>
-                          <m:e>
-                            <m:r>
-                              <a:rPr lang="en-US" sz="2400" b="0" i="1" smtClean="0">
-                                <a:solidFill>
-                                  <a:srgbClr val="7030A0"/>
-                                </a:solidFill>
-                                <a:latin typeface="Cambria Math" panose="02040503050406030204" pitchFamily="18" charset="0"/>
-                                <a:ea typeface="Cambria Math" panose="02040503050406030204" pitchFamily="18" charset="0"/>
-                              </a:rPr>
-                              <m:t>𝑞</m:t>
-                            </m:r>
-                          </m:e>
-                          <m:sub>
-                            <m:r>
-                              <a:rPr lang="en-US" sz="2400" b="0" i="1" smtClean="0">
-                                <a:solidFill>
-                                  <a:srgbClr val="7030A0"/>
-                                </a:solidFill>
-                                <a:latin typeface="Cambria Math" panose="02040503050406030204" pitchFamily="18" charset="0"/>
-                                <a:ea typeface="Cambria Math" panose="02040503050406030204" pitchFamily="18" charset="0"/>
-                              </a:rPr>
-                              <m:t>h𝑜𝑡</m:t>
-                            </m:r>
-                          </m:sub>
-                        </m:sSub>
-                      </m:den>
-                    </m:f>
-                    <m:r>
-                      <a:rPr lang="en-US" sz="2400" b="0" i="1" smtClean="0">
-                        <a:solidFill>
-                          <a:srgbClr val="7030A0"/>
-                        </a:solidFill>
-                        <a:latin typeface="Cambria Math" panose="02040503050406030204" pitchFamily="18" charset="0"/>
-                        <a:ea typeface="Cambria Math" panose="02040503050406030204" pitchFamily="18" charset="0"/>
-                      </a:rPr>
-                      <m:t>=</m:t>
-                    </m:r>
-                    <m:f>
-                      <m:fPr>
-                        <m:ctrlPr>
-                          <a:rPr lang="en-US" sz="2400" b="0" i="1">
-                            <a:solidFill>
-                              <a:srgbClr val="7030A0"/>
-                            </a:solidFill>
-                            <a:latin typeface="Cambria Math" panose="02040503050406030204" pitchFamily="18" charset="0"/>
-                            <a:ea typeface="Cambria Math" panose="02040503050406030204" pitchFamily="18" charset="0"/>
-                          </a:rPr>
-                        </m:ctrlPr>
-                      </m:fPr>
-                      <m:num>
-                        <m:r>
-                          <a:rPr lang="en-US" sz="2400" b="0" i="1">
-                            <a:solidFill>
-                              <a:srgbClr val="7030A0"/>
-                            </a:solidFill>
-                            <a:latin typeface="Cambria Math" panose="02040503050406030204" pitchFamily="18" charset="0"/>
-                            <a:ea typeface="Cambria Math" panose="02040503050406030204" pitchFamily="18" charset="0"/>
-                          </a:rPr>
-                          <m:t>∆</m:t>
-                        </m:r>
-                        <m:r>
-                          <a:rPr lang="en-US" sz="2400" b="0" i="1">
-                            <a:solidFill>
-                              <a:srgbClr val="7030A0"/>
-                            </a:solidFill>
-                            <a:latin typeface="Cambria Math" panose="02040503050406030204" pitchFamily="18" charset="0"/>
-                            <a:ea typeface="Cambria Math" panose="02040503050406030204" pitchFamily="18" charset="0"/>
-                          </a:rPr>
-                          <m:t>𝑇</m:t>
-                        </m:r>
-                      </m:num>
-                      <m:den>
-                        <m:sSub>
-                          <m:sSubPr>
-                            <m:ctrlPr>
-                              <a:rPr lang="en-US" sz="2400" i="1">
-                                <a:solidFill>
-                                  <a:srgbClr val="7030A0"/>
-                                </a:solidFill>
-                                <a:latin typeface="Cambria Math" panose="02040503050406030204" pitchFamily="18" charset="0"/>
-                                <a:ea typeface="Cambria Math" panose="02040503050406030204" pitchFamily="18" charset="0"/>
-                              </a:rPr>
-                            </m:ctrlPr>
-                          </m:sSubPr>
-                          <m:e>
-                            <m:r>
-                              <a:rPr lang="en-US" sz="2400" b="0" i="1">
-                                <a:solidFill>
-                                  <a:srgbClr val="7030A0"/>
-                                </a:solidFill>
-                                <a:latin typeface="Cambria Math" panose="02040503050406030204" pitchFamily="18" charset="0"/>
-                                <a:ea typeface="Cambria Math" panose="02040503050406030204" pitchFamily="18" charset="0"/>
-                              </a:rPr>
-                              <m:t>𝑇</m:t>
-                            </m:r>
-                          </m:e>
-                          <m:sub>
-                            <m:r>
-                              <a:rPr lang="en-US" sz="2400" b="0" i="1">
-                                <a:solidFill>
-                                  <a:srgbClr val="7030A0"/>
-                                </a:solidFill>
-                                <a:latin typeface="Cambria Math" panose="02040503050406030204" pitchFamily="18" charset="0"/>
-                                <a:ea typeface="Cambria Math" panose="02040503050406030204" pitchFamily="18" charset="0"/>
-                              </a:rPr>
-                              <m:t>h𝑜𝑡</m:t>
-                            </m:r>
-                          </m:sub>
-                        </m:sSub>
-                      </m:den>
-                    </m:f>
-                  </m:oMath>
-                </a14:m>
-                <a:r>
-                  <a:rPr lang="en-US" sz="2400" dirty="0">
-                    <a:solidFill>
-                      <a:srgbClr val="7030A0"/>
-                    </a:solidFill>
-                  </a:rPr>
-                  <a:t>  </a:t>
-                </a:r>
-              </a:p>
-              <a:p>
-                <a:endParaRPr lang="en-US" sz="2400" dirty="0">
-                  <a:solidFill>
-                    <a:srgbClr val="7030A0"/>
-                  </a:solidFill>
-                </a:endParaRPr>
-              </a:p>
-              <a:p>
-                <a:endParaRPr lang="en-US" sz="2400" dirty="0">
-                  <a:solidFill>
-                    <a:srgbClr val="7030A0"/>
-                  </a:solidFill>
-                </a:endParaRPr>
-              </a:p>
-              <a:p>
-                <a:endParaRPr lang="en-US" sz="2400" dirty="0">
-                  <a:solidFill>
-                    <a:srgbClr val="7030A0"/>
-                  </a:solidFill>
-                </a:endParaRPr>
-              </a:p>
-              <a:p>
-                <a:r>
-                  <a:rPr lang="en-US" sz="2400" dirty="0"/>
-                  <a:t>To get there, you can use the following:</a:t>
-                </a:r>
-              </a:p>
-              <a:p>
-                <a:pPr/>
-                <a14:m>
-                  <m:oMath xmlns:m="http://schemas.openxmlformats.org/officeDocument/2006/math">
-                    <m:sSub>
-                      <m:sSubPr>
-                        <m:ctrlPr>
-                          <a:rPr lang="en-US" sz="2400" b="1" i="1" smtClean="0">
-                            <a:latin typeface="Cambria Math" panose="02040503050406030204" pitchFamily="18" charset="0"/>
-                          </a:rPr>
-                        </m:ctrlPr>
-                      </m:sSubPr>
-                      <m:e>
-                        <m:r>
-                          <a:rPr lang="en-US" sz="2400" b="1" i="1" smtClean="0">
-                            <a:latin typeface="Cambria Math" panose="02040503050406030204" pitchFamily="18" charset="0"/>
-                          </a:rPr>
-                          <m:t>𝒘</m:t>
-                        </m:r>
-                      </m:e>
-                      <m:sub>
-                        <m:r>
-                          <a:rPr lang="en-US" sz="2400" b="1" i="1" smtClean="0">
-                            <a:latin typeface="Cambria Math" panose="02040503050406030204" pitchFamily="18" charset="0"/>
-                          </a:rPr>
-                          <m:t>𝟒</m:t>
-                        </m:r>
-                      </m:sub>
-                    </m:sSub>
-                    <m:r>
-                      <a:rPr lang="en-US" sz="2400" b="1" i="1" smtClean="0">
-                        <a:latin typeface="Cambria Math" panose="02040503050406030204" pitchFamily="18" charset="0"/>
-                      </a:rPr>
-                      <m:t>=−</m:t>
-                    </m:r>
-                    <m:sSub>
-                      <m:sSubPr>
-                        <m:ctrlPr>
-                          <a:rPr lang="en-US" sz="2400" b="1" i="1" smtClean="0">
-                            <a:latin typeface="Cambria Math" panose="02040503050406030204" pitchFamily="18" charset="0"/>
-                          </a:rPr>
-                        </m:ctrlPr>
-                      </m:sSubPr>
-                      <m:e>
-                        <m:r>
-                          <a:rPr lang="en-US" sz="2400" b="1" i="1" smtClean="0">
-                            <a:latin typeface="Cambria Math" panose="02040503050406030204" pitchFamily="18" charset="0"/>
-                          </a:rPr>
-                          <m:t>𝒘</m:t>
-                        </m:r>
-                      </m:e>
-                      <m:sub>
-                        <m:r>
-                          <a:rPr lang="en-US" sz="2400" b="1" i="1" smtClean="0">
-                            <a:latin typeface="Cambria Math" panose="02040503050406030204" pitchFamily="18" charset="0"/>
-                          </a:rPr>
-                          <m:t>𝟐</m:t>
-                        </m:r>
-                      </m:sub>
-                    </m:sSub>
-                  </m:oMath>
-                </a14:m>
-                <a:r>
-                  <a:rPr lang="en-US" sz="2400" dirty="0"/>
-                  <a:t> and </a:t>
-                </a:r>
-                <a14:m>
-                  <m:oMath xmlns:m="http://schemas.openxmlformats.org/officeDocument/2006/math">
-                    <m:f>
-                      <m:fPr>
-                        <m:ctrlPr>
-                          <a:rPr lang="en-US" sz="2400" b="1" i="1" smtClean="0">
-                            <a:latin typeface="Cambria Math" panose="02040503050406030204" pitchFamily="18" charset="0"/>
-                          </a:rPr>
-                        </m:ctrlPr>
-                      </m:fPr>
-                      <m:num>
-                        <m:sSub>
-                          <m:sSubPr>
-                            <m:ctrlPr>
-                              <a:rPr lang="en-US" sz="2400" b="1" i="1" smtClean="0">
-                                <a:latin typeface="Cambria Math" panose="02040503050406030204" pitchFamily="18" charset="0"/>
-                              </a:rPr>
-                            </m:ctrlPr>
-                          </m:sSubPr>
-                          <m:e>
-                            <m:r>
-                              <a:rPr lang="en-US" sz="2400" b="1" i="1" smtClean="0">
-                                <a:latin typeface="Cambria Math" panose="02040503050406030204" pitchFamily="18" charset="0"/>
-                              </a:rPr>
-                              <m:t>𝑽</m:t>
-                            </m:r>
-                          </m:e>
-                          <m:sub>
-                            <m:r>
-                              <a:rPr lang="en-US" sz="2400" b="1" i="1" smtClean="0">
-                                <a:latin typeface="Cambria Math" panose="02040503050406030204" pitchFamily="18" charset="0"/>
-                              </a:rPr>
-                              <m:t>𝑩</m:t>
-                            </m:r>
-                          </m:sub>
-                        </m:sSub>
-                      </m:num>
-                      <m:den>
-                        <m:sSub>
-                          <m:sSubPr>
-                            <m:ctrlPr>
-                              <a:rPr lang="en-US" sz="2400" b="1" i="1" smtClean="0">
-                                <a:latin typeface="Cambria Math" panose="02040503050406030204" pitchFamily="18" charset="0"/>
-                              </a:rPr>
-                            </m:ctrlPr>
-                          </m:sSubPr>
-                          <m:e>
-                            <m:r>
-                              <a:rPr lang="en-US" sz="2400" b="1" i="1" smtClean="0">
-                                <a:latin typeface="Cambria Math" panose="02040503050406030204" pitchFamily="18" charset="0"/>
-                              </a:rPr>
-                              <m:t>𝑽</m:t>
-                            </m:r>
-                          </m:e>
-                          <m:sub>
-                            <m:r>
-                              <a:rPr lang="en-US" sz="2400" b="1" i="1" smtClean="0">
-                                <a:latin typeface="Cambria Math" panose="02040503050406030204" pitchFamily="18" charset="0"/>
-                              </a:rPr>
-                              <m:t>𝑨</m:t>
-                            </m:r>
-                          </m:sub>
-                        </m:sSub>
-                      </m:den>
-                    </m:f>
-                    <m:r>
-                      <a:rPr lang="en-US" sz="2400" b="1" i="1" smtClean="0">
-                        <a:latin typeface="Cambria Math" panose="02040503050406030204" pitchFamily="18" charset="0"/>
-                      </a:rPr>
-                      <m:t>=</m:t>
-                    </m:r>
-                    <m:f>
-                      <m:fPr>
-                        <m:ctrlPr>
-                          <a:rPr lang="en-US" sz="2400" b="1" i="1" smtClean="0">
-                            <a:latin typeface="Cambria Math" panose="02040503050406030204" pitchFamily="18" charset="0"/>
-                          </a:rPr>
-                        </m:ctrlPr>
-                      </m:fPr>
-                      <m:num>
-                        <m:sSub>
-                          <m:sSubPr>
-                            <m:ctrlPr>
-                              <a:rPr lang="en-US" sz="2400" b="1" i="1" smtClean="0">
-                                <a:latin typeface="Cambria Math" panose="02040503050406030204" pitchFamily="18" charset="0"/>
-                              </a:rPr>
-                            </m:ctrlPr>
-                          </m:sSubPr>
-                          <m:e>
-                            <m:r>
-                              <a:rPr lang="en-US" sz="2400" b="1" i="1" smtClean="0">
-                                <a:latin typeface="Cambria Math" panose="02040503050406030204" pitchFamily="18" charset="0"/>
-                              </a:rPr>
-                              <m:t>𝑽</m:t>
-                            </m:r>
-                          </m:e>
-                          <m:sub>
-                            <m:r>
-                              <a:rPr lang="en-US" sz="2400" b="1" i="1" smtClean="0">
-                                <a:latin typeface="Cambria Math" panose="02040503050406030204" pitchFamily="18" charset="0"/>
-                              </a:rPr>
-                              <m:t>𝑪</m:t>
-                            </m:r>
-                          </m:sub>
-                        </m:sSub>
-                      </m:num>
-                      <m:den>
-                        <m:sSub>
-                          <m:sSubPr>
-                            <m:ctrlPr>
-                              <a:rPr lang="en-US" sz="2400" b="1" i="1" smtClean="0">
-                                <a:latin typeface="Cambria Math" panose="02040503050406030204" pitchFamily="18" charset="0"/>
-                              </a:rPr>
-                            </m:ctrlPr>
-                          </m:sSubPr>
-                          <m:e>
-                            <m:r>
-                              <a:rPr lang="en-US" sz="2400" b="1" i="1" smtClean="0">
-                                <a:latin typeface="Cambria Math" panose="02040503050406030204" pitchFamily="18" charset="0"/>
-                              </a:rPr>
-                              <m:t>𝑽</m:t>
-                            </m:r>
-                          </m:e>
-                          <m:sub>
-                            <m:r>
-                              <a:rPr lang="en-US" sz="2400" b="1" i="1" smtClean="0">
-                                <a:latin typeface="Cambria Math" panose="02040503050406030204" pitchFamily="18" charset="0"/>
-                              </a:rPr>
-                              <m:t>𝑫</m:t>
-                            </m:r>
-                          </m:sub>
-                        </m:sSub>
-                      </m:den>
-                    </m:f>
-                  </m:oMath>
-                </a14:m>
-                <a:endParaRPr lang="en-US" sz="2400" b="1" dirty="0"/>
-              </a:p>
-              <a:p>
-                <a:endParaRPr lang="en-US" sz="2400" dirty="0"/>
-              </a:p>
-            </p:txBody>
-          </p:sp>
-        </mc:Choice>
-        <mc:Fallback>
-          <p:sp>
-            <p:nvSpPr>
-              <p:cNvPr id="52" name="TextBox 51">
-                <a:extLst>
-                  <a:ext uri="{FF2B5EF4-FFF2-40B4-BE49-F238E27FC236}">
-                    <a16:creationId xmlns:a16="http://schemas.microsoft.com/office/drawing/2014/main" id="{B356847F-947E-854E-8A35-397154A4F8BA}"/>
-                  </a:ext>
-                </a:extLst>
-              </p:cNvPr>
-              <p:cNvSpPr txBox="1">
-                <a:spLocks noRot="1" noChangeAspect="1" noMove="1" noResize="1" noEditPoints="1" noAdjustHandles="1" noChangeArrowheads="1" noChangeShapeType="1" noTextEdit="1"/>
-              </p:cNvSpPr>
-              <p:nvPr/>
-            </p:nvSpPr>
-            <p:spPr>
-              <a:xfrm>
-                <a:off x="123443" y="842751"/>
-                <a:ext cx="6346805" cy="5152885"/>
-              </a:xfrm>
-              <a:prstGeom prst="rect">
-                <a:avLst/>
-              </a:prstGeom>
-              <a:blipFill>
-                <a:blip r:embed="rId2"/>
-                <a:stretch>
-                  <a:fillRect l="-1397" t="-983"/>
-                </a:stretch>
-              </a:blipFill>
-            </p:spPr>
-            <p:txBody>
-              <a:bodyPr/>
-              <a:lstStyle/>
-              <a:p>
-                <a:r>
-                  <a:rPr lang="en-US">
-                    <a:noFill/>
-                  </a:rPr>
-                  <a:t> </a:t>
-                </a:r>
-              </a:p>
-            </p:txBody>
-          </p:sp>
-        </mc:Fallback>
-      </mc:AlternateContent>
-      <p:grpSp>
-        <p:nvGrpSpPr>
-          <p:cNvPr id="4" name="Group 3">
-            <a:extLst>
-              <a:ext uri="{FF2B5EF4-FFF2-40B4-BE49-F238E27FC236}">
-                <a16:creationId xmlns:a16="http://schemas.microsoft.com/office/drawing/2014/main" id="{A3209F91-7909-2F4E-BC9E-DE9B9FFF88E7}"/>
-              </a:ext>
-            </a:extLst>
-          </p:cNvPr>
-          <p:cNvGrpSpPr/>
-          <p:nvPr/>
-        </p:nvGrpSpPr>
-        <p:grpSpPr>
-          <a:xfrm>
-            <a:off x="7072132" y="1208749"/>
-            <a:ext cx="5119868" cy="4166013"/>
-            <a:chOff x="5976976" y="1318994"/>
-            <a:chExt cx="6120984" cy="4760765"/>
-          </a:xfrm>
-        </p:grpSpPr>
-        <p:pic>
-          <p:nvPicPr>
-            <p:cNvPr id="2" name="Picture 1">
-              <a:extLst>
-                <a:ext uri="{FF2B5EF4-FFF2-40B4-BE49-F238E27FC236}">
-                  <a16:creationId xmlns:a16="http://schemas.microsoft.com/office/drawing/2014/main" id="{A05CDFCA-CE64-9941-90B6-115BBF64E660}"/>
-                </a:ext>
-              </a:extLst>
-            </p:cNvPr>
-            <p:cNvPicPr>
-              <a:picLocks noChangeAspect="1"/>
-            </p:cNvPicPr>
-            <p:nvPr/>
-          </p:nvPicPr>
-          <p:blipFill>
-            <a:blip r:embed="rId3"/>
-            <a:stretch>
-              <a:fillRect/>
-            </a:stretch>
-          </p:blipFill>
-          <p:spPr>
-            <a:xfrm>
-              <a:off x="5976976" y="1318994"/>
-              <a:ext cx="6120984" cy="4760765"/>
-            </a:xfrm>
-            <a:prstGeom prst="rect">
-              <a:avLst/>
-            </a:prstGeom>
-          </p:spPr>
-        </p:pic>
-        <mc:AlternateContent xmlns:mc="http://schemas.openxmlformats.org/markup-compatibility/2006">
-          <mc:Choice xmlns:a14="http://schemas.microsoft.com/office/drawing/2010/main" Requires="a14">
-            <p:sp>
-              <p:nvSpPr>
-                <p:cNvPr id="3" name="Rectangle 2">
-                  <a:extLst>
-                    <a:ext uri="{FF2B5EF4-FFF2-40B4-BE49-F238E27FC236}">
-                      <a16:creationId xmlns:a16="http://schemas.microsoft.com/office/drawing/2014/main" id="{BD3A96C2-9ED2-8F40-8046-5E66D6B3F6E6}"/>
-                    </a:ext>
-                  </a:extLst>
-                </p:cNvPr>
-                <p:cNvSpPr/>
-                <p:nvPr/>
-              </p:nvSpPr>
-              <p:spPr>
-                <a:xfrm>
-                  <a:off x="7760161" y="2174658"/>
-                  <a:ext cx="641626" cy="457231"/>
-                </a:xfrm>
-                <a:prstGeom prst="rect">
-                  <a:avLst/>
-                </a:prstGeom>
-              </p:spPr>
-              <p:txBody>
-                <a:bodyPr wrap="none">
-                  <a:spAutoFit/>
-                </a:bodyPr>
-                <a:lstStyle/>
-                <a:p>
-                  <a:pPr/>
-                  <a14:m>
-                    <m:oMathPara xmlns:m="http://schemas.openxmlformats.org/officeDocument/2006/math">
-                      <m:oMathParaPr>
-                        <m:jc m:val="centerGroup"/>
-                      </m:oMathParaPr>
-                      <m:oMath xmlns:m="http://schemas.openxmlformats.org/officeDocument/2006/math">
-                        <m:sSub>
-                          <m:sSubPr>
-                            <m:ctrlPr>
-                              <a:rPr lang="en-US" sz="2000" i="1" smtClean="0">
-                                <a:latin typeface="Cambria Math" panose="02040503050406030204" pitchFamily="18" charset="0"/>
-                              </a:rPr>
-                            </m:ctrlPr>
-                          </m:sSubPr>
-                          <m:e>
-                            <m:r>
-                              <a:rPr lang="en-US" sz="2000" b="0" i="1" smtClean="0">
-                                <a:latin typeface="Cambria Math" panose="02040503050406030204" pitchFamily="18" charset="0"/>
-                              </a:rPr>
-                              <m:t>𝑤</m:t>
-                            </m:r>
-                          </m:e>
-                          <m:sub>
-                            <m:r>
-                              <a:rPr lang="en-US" sz="2000" i="1">
-                                <a:latin typeface="Cambria Math" panose="02040503050406030204" pitchFamily="18" charset="0"/>
-                              </a:rPr>
-                              <m:t>1</m:t>
-                            </m:r>
-                          </m:sub>
-                        </m:sSub>
-                      </m:oMath>
-                    </m:oMathPara>
-                  </a14:m>
-                  <a:endParaRPr lang="en-US" sz="2000" dirty="0"/>
-                </a:p>
-              </p:txBody>
-            </p:sp>
-          </mc:Choice>
-          <mc:Fallback>
-            <p:sp>
-              <p:nvSpPr>
-                <p:cNvPr id="3" name="Rectangle 2">
-                  <a:extLst>
-                    <a:ext uri="{FF2B5EF4-FFF2-40B4-BE49-F238E27FC236}">
-                      <a16:creationId xmlns:a16="http://schemas.microsoft.com/office/drawing/2014/main" id="{BD3A96C2-9ED2-8F40-8046-5E66D6B3F6E6}"/>
-                    </a:ext>
-                  </a:extLst>
-                </p:cNvPr>
-                <p:cNvSpPr>
-                  <a:spLocks noRot="1" noChangeAspect="1" noMove="1" noResize="1" noEditPoints="1" noAdjustHandles="1" noChangeArrowheads="1" noChangeShapeType="1" noTextEdit="1"/>
-                </p:cNvSpPr>
-                <p:nvPr/>
-              </p:nvSpPr>
-              <p:spPr>
-                <a:xfrm>
-                  <a:off x="7760161" y="2174658"/>
-                  <a:ext cx="641626" cy="457231"/>
-                </a:xfrm>
-                <a:prstGeom prst="rect">
-                  <a:avLst/>
-                </a:prstGeom>
-                <a:blipFill>
-                  <a:blip r:embed="rId4"/>
-                  <a:stretch>
-                    <a:fillRect/>
-                  </a:stretch>
-                </a:blipFill>
-              </p:spPr>
-              <p:txBody>
-                <a:bodyPr/>
-                <a:lstStyle/>
-                <a:p>
-                  <a:r>
-                    <a:rPr lang="en-US">
-                      <a:noFill/>
-                    </a:rPr>
-                    <a:t> </a:t>
-                  </a:r>
-                </a:p>
-              </p:txBody>
-            </p:sp>
-          </mc:Fallback>
-        </mc:AlternateContent>
-        <mc:AlternateContent xmlns:mc="http://schemas.openxmlformats.org/markup-compatibility/2006">
-          <mc:Choice xmlns:a14="http://schemas.microsoft.com/office/drawing/2010/main" Requires="a14">
-            <p:sp>
-              <p:nvSpPr>
-                <p:cNvPr id="54" name="Rectangle 53">
-                  <a:extLst>
-                    <a:ext uri="{FF2B5EF4-FFF2-40B4-BE49-F238E27FC236}">
-                      <a16:creationId xmlns:a16="http://schemas.microsoft.com/office/drawing/2014/main" id="{E4AA3AFA-4A41-0A46-AD00-6F7B521A1B81}"/>
-                    </a:ext>
-                  </a:extLst>
-                </p:cNvPr>
-                <p:cNvSpPr/>
-                <p:nvPr/>
-              </p:nvSpPr>
-              <p:spPr>
-                <a:xfrm>
-                  <a:off x="9279212" y="3808538"/>
-                  <a:ext cx="1980687" cy="457231"/>
-                </a:xfrm>
-                <a:prstGeom prst="rect">
-                  <a:avLst/>
-                </a:prstGeom>
-              </p:spPr>
-              <p:txBody>
-                <a:bodyPr wrap="none">
-                  <a:spAutoFit/>
-                </a:bodyPr>
-                <a:lstStyle/>
-                <a:p>
-                  <a:pPr/>
-                  <a14:m>
-                    <m:oMathPara xmlns:m="http://schemas.openxmlformats.org/officeDocument/2006/math">
-                      <m:oMathParaPr>
-                        <m:jc m:val="centerGroup"/>
-                      </m:oMathParaPr>
-                      <m:oMath xmlns:m="http://schemas.openxmlformats.org/officeDocument/2006/math">
-                        <m:sSub>
-                          <m:sSubPr>
-                            <m:ctrlPr>
-                              <a:rPr lang="en-US" sz="2000" i="1" smtClean="0">
-                                <a:latin typeface="Cambria Math" panose="02040503050406030204" pitchFamily="18" charset="0"/>
-                              </a:rPr>
-                            </m:ctrlPr>
-                          </m:sSubPr>
-                          <m:e>
-                            <m:r>
-                              <a:rPr lang="en-US" sz="2000" b="0" i="1" smtClean="0">
-                                <a:latin typeface="Cambria Math" panose="02040503050406030204" pitchFamily="18" charset="0"/>
-                              </a:rPr>
-                              <m:t>𝑤</m:t>
-                            </m:r>
-                          </m:e>
-                          <m:sub>
-                            <m:r>
-                              <a:rPr lang="en-US" sz="2000" b="0" i="1" smtClean="0">
-                                <a:latin typeface="Cambria Math" panose="02040503050406030204" pitchFamily="18" charset="0"/>
-                              </a:rPr>
-                              <m:t>2</m:t>
-                            </m:r>
-                          </m:sub>
-                        </m:sSub>
-                        <m:r>
-                          <a:rPr lang="en-US" sz="2000" b="0" i="1" smtClean="0">
-                            <a:latin typeface="Cambria Math" panose="02040503050406030204" pitchFamily="18" charset="0"/>
-                          </a:rPr>
-                          <m:t>=−880 </m:t>
-                        </m:r>
-                        <m:r>
-                          <a:rPr lang="en-US" sz="2000" b="0" i="1" smtClean="0">
-                            <a:latin typeface="Cambria Math" panose="02040503050406030204" pitchFamily="18" charset="0"/>
-                          </a:rPr>
-                          <m:t>𝐽</m:t>
-                        </m:r>
-                      </m:oMath>
-                    </m:oMathPara>
-                  </a14:m>
-                  <a:endParaRPr lang="en-US" sz="2000" dirty="0"/>
-                </a:p>
-              </p:txBody>
-            </p:sp>
-          </mc:Choice>
-          <mc:Fallback>
-            <p:sp>
-              <p:nvSpPr>
-                <p:cNvPr id="54" name="Rectangle 53">
-                  <a:extLst>
-                    <a:ext uri="{FF2B5EF4-FFF2-40B4-BE49-F238E27FC236}">
-                      <a16:creationId xmlns:a16="http://schemas.microsoft.com/office/drawing/2014/main" id="{E4AA3AFA-4A41-0A46-AD00-6F7B521A1B81}"/>
-                    </a:ext>
-                  </a:extLst>
-                </p:cNvPr>
-                <p:cNvSpPr>
-                  <a:spLocks noRot="1" noChangeAspect="1" noMove="1" noResize="1" noEditPoints="1" noAdjustHandles="1" noChangeArrowheads="1" noChangeShapeType="1" noTextEdit="1"/>
-                </p:cNvSpPr>
-                <p:nvPr/>
-              </p:nvSpPr>
-              <p:spPr>
-                <a:xfrm>
-                  <a:off x="9279212" y="3808538"/>
-                  <a:ext cx="1980687" cy="457231"/>
-                </a:xfrm>
-                <a:prstGeom prst="rect">
-                  <a:avLst/>
-                </a:prstGeom>
-                <a:blipFill>
-                  <a:blip r:embed="rId5"/>
-                  <a:stretch>
-                    <a:fillRect b="-15152"/>
-                  </a:stretch>
-                </a:blipFill>
-              </p:spPr>
-              <p:txBody>
-                <a:bodyPr/>
-                <a:lstStyle/>
-                <a:p>
-                  <a:r>
-                    <a:rPr lang="en-US">
-                      <a:noFill/>
-                    </a:rPr>
-                    <a:t> </a:t>
-                  </a:r>
-                </a:p>
-              </p:txBody>
-            </p:sp>
-          </mc:Fallback>
-        </mc:AlternateContent>
-        <mc:AlternateContent xmlns:mc="http://schemas.openxmlformats.org/markup-compatibility/2006">
-          <mc:Choice xmlns:a14="http://schemas.microsoft.com/office/drawing/2010/main" Requires="a14">
-            <p:sp>
-              <p:nvSpPr>
-                <p:cNvPr id="55" name="Rectangle 54">
-                  <a:extLst>
-                    <a:ext uri="{FF2B5EF4-FFF2-40B4-BE49-F238E27FC236}">
-                      <a16:creationId xmlns:a16="http://schemas.microsoft.com/office/drawing/2014/main" id="{8ADDD587-EF5A-5C4E-8F10-372800BB1D36}"/>
-                    </a:ext>
-                  </a:extLst>
-                </p:cNvPr>
-                <p:cNvSpPr/>
-                <p:nvPr/>
-              </p:nvSpPr>
-              <p:spPr>
-                <a:xfrm>
-                  <a:off x="9196388" y="4711065"/>
-                  <a:ext cx="648756" cy="457231"/>
-                </a:xfrm>
-                <a:prstGeom prst="rect">
-                  <a:avLst/>
-                </a:prstGeom>
-              </p:spPr>
-              <p:txBody>
-                <a:bodyPr wrap="none">
-                  <a:spAutoFit/>
-                </a:bodyPr>
-                <a:lstStyle/>
-                <a:p>
-                  <a:pPr/>
-                  <a14:m>
-                    <m:oMathPara xmlns:m="http://schemas.openxmlformats.org/officeDocument/2006/math">
-                      <m:oMathParaPr>
-                        <m:jc m:val="centerGroup"/>
-                      </m:oMathParaPr>
-                      <m:oMath xmlns:m="http://schemas.openxmlformats.org/officeDocument/2006/math">
-                        <m:sSub>
-                          <m:sSubPr>
-                            <m:ctrlPr>
-                              <a:rPr lang="en-US" sz="2000" i="1" smtClean="0">
-                                <a:latin typeface="Cambria Math" panose="02040503050406030204" pitchFamily="18" charset="0"/>
-                              </a:rPr>
-                            </m:ctrlPr>
-                          </m:sSubPr>
-                          <m:e>
-                            <m:r>
-                              <a:rPr lang="en-US" sz="2000" b="0" i="1" smtClean="0">
-                                <a:latin typeface="Cambria Math" panose="02040503050406030204" pitchFamily="18" charset="0"/>
-                              </a:rPr>
-                              <m:t>𝑤</m:t>
-                            </m:r>
-                          </m:e>
-                          <m:sub>
-                            <m:r>
-                              <a:rPr lang="en-US" sz="2000" b="0" i="1" smtClean="0">
-                                <a:latin typeface="Cambria Math" panose="02040503050406030204" pitchFamily="18" charset="0"/>
-                              </a:rPr>
-                              <m:t>3</m:t>
-                            </m:r>
-                          </m:sub>
-                        </m:sSub>
-                      </m:oMath>
-                    </m:oMathPara>
-                  </a14:m>
-                  <a:endParaRPr lang="en-US" sz="2000" dirty="0"/>
-                </a:p>
-              </p:txBody>
-            </p:sp>
-          </mc:Choice>
-          <mc:Fallback>
-            <p:sp>
-              <p:nvSpPr>
-                <p:cNvPr id="55" name="Rectangle 54">
-                  <a:extLst>
-                    <a:ext uri="{FF2B5EF4-FFF2-40B4-BE49-F238E27FC236}">
-                      <a16:creationId xmlns:a16="http://schemas.microsoft.com/office/drawing/2014/main" id="{8ADDD587-EF5A-5C4E-8F10-372800BB1D36}"/>
-                    </a:ext>
-                  </a:extLst>
-                </p:cNvPr>
-                <p:cNvSpPr>
-                  <a:spLocks noRot="1" noChangeAspect="1" noMove="1" noResize="1" noEditPoints="1" noAdjustHandles="1" noChangeArrowheads="1" noChangeShapeType="1" noTextEdit="1"/>
-                </p:cNvSpPr>
-                <p:nvPr/>
-              </p:nvSpPr>
-              <p:spPr>
-                <a:xfrm>
-                  <a:off x="9196388" y="4711065"/>
-                  <a:ext cx="648756" cy="457231"/>
-                </a:xfrm>
-                <a:prstGeom prst="rect">
-                  <a:avLst/>
-                </a:prstGeom>
-                <a:blipFill>
-                  <a:blip r:embed="rId6"/>
-                  <a:stretch>
-                    <a:fillRect/>
-                  </a:stretch>
-                </a:blipFill>
-              </p:spPr>
-              <p:txBody>
-                <a:bodyPr/>
-                <a:lstStyle/>
-                <a:p>
-                  <a:r>
-                    <a:rPr lang="en-US">
-                      <a:noFill/>
-                    </a:rPr>
-                    <a:t> </a:t>
-                  </a:r>
-                </a:p>
-              </p:txBody>
-            </p:sp>
-          </mc:Fallback>
-        </mc:AlternateContent>
-        <mc:AlternateContent xmlns:mc="http://schemas.openxmlformats.org/markup-compatibility/2006">
-          <mc:Choice xmlns:a14="http://schemas.microsoft.com/office/drawing/2010/main" Requires="a14">
-            <p:sp>
-              <p:nvSpPr>
-                <p:cNvPr id="56" name="Rectangle 55">
-                  <a:extLst>
-                    <a:ext uri="{FF2B5EF4-FFF2-40B4-BE49-F238E27FC236}">
-                      <a16:creationId xmlns:a16="http://schemas.microsoft.com/office/drawing/2014/main" id="{F04786C1-DF8D-924B-8C9C-382497A2E20F}"/>
-                    </a:ext>
-                  </a:extLst>
-                </p:cNvPr>
-                <p:cNvSpPr/>
-                <p:nvPr/>
-              </p:nvSpPr>
-              <p:spPr>
-                <a:xfrm>
-                  <a:off x="6417818" y="4107318"/>
-                  <a:ext cx="1825530" cy="457231"/>
-                </a:xfrm>
-                <a:prstGeom prst="rect">
-                  <a:avLst/>
-                </a:prstGeom>
-              </p:spPr>
-              <p:txBody>
-                <a:bodyPr wrap="none">
-                  <a:spAutoFit/>
-                </a:bodyPr>
-                <a:lstStyle/>
-                <a:p>
-                  <a:pPr/>
-                  <a14:m>
-                    <m:oMathPara xmlns:m="http://schemas.openxmlformats.org/officeDocument/2006/math">
-                      <m:oMathParaPr>
-                        <m:jc m:val="centerGroup"/>
-                      </m:oMathParaPr>
-                      <m:oMath xmlns:m="http://schemas.openxmlformats.org/officeDocument/2006/math">
-                        <m:sSub>
-                          <m:sSubPr>
-                            <m:ctrlPr>
-                              <a:rPr lang="en-US" sz="2000" i="1" smtClean="0">
-                                <a:latin typeface="Cambria Math" panose="02040503050406030204" pitchFamily="18" charset="0"/>
-                              </a:rPr>
-                            </m:ctrlPr>
-                          </m:sSubPr>
-                          <m:e>
-                            <m:r>
-                              <a:rPr lang="en-US" sz="2000" b="0" i="1" smtClean="0">
-                                <a:latin typeface="Cambria Math" panose="02040503050406030204" pitchFamily="18" charset="0"/>
-                              </a:rPr>
-                              <m:t>𝑤</m:t>
-                            </m:r>
-                          </m:e>
-                          <m:sub>
-                            <m:r>
-                              <a:rPr lang="en-US" sz="2000" b="0" i="1" smtClean="0">
-                                <a:latin typeface="Cambria Math" panose="02040503050406030204" pitchFamily="18" charset="0"/>
-                              </a:rPr>
-                              <m:t>4</m:t>
-                            </m:r>
-                          </m:sub>
-                        </m:sSub>
-                        <m:r>
-                          <a:rPr lang="en-US" sz="2000" b="0" i="1" smtClean="0">
-                            <a:latin typeface="Cambria Math" panose="02040503050406030204" pitchFamily="18" charset="0"/>
-                          </a:rPr>
-                          <m:t>=</m:t>
-                        </m:r>
-                        <m:r>
-                          <m:rPr>
-                            <m:nor/>
-                          </m:rPr>
-                          <a:rPr lang="en-US" sz="2000" dirty="0" smtClean="0"/>
-                          <m:t>+880 </m:t>
-                        </m:r>
-                        <m:r>
-                          <m:rPr>
-                            <m:nor/>
-                          </m:rPr>
-                          <a:rPr lang="en-US" sz="2000" dirty="0" smtClean="0"/>
-                          <m:t>J</m:t>
-                        </m:r>
-                      </m:oMath>
-                    </m:oMathPara>
-                  </a14:m>
-                  <a:endParaRPr lang="en-US" sz="2000" dirty="0"/>
-                </a:p>
-              </p:txBody>
-            </p:sp>
-          </mc:Choice>
-          <mc:Fallback>
-            <p:sp>
-              <p:nvSpPr>
-                <p:cNvPr id="56" name="Rectangle 55">
-                  <a:extLst>
-                    <a:ext uri="{FF2B5EF4-FFF2-40B4-BE49-F238E27FC236}">
-                      <a16:creationId xmlns:a16="http://schemas.microsoft.com/office/drawing/2014/main" id="{F04786C1-DF8D-924B-8C9C-382497A2E20F}"/>
-                    </a:ext>
-                  </a:extLst>
-                </p:cNvPr>
-                <p:cNvSpPr>
-                  <a:spLocks noRot="1" noChangeAspect="1" noMove="1" noResize="1" noEditPoints="1" noAdjustHandles="1" noChangeArrowheads="1" noChangeShapeType="1" noTextEdit="1"/>
-                </p:cNvSpPr>
-                <p:nvPr/>
-              </p:nvSpPr>
-              <p:spPr>
-                <a:xfrm>
-                  <a:off x="6417818" y="4107318"/>
-                  <a:ext cx="1825530" cy="457231"/>
-                </a:xfrm>
-                <a:prstGeom prst="rect">
-                  <a:avLst/>
-                </a:prstGeom>
-                <a:blipFill>
-                  <a:blip r:embed="rId7"/>
-                  <a:stretch>
-                    <a:fillRect t="-6250" b="-21875"/>
-                  </a:stretch>
-                </a:blipFill>
-              </p:spPr>
-              <p:txBody>
-                <a:bodyPr/>
-                <a:lstStyle/>
-                <a:p>
-                  <a:r>
-                    <a:rPr lang="en-US">
-                      <a:noFill/>
-                    </a:rPr>
-                    <a:t> </a:t>
-                  </a:r>
-                </a:p>
-              </p:txBody>
-            </p:sp>
-          </mc:Fallback>
-        </mc:AlternateContent>
-      </p:grpSp>
-      <p:sp>
-        <p:nvSpPr>
-          <p:cNvPr id="13" name="Arc 12">
-            <a:extLst>
-              <a:ext uri="{FF2B5EF4-FFF2-40B4-BE49-F238E27FC236}">
-                <a16:creationId xmlns:a16="http://schemas.microsoft.com/office/drawing/2014/main" id="{EF087E73-3611-E04E-9057-3A189B21F827}"/>
-              </a:ext>
-            </a:extLst>
-          </p:cNvPr>
-          <p:cNvSpPr/>
-          <p:nvPr/>
-        </p:nvSpPr>
-        <p:spPr>
-          <a:xfrm rot="16200000">
-            <a:off x="2022108" y="3153832"/>
-            <a:ext cx="663217" cy="1274875"/>
-          </a:xfrm>
-          <a:prstGeom prst="arc">
-            <a:avLst>
-              <a:gd name="adj1" fmla="val 4981034"/>
-              <a:gd name="adj2" fmla="val 15900305"/>
-            </a:avLst>
-          </a:prstGeom>
-          <a:ln w="63500">
-            <a:solidFill>
-              <a:schemeClr val="tx1"/>
-            </a:solidFill>
-            <a:prstDash val="sysDot"/>
-            <a:headEnd type="triangle"/>
-            <a:tailEnd type="none"/>
-          </a:ln>
-        </p:spPr>
-        <p:style>
-          <a:lnRef idx="1">
-            <a:schemeClr val="accent1"/>
-          </a:lnRef>
-          <a:fillRef idx="0">
-            <a:schemeClr val="accent1"/>
-          </a:fillRef>
-          <a:effectRef idx="0">
-            <a:schemeClr val="accent1"/>
-          </a:effectRef>
-          <a:fontRef idx="minor">
-            <a:schemeClr val="tx1"/>
-          </a:fontRef>
-        </p:style>
-        <p:txBody>
-          <a:bodyPr rtlCol="0" anchor="ctr"/>
-          <a:lstStyle/>
-          <a:p>
-            <a:pPr algn="ctr"/>
-            <a:endParaRPr lang="en-US" dirty="0"/>
-          </a:p>
-        </p:txBody>
-      </p:sp>
-    </p:spTree>
-    <p:extLst>
-      <p:ext uri="{BB962C8B-B14F-4D97-AF65-F5344CB8AC3E}">
-        <p14:creationId xmlns:p14="http://schemas.microsoft.com/office/powerpoint/2010/main" val="4093227076"/>
       </p:ext>
     </p:extLst>
   </p:cSld>
